--- a/presentation/presentation.pptx
+++ b/presentation/presentation.pptx
@@ -6,15 +6,25 @@
   </p:sldMasterIdLst>
   <p:sldIdLst>
     <p:sldId id="256" r:id="rId2"/>
-    <p:sldId id="258" r:id="rId3"/>
-    <p:sldId id="265" r:id="rId4"/>
-    <p:sldId id="257" r:id="rId5"/>
-    <p:sldId id="259" r:id="rId6"/>
-    <p:sldId id="261" r:id="rId7"/>
-    <p:sldId id="260" r:id="rId8"/>
-    <p:sldId id="262" r:id="rId9"/>
-    <p:sldId id="263" r:id="rId10"/>
-    <p:sldId id="264" r:id="rId11"/>
+    <p:sldId id="266" r:id="rId3"/>
+    <p:sldId id="267" r:id="rId4"/>
+    <p:sldId id="268" r:id="rId5"/>
+    <p:sldId id="269" r:id="rId6"/>
+    <p:sldId id="270" r:id="rId7"/>
+    <p:sldId id="271" r:id="rId8"/>
+    <p:sldId id="258" r:id="rId9"/>
+    <p:sldId id="265" r:id="rId10"/>
+    <p:sldId id="257" r:id="rId11"/>
+    <p:sldId id="259" r:id="rId12"/>
+    <p:sldId id="261" r:id="rId13"/>
+    <p:sldId id="260" r:id="rId14"/>
+    <p:sldId id="262" r:id="rId15"/>
+    <p:sldId id="263" r:id="rId16"/>
+    <p:sldId id="264" r:id="rId17"/>
+    <p:sldId id="273" r:id="rId18"/>
+    <p:sldId id="275" r:id="rId19"/>
+    <p:sldId id="276" r:id="rId20"/>
+    <p:sldId id="272" r:id="rId21"/>
   </p:sldIdLst>
   <p:sldSz cx="12192000" cy="6858000"/>
   <p:notesSz cx="6858000" cy="9144000"/>
@@ -289,7 +299,7 @@
           <a:p>
             <a:fld id="{333A04A4-E30C-4ACE-8757-C796E8A3EF60}" type="datetimeFigureOut">
               <a:rPr lang="pt-BR" smtClean="0"/>
-              <a:t>02/04/2024</a:t>
+              <a:t>05/04/2024</a:t>
             </a:fld>
             <a:endParaRPr lang="pt-BR"/>
           </a:p>
@@ -517,7 +527,7 @@
           <a:p>
             <a:fld id="{333A04A4-E30C-4ACE-8757-C796E8A3EF60}" type="datetimeFigureOut">
               <a:rPr lang="pt-BR" smtClean="0"/>
-              <a:t>02/04/2024</a:t>
+              <a:t>05/04/2024</a:t>
             </a:fld>
             <a:endParaRPr lang="pt-BR"/>
           </a:p>
@@ -697,7 +707,7 @@
           <a:p>
             <a:fld id="{333A04A4-E30C-4ACE-8757-C796E8A3EF60}" type="datetimeFigureOut">
               <a:rPr lang="pt-BR" smtClean="0"/>
-              <a:t>02/04/2024</a:t>
+              <a:t>05/04/2024</a:t>
             </a:fld>
             <a:endParaRPr lang="pt-BR"/>
           </a:p>
@@ -867,7 +877,7 @@
           <a:p>
             <a:fld id="{333A04A4-E30C-4ACE-8757-C796E8A3EF60}" type="datetimeFigureOut">
               <a:rPr lang="pt-BR" smtClean="0"/>
-              <a:t>02/04/2024</a:t>
+              <a:t>05/04/2024</a:t>
             </a:fld>
             <a:endParaRPr lang="pt-BR"/>
           </a:p>
@@ -1121,7 +1131,7 @@
           <a:p>
             <a:fld id="{333A04A4-E30C-4ACE-8757-C796E8A3EF60}" type="datetimeFigureOut">
               <a:rPr lang="pt-BR" smtClean="0"/>
-              <a:t>02/04/2024</a:t>
+              <a:t>05/04/2024</a:t>
             </a:fld>
             <a:endParaRPr lang="pt-BR"/>
           </a:p>
@@ -1447,7 +1457,7 @@
           <a:p>
             <a:fld id="{333A04A4-E30C-4ACE-8757-C796E8A3EF60}" type="datetimeFigureOut">
               <a:rPr lang="pt-BR" smtClean="0"/>
-              <a:t>02/04/2024</a:t>
+              <a:t>05/04/2024</a:t>
             </a:fld>
             <a:endParaRPr lang="pt-BR"/>
           </a:p>
@@ -1898,7 +1908,7 @@
           <a:p>
             <a:fld id="{333A04A4-E30C-4ACE-8757-C796E8A3EF60}" type="datetimeFigureOut">
               <a:rPr lang="pt-BR" smtClean="0"/>
-              <a:t>02/04/2024</a:t>
+              <a:t>05/04/2024</a:t>
             </a:fld>
             <a:endParaRPr lang="pt-BR"/>
           </a:p>
@@ -2016,7 +2026,7 @@
           <a:p>
             <a:fld id="{333A04A4-E30C-4ACE-8757-C796E8A3EF60}" type="datetimeFigureOut">
               <a:rPr lang="pt-BR" smtClean="0"/>
-              <a:t>02/04/2024</a:t>
+              <a:t>05/04/2024</a:t>
             </a:fld>
             <a:endParaRPr lang="pt-BR"/>
           </a:p>
@@ -2111,7 +2121,7 @@
           <a:p>
             <a:fld id="{333A04A4-E30C-4ACE-8757-C796E8A3EF60}" type="datetimeFigureOut">
               <a:rPr lang="pt-BR" smtClean="0"/>
-              <a:t>02/04/2024</a:t>
+              <a:t>05/04/2024</a:t>
             </a:fld>
             <a:endParaRPr lang="pt-BR"/>
           </a:p>
@@ -2398,7 +2408,7 @@
           <a:p>
             <a:fld id="{333A04A4-E30C-4ACE-8757-C796E8A3EF60}" type="datetimeFigureOut">
               <a:rPr lang="pt-BR" smtClean="0"/>
-              <a:t>02/04/2024</a:t>
+              <a:t>05/04/2024</a:t>
             </a:fld>
             <a:endParaRPr lang="pt-BR"/>
           </a:p>
@@ -2720,7 +2730,7 @@
           <a:p>
             <a:fld id="{333A04A4-E30C-4ACE-8757-C796E8A3EF60}" type="datetimeFigureOut">
               <a:rPr lang="pt-BR" smtClean="0"/>
-              <a:t>02/04/2024</a:t>
+              <a:t>05/04/2024</a:t>
             </a:fld>
             <a:endParaRPr lang="pt-BR"/>
           </a:p>
@@ -2974,7 +2984,7 @@
           <a:p>
             <a:fld id="{333A04A4-E30C-4ACE-8757-C796E8A3EF60}" type="datetimeFigureOut">
               <a:rPr lang="pt-BR" smtClean="0"/>
-              <a:t>02/04/2024</a:t>
+              <a:t>05/04/2024</a:t>
             </a:fld>
             <a:endParaRPr lang="pt-BR"/>
           </a:p>
@@ -3674,312 +3684,6 @@
           <a:chExt cx="0" cy="0"/>
         </a:xfrm>
       </p:grpSpPr>
-      <p:pic>
-        <p:nvPicPr>
-          <p:cNvPr id="4" name="Imagem 3">
-            <a:extLst>
-              <a:ext uri="{FF2B5EF4-FFF2-40B4-BE49-F238E27FC236}">
-                <a16:creationId xmlns:a16="http://schemas.microsoft.com/office/drawing/2014/main" id="{D237AB17-FD22-4960-B43C-8AB11B702470}"/>
-              </a:ext>
-            </a:extLst>
-          </p:cNvPr>
-          <p:cNvPicPr>
-            <a:picLocks noChangeAspect="1"/>
-          </p:cNvPicPr>
-          <p:nvPr/>
-        </p:nvPicPr>
-        <p:blipFill>
-          <a:blip r:embed="rId2">
-            <a:extLst>
-              <a:ext uri="{28A0092B-C50C-407E-A947-70E740481C1C}">
-                <a14:useLocalDpi xmlns:a14="http://schemas.microsoft.com/office/drawing/2010/main" val="0"/>
-              </a:ext>
-            </a:extLst>
-          </a:blip>
-          <a:stretch>
-            <a:fillRect/>
-          </a:stretch>
-        </p:blipFill>
-        <p:spPr>
-          <a:xfrm>
-            <a:off x="1683304" y="1828800"/>
-            <a:ext cx="7769454" cy="4345814"/>
-          </a:xfrm>
-          <a:prstGeom prst="rect">
-            <a:avLst/>
-          </a:prstGeom>
-        </p:spPr>
-      </p:pic>
-      <p:sp>
-        <p:nvSpPr>
-          <p:cNvPr id="2" name="Título 1">
-            <a:extLst>
-              <a:ext uri="{FF2B5EF4-FFF2-40B4-BE49-F238E27FC236}">
-                <a16:creationId xmlns:a16="http://schemas.microsoft.com/office/drawing/2014/main" id="{FB5DD120-1E84-45CF-8117-C837668F8819}"/>
-              </a:ext>
-            </a:extLst>
-          </p:cNvPr>
-          <p:cNvSpPr>
-            <a:spLocks noGrp="1"/>
-          </p:cNvSpPr>
-          <p:nvPr>
-            <p:ph type="title"/>
-          </p:nvPr>
-        </p:nvSpPr>
-        <p:spPr/>
-        <p:txBody>
-          <a:bodyPr/>
-          <a:lstStyle/>
-          <a:p>
-            <a:r>
-              <a:rPr lang="pt-BR" dirty="0"/>
-              <a:t>Página 3: outros dados</a:t>
-            </a:r>
-          </a:p>
-        </p:txBody>
-      </p:sp>
-    </p:spTree>
-    <p:extLst>
-      <p:ext uri="{BB962C8B-B14F-4D97-AF65-F5344CB8AC3E}">
-        <p14:creationId xmlns:p14="http://schemas.microsoft.com/office/powerpoint/2010/main" val="4187162052"/>
-      </p:ext>
-    </p:extLst>
-  </p:cSld>
-  <p:clrMapOvr>
-    <a:masterClrMapping/>
-  </p:clrMapOvr>
-</p:sld>
-</file>
-
-<file path=ppt/slides/slide2.xml><?xml version="1.0" encoding="utf-8"?>
-<p:sld xmlns:a="http://schemas.openxmlformats.org/drawingml/2006/main" xmlns:r="http://schemas.openxmlformats.org/officeDocument/2006/relationships" xmlns:p="http://schemas.openxmlformats.org/presentationml/2006/main">
-  <p:cSld>
-    <p:spTree>
-      <p:nvGrpSpPr>
-        <p:cNvPr id="1" name=""/>
-        <p:cNvGrpSpPr/>
-        <p:nvPr/>
-      </p:nvGrpSpPr>
-      <p:grpSpPr>
-        <a:xfrm>
-          <a:off x="0" y="0"/>
-          <a:ext cx="0" cy="0"/>
-          <a:chOff x="0" y="0"/>
-          <a:chExt cx="0" cy="0"/>
-        </a:xfrm>
-      </p:grpSpPr>
-      <p:sp>
-        <p:nvSpPr>
-          <p:cNvPr id="2" name="Título 1">
-            <a:extLst>
-              <a:ext uri="{FF2B5EF4-FFF2-40B4-BE49-F238E27FC236}">
-                <a16:creationId xmlns:a16="http://schemas.microsoft.com/office/drawing/2014/main" id="{8CEBF2C9-D632-449D-9007-2E263D4D566A}"/>
-              </a:ext>
-            </a:extLst>
-          </p:cNvPr>
-          <p:cNvSpPr>
-            <a:spLocks noGrp="1"/>
-          </p:cNvSpPr>
-          <p:nvPr>
-            <p:ph type="title"/>
-          </p:nvPr>
-        </p:nvSpPr>
-        <p:spPr/>
-        <p:txBody>
-          <a:bodyPr/>
-          <a:lstStyle/>
-          <a:p>
-            <a:r>
-              <a:rPr lang="pt-BR" dirty="0"/>
-              <a:t>Página 1: visão geral de disciplina</a:t>
-            </a:r>
-          </a:p>
-        </p:txBody>
-      </p:sp>
-      <p:pic>
-        <p:nvPicPr>
-          <p:cNvPr id="5" name="Espaço Reservado para Conteúdo 4">
-            <a:extLst>
-              <a:ext uri="{FF2B5EF4-FFF2-40B4-BE49-F238E27FC236}">
-                <a16:creationId xmlns:a16="http://schemas.microsoft.com/office/drawing/2014/main" id="{E96825E6-DE29-43AD-A8C6-715B333E680C}"/>
-              </a:ext>
-            </a:extLst>
-          </p:cNvPr>
-          <p:cNvPicPr>
-            <a:picLocks noGrp="1" noChangeAspect="1"/>
-          </p:cNvPicPr>
-          <p:nvPr>
-            <p:ph idx="1"/>
-          </p:nvPr>
-        </p:nvPicPr>
-        <p:blipFill>
-          <a:blip r:embed="rId2">
-            <a:extLst>
-              <a:ext uri="{28A0092B-C50C-407E-A947-70E740481C1C}">
-                <a14:useLocalDpi xmlns:a14="http://schemas.microsoft.com/office/drawing/2010/main" val="0"/>
-              </a:ext>
-            </a:extLst>
-          </a:blip>
-          <a:stretch>
-            <a:fillRect/>
-          </a:stretch>
-        </p:blipFill>
-        <p:spPr>
-          <a:xfrm>
-            <a:off x="1692181" y="1828800"/>
-            <a:ext cx="7734489" cy="4351338"/>
-          </a:xfrm>
-        </p:spPr>
-      </p:pic>
-    </p:spTree>
-    <p:extLst>
-      <p:ext uri="{BB962C8B-B14F-4D97-AF65-F5344CB8AC3E}">
-        <p14:creationId xmlns:p14="http://schemas.microsoft.com/office/powerpoint/2010/main" val="52904566"/>
-      </p:ext>
-    </p:extLst>
-  </p:cSld>
-  <p:clrMapOvr>
-    <a:masterClrMapping/>
-  </p:clrMapOvr>
-</p:sld>
-</file>
-
-<file path=ppt/slides/slide3.xml><?xml version="1.0" encoding="utf-8"?>
-<p:sld xmlns:a="http://schemas.openxmlformats.org/drawingml/2006/main" xmlns:r="http://schemas.openxmlformats.org/officeDocument/2006/relationships" xmlns:p="http://schemas.openxmlformats.org/presentationml/2006/main">
-  <p:cSld>
-    <p:spTree>
-      <p:nvGrpSpPr>
-        <p:cNvPr id="1" name=""/>
-        <p:cNvGrpSpPr/>
-        <p:nvPr/>
-      </p:nvGrpSpPr>
-      <p:grpSpPr>
-        <a:xfrm>
-          <a:off x="0" y="0"/>
-          <a:ext cx="0" cy="0"/>
-          <a:chOff x="0" y="0"/>
-          <a:chExt cx="0" cy="0"/>
-        </a:xfrm>
-      </p:grpSpPr>
-      <p:pic>
-        <p:nvPicPr>
-          <p:cNvPr id="4" name="Imagem 3">
-            <a:extLst>
-              <a:ext uri="{FF2B5EF4-FFF2-40B4-BE49-F238E27FC236}">
-                <a16:creationId xmlns:a16="http://schemas.microsoft.com/office/drawing/2014/main" id="{6A006B9F-7FDA-4D25-8963-24EE1AD69BD6}"/>
-              </a:ext>
-            </a:extLst>
-          </p:cNvPr>
-          <p:cNvPicPr>
-            <a:picLocks noChangeAspect="1"/>
-          </p:cNvPicPr>
-          <p:nvPr/>
-        </p:nvPicPr>
-        <p:blipFill>
-          <a:blip r:embed="rId2">
-            <a:extLst>
-              <a:ext uri="{28A0092B-C50C-407E-A947-70E740481C1C}">
-                <a14:useLocalDpi xmlns:a14="http://schemas.microsoft.com/office/drawing/2010/main" val="0"/>
-              </a:ext>
-            </a:extLst>
-          </a:blip>
-          <a:stretch>
-            <a:fillRect/>
-          </a:stretch>
-        </p:blipFill>
-        <p:spPr>
-          <a:xfrm>
-            <a:off x="1692181" y="1828800"/>
-            <a:ext cx="7734489" cy="4329991"/>
-          </a:xfrm>
-          <a:prstGeom prst="rect">
-            <a:avLst/>
-          </a:prstGeom>
-        </p:spPr>
-      </p:pic>
-      <p:sp>
-        <p:nvSpPr>
-          <p:cNvPr id="2" name="Título 1">
-            <a:extLst>
-              <a:ext uri="{FF2B5EF4-FFF2-40B4-BE49-F238E27FC236}">
-                <a16:creationId xmlns:a16="http://schemas.microsoft.com/office/drawing/2014/main" id="{8CEBF2C9-D632-449D-9007-2E263D4D566A}"/>
-              </a:ext>
-            </a:extLst>
-          </p:cNvPr>
-          <p:cNvSpPr>
-            <a:spLocks noGrp="1"/>
-          </p:cNvSpPr>
-          <p:nvPr>
-            <p:ph type="title"/>
-          </p:nvPr>
-        </p:nvSpPr>
-        <p:spPr/>
-        <p:txBody>
-          <a:bodyPr/>
-          <a:lstStyle/>
-          <a:p>
-            <a:r>
-              <a:rPr lang="pt-BR" dirty="0"/>
-              <a:t>Página 1: visão geral de disciplina</a:t>
-            </a:r>
-          </a:p>
-        </p:txBody>
-      </p:sp>
-      <p:sp>
-        <p:nvSpPr>
-          <p:cNvPr id="7" name="Espaço Reservado para Conteúdo 6">
-            <a:extLst>
-              <a:ext uri="{FF2B5EF4-FFF2-40B4-BE49-F238E27FC236}">
-                <a16:creationId xmlns:a16="http://schemas.microsoft.com/office/drawing/2014/main" id="{2E112E0A-D9BF-4A3A-B3BE-429B1F56008D}"/>
-              </a:ext>
-            </a:extLst>
-          </p:cNvPr>
-          <p:cNvSpPr>
-            <a:spLocks noGrp="1"/>
-          </p:cNvSpPr>
-          <p:nvPr>
-            <p:ph idx="1"/>
-          </p:nvPr>
-        </p:nvSpPr>
-        <p:spPr/>
-        <p:txBody>
-          <a:bodyPr/>
-          <a:lstStyle/>
-          <a:p>
-            <a:endParaRPr lang="pt-BR"/>
-          </a:p>
-        </p:txBody>
-      </p:sp>
-    </p:spTree>
-    <p:extLst>
-      <p:ext uri="{BB962C8B-B14F-4D97-AF65-F5344CB8AC3E}">
-        <p14:creationId xmlns:p14="http://schemas.microsoft.com/office/powerpoint/2010/main" val="4038685972"/>
-      </p:ext>
-    </p:extLst>
-  </p:cSld>
-  <p:clrMapOvr>
-    <a:masterClrMapping/>
-  </p:clrMapOvr>
-</p:sld>
-</file>
-
-<file path=ppt/slides/slide4.xml><?xml version="1.0" encoding="utf-8"?>
-<p:sld xmlns:a="http://schemas.openxmlformats.org/drawingml/2006/main" xmlns:r="http://schemas.openxmlformats.org/officeDocument/2006/relationships" xmlns:p="http://schemas.openxmlformats.org/presentationml/2006/main">
-  <p:cSld>
-    <p:spTree>
-      <p:nvGrpSpPr>
-        <p:cNvPr id="1" name=""/>
-        <p:cNvGrpSpPr/>
-        <p:nvPr/>
-      </p:nvGrpSpPr>
-      <p:grpSpPr>
-        <a:xfrm>
-          <a:off x="0" y="0"/>
-          <a:ext cx="0" cy="0"/>
-          <a:chOff x="0" y="0"/>
-          <a:chExt cx="0" cy="0"/>
-        </a:xfrm>
-      </p:grpSpPr>
       <p:sp>
         <p:nvSpPr>
           <p:cNvPr id="2" name="Título 1">
@@ -4056,7 +3760,7 @@
 </p:sld>
 </file>
 
-<file path=ppt/slides/slide5.xml><?xml version="1.0" encoding="utf-8"?>
+<file path=ppt/slides/slide11.xml><?xml version="1.0" encoding="utf-8"?>
 <p:sld xmlns:a="http://schemas.openxmlformats.org/drawingml/2006/main" xmlns:r="http://schemas.openxmlformats.org/officeDocument/2006/relationships" xmlns:p="http://schemas.openxmlformats.org/presentationml/2006/main">
   <p:cSld>
     <p:spTree>
@@ -4149,7 +3853,7 @@
 </p:sld>
 </file>
 
-<file path=ppt/slides/slide6.xml><?xml version="1.0" encoding="utf-8"?>
+<file path=ppt/slides/slide12.xml><?xml version="1.0" encoding="utf-8"?>
 <p:sld xmlns:a="http://schemas.openxmlformats.org/drawingml/2006/main" xmlns:r="http://schemas.openxmlformats.org/officeDocument/2006/relationships" xmlns:p="http://schemas.openxmlformats.org/presentationml/2006/main">
   <p:cSld>
     <p:spTree>
@@ -4243,7 +3947,7 @@
 </p:sld>
 </file>
 
-<file path=ppt/slides/slide7.xml><?xml version="1.0" encoding="utf-8"?>
+<file path=ppt/slides/slide13.xml><?xml version="1.0" encoding="utf-8"?>
 <p:sld xmlns:a="http://schemas.openxmlformats.org/drawingml/2006/main" xmlns:r="http://schemas.openxmlformats.org/officeDocument/2006/relationships" xmlns:p="http://schemas.openxmlformats.org/presentationml/2006/main">
   <p:cSld>
     <p:spTree>
@@ -4337,7 +4041,7 @@
 </p:sld>
 </file>
 
-<file path=ppt/slides/slide8.xml><?xml version="1.0" encoding="utf-8"?>
+<file path=ppt/slides/slide14.xml><?xml version="1.0" encoding="utf-8"?>
 <p:sld xmlns:a="http://schemas.openxmlformats.org/drawingml/2006/main" xmlns:r="http://schemas.openxmlformats.org/officeDocument/2006/relationships" xmlns:p="http://schemas.openxmlformats.org/presentationml/2006/main">
   <p:cSld>
     <p:spTree>
@@ -4422,6 +4126,1269 @@
     <p:extLst>
       <p:ext uri="{BB962C8B-B14F-4D97-AF65-F5344CB8AC3E}">
         <p14:creationId xmlns:p14="http://schemas.microsoft.com/office/powerpoint/2010/main" val="494780809"/>
+      </p:ext>
+    </p:extLst>
+  </p:cSld>
+  <p:clrMapOvr>
+    <a:masterClrMapping/>
+  </p:clrMapOvr>
+</p:sld>
+</file>
+
+<file path=ppt/slides/slide15.xml><?xml version="1.0" encoding="utf-8"?>
+<p:sld xmlns:a="http://schemas.openxmlformats.org/drawingml/2006/main" xmlns:r="http://schemas.openxmlformats.org/officeDocument/2006/relationships" xmlns:p="http://schemas.openxmlformats.org/presentationml/2006/main">
+  <p:cSld>
+    <p:spTree>
+      <p:nvGrpSpPr>
+        <p:cNvPr id="1" name=""/>
+        <p:cNvGrpSpPr/>
+        <p:nvPr/>
+      </p:nvGrpSpPr>
+      <p:grpSpPr>
+        <a:xfrm>
+          <a:off x="0" y="0"/>
+          <a:ext cx="0" cy="0"/>
+          <a:chOff x="0" y="0"/>
+          <a:chExt cx="0" cy="0"/>
+        </a:xfrm>
+      </p:grpSpPr>
+      <p:pic>
+        <p:nvPicPr>
+          <p:cNvPr id="5" name="Imagem 4">
+            <a:extLst>
+              <a:ext uri="{FF2B5EF4-FFF2-40B4-BE49-F238E27FC236}">
+                <a16:creationId xmlns:a16="http://schemas.microsoft.com/office/drawing/2014/main" id="{DA92D866-223C-4749-88FA-6C8D0308F79A}"/>
+              </a:ext>
+            </a:extLst>
+          </p:cNvPr>
+          <p:cNvPicPr>
+            <a:picLocks noChangeAspect="1"/>
+          </p:cNvPicPr>
+          <p:nvPr/>
+        </p:nvPicPr>
+        <p:blipFill>
+          <a:blip r:embed="rId2">
+            <a:extLst>
+              <a:ext uri="{28A0092B-C50C-407E-A947-70E740481C1C}">
+                <a14:useLocalDpi xmlns:a14="http://schemas.microsoft.com/office/drawing/2010/main" val="0"/>
+              </a:ext>
+            </a:extLst>
+          </a:blip>
+          <a:stretch>
+            <a:fillRect/>
+          </a:stretch>
+        </p:blipFill>
+        <p:spPr>
+          <a:xfrm>
+            <a:off x="1683304" y="1828800"/>
+            <a:ext cx="7769454" cy="4363743"/>
+          </a:xfrm>
+          <a:prstGeom prst="rect">
+            <a:avLst/>
+          </a:prstGeom>
+        </p:spPr>
+      </p:pic>
+      <p:sp>
+        <p:nvSpPr>
+          <p:cNvPr id="2" name="Título 1">
+            <a:extLst>
+              <a:ext uri="{FF2B5EF4-FFF2-40B4-BE49-F238E27FC236}">
+                <a16:creationId xmlns:a16="http://schemas.microsoft.com/office/drawing/2014/main" id="{FB5DD120-1E84-45CF-8117-C837668F8819}"/>
+              </a:ext>
+            </a:extLst>
+          </p:cNvPr>
+          <p:cNvSpPr>
+            <a:spLocks noGrp="1"/>
+          </p:cNvSpPr>
+          <p:nvPr>
+            <p:ph type="title"/>
+          </p:nvPr>
+        </p:nvSpPr>
+        <p:spPr/>
+        <p:txBody>
+          <a:bodyPr/>
+          <a:lstStyle/>
+          <a:p>
+            <a:r>
+              <a:rPr lang="pt-BR" dirty="0"/>
+              <a:t>Página 3: outros dados</a:t>
+            </a:r>
+          </a:p>
+        </p:txBody>
+      </p:sp>
+    </p:spTree>
+    <p:extLst>
+      <p:ext uri="{BB962C8B-B14F-4D97-AF65-F5344CB8AC3E}">
+        <p14:creationId xmlns:p14="http://schemas.microsoft.com/office/powerpoint/2010/main" val="4189617595"/>
+      </p:ext>
+    </p:extLst>
+  </p:cSld>
+  <p:clrMapOvr>
+    <a:masterClrMapping/>
+  </p:clrMapOvr>
+</p:sld>
+</file>
+
+<file path=ppt/slides/slide16.xml><?xml version="1.0" encoding="utf-8"?>
+<p:sld xmlns:a="http://schemas.openxmlformats.org/drawingml/2006/main" xmlns:r="http://schemas.openxmlformats.org/officeDocument/2006/relationships" xmlns:p="http://schemas.openxmlformats.org/presentationml/2006/main">
+  <p:cSld>
+    <p:spTree>
+      <p:nvGrpSpPr>
+        <p:cNvPr id="1" name=""/>
+        <p:cNvGrpSpPr/>
+        <p:nvPr/>
+      </p:nvGrpSpPr>
+      <p:grpSpPr>
+        <a:xfrm>
+          <a:off x="0" y="0"/>
+          <a:ext cx="0" cy="0"/>
+          <a:chOff x="0" y="0"/>
+          <a:chExt cx="0" cy="0"/>
+        </a:xfrm>
+      </p:grpSpPr>
+      <p:pic>
+        <p:nvPicPr>
+          <p:cNvPr id="4" name="Imagem 3">
+            <a:extLst>
+              <a:ext uri="{FF2B5EF4-FFF2-40B4-BE49-F238E27FC236}">
+                <a16:creationId xmlns:a16="http://schemas.microsoft.com/office/drawing/2014/main" id="{D237AB17-FD22-4960-B43C-8AB11B702470}"/>
+              </a:ext>
+            </a:extLst>
+          </p:cNvPr>
+          <p:cNvPicPr>
+            <a:picLocks noChangeAspect="1"/>
+          </p:cNvPicPr>
+          <p:nvPr/>
+        </p:nvPicPr>
+        <p:blipFill>
+          <a:blip r:embed="rId2">
+            <a:extLst>
+              <a:ext uri="{28A0092B-C50C-407E-A947-70E740481C1C}">
+                <a14:useLocalDpi xmlns:a14="http://schemas.microsoft.com/office/drawing/2010/main" val="0"/>
+              </a:ext>
+            </a:extLst>
+          </a:blip>
+          <a:stretch>
+            <a:fillRect/>
+          </a:stretch>
+        </p:blipFill>
+        <p:spPr>
+          <a:xfrm>
+            <a:off x="1683304" y="1828800"/>
+            <a:ext cx="7808786" cy="4367814"/>
+          </a:xfrm>
+          <a:prstGeom prst="rect">
+            <a:avLst/>
+          </a:prstGeom>
+        </p:spPr>
+      </p:pic>
+      <p:sp>
+        <p:nvSpPr>
+          <p:cNvPr id="2" name="Título 1">
+            <a:extLst>
+              <a:ext uri="{FF2B5EF4-FFF2-40B4-BE49-F238E27FC236}">
+                <a16:creationId xmlns:a16="http://schemas.microsoft.com/office/drawing/2014/main" id="{FB5DD120-1E84-45CF-8117-C837668F8819}"/>
+              </a:ext>
+            </a:extLst>
+          </p:cNvPr>
+          <p:cNvSpPr>
+            <a:spLocks noGrp="1"/>
+          </p:cNvSpPr>
+          <p:nvPr>
+            <p:ph type="title"/>
+          </p:nvPr>
+        </p:nvSpPr>
+        <p:spPr/>
+        <p:txBody>
+          <a:bodyPr/>
+          <a:lstStyle/>
+          <a:p>
+            <a:r>
+              <a:rPr lang="pt-BR" dirty="0"/>
+              <a:t>Página 3: outros dados</a:t>
+            </a:r>
+          </a:p>
+        </p:txBody>
+      </p:sp>
+    </p:spTree>
+    <p:extLst>
+      <p:ext uri="{BB962C8B-B14F-4D97-AF65-F5344CB8AC3E}">
+        <p14:creationId xmlns:p14="http://schemas.microsoft.com/office/powerpoint/2010/main" val="4187162052"/>
+      </p:ext>
+    </p:extLst>
+  </p:cSld>
+  <p:clrMapOvr>
+    <a:masterClrMapping/>
+  </p:clrMapOvr>
+</p:sld>
+</file>
+
+<file path=ppt/slides/slide17.xml><?xml version="1.0" encoding="utf-8"?>
+<p:sld xmlns:a="http://schemas.openxmlformats.org/drawingml/2006/main" xmlns:r="http://schemas.openxmlformats.org/officeDocument/2006/relationships" xmlns:p="http://schemas.openxmlformats.org/presentationml/2006/main">
+  <p:cSld>
+    <p:spTree>
+      <p:nvGrpSpPr>
+        <p:cNvPr id="1" name=""/>
+        <p:cNvGrpSpPr/>
+        <p:nvPr/>
+      </p:nvGrpSpPr>
+      <p:grpSpPr>
+        <a:xfrm>
+          <a:off x="0" y="0"/>
+          <a:ext cx="0" cy="0"/>
+          <a:chOff x="0" y="0"/>
+          <a:chExt cx="0" cy="0"/>
+        </a:xfrm>
+      </p:grpSpPr>
+      <p:sp>
+        <p:nvSpPr>
+          <p:cNvPr id="2" name="Título 1">
+            <a:extLst>
+              <a:ext uri="{FF2B5EF4-FFF2-40B4-BE49-F238E27FC236}">
+                <a16:creationId xmlns:a16="http://schemas.microsoft.com/office/drawing/2014/main" id="{FC30CCF6-A6A8-4E77-4B95-0DB65E94706B}"/>
+              </a:ext>
+            </a:extLst>
+          </p:cNvPr>
+          <p:cNvSpPr>
+            <a:spLocks noGrp="1"/>
+          </p:cNvSpPr>
+          <p:nvPr>
+            <p:ph type="title"/>
+          </p:nvPr>
+        </p:nvSpPr>
+        <p:spPr/>
+        <p:txBody>
+          <a:bodyPr/>
+          <a:lstStyle/>
+          <a:p>
+            <a:r>
+              <a:rPr lang="pt-BR" dirty="0"/>
+              <a:t>Avaliação dos usuários</a:t>
+            </a:r>
+          </a:p>
+        </p:txBody>
+      </p:sp>
+      <p:pic>
+        <p:nvPicPr>
+          <p:cNvPr id="1028" name="Picture 4" descr="Gráfico de respostas do Formulários Google. Título da pergunta: Qual nota você dá para as informações apresentadas?. Número de respostas: 5 respostas.">
+            <a:extLst>
+              <a:ext uri="{FF2B5EF4-FFF2-40B4-BE49-F238E27FC236}">
+                <a16:creationId xmlns:a16="http://schemas.microsoft.com/office/drawing/2014/main" id="{E4143ED6-D439-8FB1-0751-9F4CB268DFE3}"/>
+              </a:ext>
+            </a:extLst>
+          </p:cNvPr>
+          <p:cNvPicPr>
+            <a:picLocks noChangeAspect="1" noChangeArrowheads="1"/>
+          </p:cNvPicPr>
+          <p:nvPr/>
+        </p:nvPicPr>
+        <p:blipFill>
+          <a:blip r:embed="rId2">
+            <a:extLst>
+              <a:ext uri="{28A0092B-C50C-407E-A947-70E740481C1C}">
+                <a14:useLocalDpi xmlns:a14="http://schemas.microsoft.com/office/drawing/2010/main" val="0"/>
+              </a:ext>
+            </a:extLst>
+          </a:blip>
+          <a:srcRect/>
+          <a:stretch>
+            <a:fillRect/>
+          </a:stretch>
+        </p:blipFill>
+        <p:spPr bwMode="auto">
+          <a:xfrm>
+            <a:off x="2223856" y="2360540"/>
+            <a:ext cx="7744287" cy="3681562"/>
+          </a:xfrm>
+          <a:prstGeom prst="rect">
+            <a:avLst/>
+          </a:prstGeom>
+          <a:noFill/>
+          <a:extLst>
+            <a:ext uri="{909E8E84-426E-40DD-AFC4-6F175D3DCCD1}">
+              <a14:hiddenFill xmlns:a14="http://schemas.microsoft.com/office/drawing/2010/main">
+                <a:solidFill>
+                  <a:srgbClr val="FFFFFF"/>
+                </a:solidFill>
+              </a14:hiddenFill>
+            </a:ext>
+          </a:extLst>
+        </p:spPr>
+      </p:pic>
+    </p:spTree>
+    <p:extLst>
+      <p:ext uri="{BB962C8B-B14F-4D97-AF65-F5344CB8AC3E}">
+        <p14:creationId xmlns:p14="http://schemas.microsoft.com/office/powerpoint/2010/main" val="962727688"/>
+      </p:ext>
+    </p:extLst>
+  </p:cSld>
+  <p:clrMapOvr>
+    <a:masterClrMapping/>
+  </p:clrMapOvr>
+</p:sld>
+</file>
+
+<file path=ppt/slides/slide18.xml><?xml version="1.0" encoding="utf-8"?>
+<p:sld xmlns:a="http://schemas.openxmlformats.org/drawingml/2006/main" xmlns:r="http://schemas.openxmlformats.org/officeDocument/2006/relationships" xmlns:p="http://schemas.openxmlformats.org/presentationml/2006/main">
+  <p:cSld>
+    <p:spTree>
+      <p:nvGrpSpPr>
+        <p:cNvPr id="1" name=""/>
+        <p:cNvGrpSpPr/>
+        <p:nvPr/>
+      </p:nvGrpSpPr>
+      <p:grpSpPr>
+        <a:xfrm>
+          <a:off x="0" y="0"/>
+          <a:ext cx="0" cy="0"/>
+          <a:chOff x="0" y="0"/>
+          <a:chExt cx="0" cy="0"/>
+        </a:xfrm>
+      </p:grpSpPr>
+      <p:pic>
+        <p:nvPicPr>
+          <p:cNvPr id="2050" name="Picture 2" descr="Gráfico de respostas do Formulários Google. Título da pergunta: Qual nota você dá para a aparência/facilidade de visualização?. Número de respostas: 5 respostas.">
+            <a:extLst>
+              <a:ext uri="{FF2B5EF4-FFF2-40B4-BE49-F238E27FC236}">
+                <a16:creationId xmlns:a16="http://schemas.microsoft.com/office/drawing/2014/main" id="{509280FC-9AF1-14B2-41D1-198842EF75D9}"/>
+              </a:ext>
+            </a:extLst>
+          </p:cNvPr>
+          <p:cNvPicPr>
+            <a:picLocks noChangeAspect="1" noChangeArrowheads="1"/>
+          </p:cNvPicPr>
+          <p:nvPr/>
+        </p:nvPicPr>
+        <p:blipFill>
+          <a:blip r:embed="rId2">
+            <a:extLst>
+              <a:ext uri="{28A0092B-C50C-407E-A947-70E740481C1C}">
+                <a14:useLocalDpi xmlns:a14="http://schemas.microsoft.com/office/drawing/2010/main" val="0"/>
+              </a:ext>
+            </a:extLst>
+          </a:blip>
+          <a:srcRect/>
+          <a:stretch>
+            <a:fillRect/>
+          </a:stretch>
+        </p:blipFill>
+        <p:spPr bwMode="auto">
+          <a:xfrm>
+            <a:off x="2223856" y="2360540"/>
+            <a:ext cx="7744287" cy="3681562"/>
+          </a:xfrm>
+          <a:prstGeom prst="rect">
+            <a:avLst/>
+          </a:prstGeom>
+          <a:noFill/>
+          <a:extLst>
+            <a:ext uri="{909E8E84-426E-40DD-AFC4-6F175D3DCCD1}">
+              <a14:hiddenFill xmlns:a14="http://schemas.microsoft.com/office/drawing/2010/main">
+                <a:solidFill>
+                  <a:srgbClr val="FFFFFF"/>
+                </a:solidFill>
+              </a14:hiddenFill>
+            </a:ext>
+          </a:extLst>
+        </p:spPr>
+      </p:pic>
+      <p:sp>
+        <p:nvSpPr>
+          <p:cNvPr id="2" name="Título 1">
+            <a:extLst>
+              <a:ext uri="{FF2B5EF4-FFF2-40B4-BE49-F238E27FC236}">
+                <a16:creationId xmlns:a16="http://schemas.microsoft.com/office/drawing/2014/main" id="{FC30CCF6-A6A8-4E77-4B95-0DB65E94706B}"/>
+              </a:ext>
+            </a:extLst>
+          </p:cNvPr>
+          <p:cNvSpPr>
+            <a:spLocks noGrp="1"/>
+          </p:cNvSpPr>
+          <p:nvPr>
+            <p:ph type="title"/>
+          </p:nvPr>
+        </p:nvSpPr>
+        <p:spPr/>
+        <p:txBody>
+          <a:bodyPr/>
+          <a:lstStyle/>
+          <a:p>
+            <a:r>
+              <a:rPr lang="pt-BR" dirty="0"/>
+              <a:t>Avaliação dos usuários</a:t>
+            </a:r>
+          </a:p>
+        </p:txBody>
+      </p:sp>
+    </p:spTree>
+    <p:extLst>
+      <p:ext uri="{BB962C8B-B14F-4D97-AF65-F5344CB8AC3E}">
+        <p14:creationId xmlns:p14="http://schemas.microsoft.com/office/powerpoint/2010/main" val="1588072586"/>
+      </p:ext>
+    </p:extLst>
+  </p:cSld>
+  <p:clrMapOvr>
+    <a:masterClrMapping/>
+  </p:clrMapOvr>
+</p:sld>
+</file>
+
+<file path=ppt/slides/slide19.xml><?xml version="1.0" encoding="utf-8"?>
+<p:sld xmlns:a="http://schemas.openxmlformats.org/drawingml/2006/main" xmlns:r="http://schemas.openxmlformats.org/officeDocument/2006/relationships" xmlns:p="http://schemas.openxmlformats.org/presentationml/2006/main">
+  <p:cSld>
+    <p:spTree>
+      <p:nvGrpSpPr>
+        <p:cNvPr id="1" name=""/>
+        <p:cNvGrpSpPr/>
+        <p:nvPr/>
+      </p:nvGrpSpPr>
+      <p:grpSpPr>
+        <a:xfrm>
+          <a:off x="0" y="0"/>
+          <a:ext cx="0" cy="0"/>
+          <a:chOff x="0" y="0"/>
+          <a:chExt cx="0" cy="0"/>
+        </a:xfrm>
+      </p:grpSpPr>
+      <p:pic>
+        <p:nvPicPr>
+          <p:cNvPr id="3074" name="Picture 2" descr="Gráfico de respostas do Formulários Google. Título da pergunta: Você acha que este dashboard pode ser útil para os alunos na hora de escolher disciplinas?. Número de respostas: 5 respostas.">
+            <a:extLst>
+              <a:ext uri="{FF2B5EF4-FFF2-40B4-BE49-F238E27FC236}">
+                <a16:creationId xmlns:a16="http://schemas.microsoft.com/office/drawing/2014/main" id="{57216D2F-8561-5BBB-4938-D6E4661A657C}"/>
+              </a:ext>
+            </a:extLst>
+          </p:cNvPr>
+          <p:cNvPicPr>
+            <a:picLocks noChangeAspect="1" noChangeArrowheads="1"/>
+          </p:cNvPicPr>
+          <p:nvPr/>
+        </p:nvPicPr>
+        <p:blipFill>
+          <a:blip r:embed="rId2">
+            <a:extLst>
+              <a:ext uri="{28A0092B-C50C-407E-A947-70E740481C1C}">
+                <a14:useLocalDpi xmlns:a14="http://schemas.microsoft.com/office/drawing/2010/main" val="0"/>
+              </a:ext>
+            </a:extLst>
+          </a:blip>
+          <a:srcRect/>
+          <a:stretch>
+            <a:fillRect/>
+          </a:stretch>
+        </p:blipFill>
+        <p:spPr bwMode="auto">
+          <a:xfrm>
+            <a:off x="2223856" y="2360541"/>
+            <a:ext cx="7744287" cy="3258046"/>
+          </a:xfrm>
+          <a:prstGeom prst="rect">
+            <a:avLst/>
+          </a:prstGeom>
+          <a:noFill/>
+          <a:extLst>
+            <a:ext uri="{909E8E84-426E-40DD-AFC4-6F175D3DCCD1}">
+              <a14:hiddenFill xmlns:a14="http://schemas.microsoft.com/office/drawing/2010/main">
+                <a:solidFill>
+                  <a:srgbClr val="FFFFFF"/>
+                </a:solidFill>
+              </a14:hiddenFill>
+            </a:ext>
+          </a:extLst>
+        </p:spPr>
+      </p:pic>
+      <p:sp>
+        <p:nvSpPr>
+          <p:cNvPr id="2" name="Título 1">
+            <a:extLst>
+              <a:ext uri="{FF2B5EF4-FFF2-40B4-BE49-F238E27FC236}">
+                <a16:creationId xmlns:a16="http://schemas.microsoft.com/office/drawing/2014/main" id="{FC30CCF6-A6A8-4E77-4B95-0DB65E94706B}"/>
+              </a:ext>
+            </a:extLst>
+          </p:cNvPr>
+          <p:cNvSpPr>
+            <a:spLocks noGrp="1"/>
+          </p:cNvSpPr>
+          <p:nvPr>
+            <p:ph type="title"/>
+          </p:nvPr>
+        </p:nvSpPr>
+        <p:spPr/>
+        <p:txBody>
+          <a:bodyPr/>
+          <a:lstStyle/>
+          <a:p>
+            <a:r>
+              <a:rPr lang="pt-BR" dirty="0"/>
+              <a:t>Avaliação dos usuários</a:t>
+            </a:r>
+          </a:p>
+        </p:txBody>
+      </p:sp>
+    </p:spTree>
+    <p:extLst>
+      <p:ext uri="{BB962C8B-B14F-4D97-AF65-F5344CB8AC3E}">
+        <p14:creationId xmlns:p14="http://schemas.microsoft.com/office/powerpoint/2010/main" val="3313984189"/>
+      </p:ext>
+    </p:extLst>
+  </p:cSld>
+  <p:clrMapOvr>
+    <a:masterClrMapping/>
+  </p:clrMapOvr>
+</p:sld>
+</file>
+
+<file path=ppt/slides/slide2.xml><?xml version="1.0" encoding="utf-8"?>
+<p:sld xmlns:a="http://schemas.openxmlformats.org/drawingml/2006/main" xmlns:r="http://schemas.openxmlformats.org/officeDocument/2006/relationships" xmlns:p="http://schemas.openxmlformats.org/presentationml/2006/main">
+  <p:cSld>
+    <p:spTree>
+      <p:nvGrpSpPr>
+        <p:cNvPr id="1" name=""/>
+        <p:cNvGrpSpPr/>
+        <p:nvPr/>
+      </p:nvGrpSpPr>
+      <p:grpSpPr>
+        <a:xfrm>
+          <a:off x="0" y="0"/>
+          <a:ext cx="0" cy="0"/>
+          <a:chOff x="0" y="0"/>
+          <a:chExt cx="0" cy="0"/>
+        </a:xfrm>
+      </p:grpSpPr>
+      <p:sp>
+        <p:nvSpPr>
+          <p:cNvPr id="2" name="Título 1">
+            <a:extLst>
+              <a:ext uri="{FF2B5EF4-FFF2-40B4-BE49-F238E27FC236}">
+                <a16:creationId xmlns:a16="http://schemas.microsoft.com/office/drawing/2014/main" id="{BFC21C78-2501-0883-944D-8AF596A94589}"/>
+              </a:ext>
+            </a:extLst>
+          </p:cNvPr>
+          <p:cNvSpPr>
+            <a:spLocks noGrp="1"/>
+          </p:cNvSpPr>
+          <p:nvPr>
+            <p:ph type="title"/>
+          </p:nvPr>
+        </p:nvSpPr>
+        <p:spPr/>
+        <p:txBody>
+          <a:bodyPr/>
+          <a:lstStyle/>
+          <a:p>
+            <a:r>
+              <a:rPr lang="pt-BR" dirty="0"/>
+              <a:t>Metodologia</a:t>
+            </a:r>
+          </a:p>
+        </p:txBody>
+      </p:sp>
+      <p:pic>
+        <p:nvPicPr>
+          <p:cNvPr id="5" name="Gráfico 4">
+            <a:extLst>
+              <a:ext uri="{FF2B5EF4-FFF2-40B4-BE49-F238E27FC236}">
+                <a16:creationId xmlns:a16="http://schemas.microsoft.com/office/drawing/2014/main" id="{ED07EEFD-82B1-9A17-C3E2-E87E10409B0F}"/>
+              </a:ext>
+            </a:extLst>
+          </p:cNvPr>
+          <p:cNvPicPr>
+            <a:picLocks noChangeAspect="1"/>
+          </p:cNvPicPr>
+          <p:nvPr/>
+        </p:nvPicPr>
+        <p:blipFill>
+          <a:blip r:embed="rId2">
+            <a:extLst>
+              <a:ext uri="{28A0092B-C50C-407E-A947-70E740481C1C}">
+                <a14:useLocalDpi xmlns:a14="http://schemas.microsoft.com/office/drawing/2010/main" val="0"/>
+              </a:ext>
+              <a:ext uri="{96DAC541-7B7A-43D3-8B79-37D633B846F1}">
+                <asvg:svgBlip xmlns:asvg="http://schemas.microsoft.com/office/drawing/2016/SVG/main" r:embed="rId3"/>
+              </a:ext>
+            </a:extLst>
+          </a:blip>
+          <a:stretch>
+            <a:fillRect/>
+          </a:stretch>
+        </p:blipFill>
+        <p:spPr>
+          <a:xfrm>
+            <a:off x="1903265" y="2287410"/>
+            <a:ext cx="8385469" cy="3051446"/>
+          </a:xfrm>
+          <a:prstGeom prst="rect">
+            <a:avLst/>
+          </a:prstGeom>
+        </p:spPr>
+      </p:pic>
+    </p:spTree>
+    <p:extLst>
+      <p:ext uri="{BB962C8B-B14F-4D97-AF65-F5344CB8AC3E}">
+        <p14:creationId xmlns:p14="http://schemas.microsoft.com/office/powerpoint/2010/main" val="3265062330"/>
+      </p:ext>
+    </p:extLst>
+  </p:cSld>
+  <p:clrMapOvr>
+    <a:masterClrMapping/>
+  </p:clrMapOvr>
+</p:sld>
+</file>
+
+<file path=ppt/slides/slide20.xml><?xml version="1.0" encoding="utf-8"?>
+<p:sld xmlns:a="http://schemas.openxmlformats.org/drawingml/2006/main" xmlns:r="http://schemas.openxmlformats.org/officeDocument/2006/relationships" xmlns:p="http://schemas.openxmlformats.org/presentationml/2006/main">
+  <p:cSld>
+    <p:spTree>
+      <p:nvGrpSpPr>
+        <p:cNvPr id="1" name=""/>
+        <p:cNvGrpSpPr/>
+        <p:nvPr/>
+      </p:nvGrpSpPr>
+      <p:grpSpPr>
+        <a:xfrm>
+          <a:off x="0" y="0"/>
+          <a:ext cx="0" cy="0"/>
+          <a:chOff x="0" y="0"/>
+          <a:chExt cx="0" cy="0"/>
+        </a:xfrm>
+      </p:grpSpPr>
+      <p:sp>
+        <p:nvSpPr>
+          <p:cNvPr id="2" name="Título 1">
+            <a:extLst>
+              <a:ext uri="{FF2B5EF4-FFF2-40B4-BE49-F238E27FC236}">
+                <a16:creationId xmlns:a16="http://schemas.microsoft.com/office/drawing/2014/main" id="{E3405ED8-07BF-6637-9FFA-4E2099BA6138}"/>
+              </a:ext>
+            </a:extLst>
+          </p:cNvPr>
+          <p:cNvSpPr>
+            <a:spLocks noGrp="1"/>
+          </p:cNvSpPr>
+          <p:nvPr>
+            <p:ph type="title"/>
+          </p:nvPr>
+        </p:nvSpPr>
+        <p:spPr/>
+        <p:txBody>
+          <a:bodyPr/>
+          <a:lstStyle/>
+          <a:p>
+            <a:r>
+              <a:rPr lang="pt-BR" dirty="0"/>
+              <a:t>Trabalhos futuros</a:t>
+            </a:r>
+          </a:p>
+        </p:txBody>
+      </p:sp>
+      <p:sp>
+        <p:nvSpPr>
+          <p:cNvPr id="3" name="Espaço Reservado para Conteúdo 2">
+            <a:extLst>
+              <a:ext uri="{FF2B5EF4-FFF2-40B4-BE49-F238E27FC236}">
+                <a16:creationId xmlns:a16="http://schemas.microsoft.com/office/drawing/2014/main" id="{8E73546B-8F94-AE92-C170-98EB811C86B3}"/>
+              </a:ext>
+            </a:extLst>
+          </p:cNvPr>
+          <p:cNvSpPr>
+            <a:spLocks noGrp="1"/>
+          </p:cNvSpPr>
+          <p:nvPr>
+            <p:ph idx="1"/>
+          </p:nvPr>
+        </p:nvSpPr>
+        <p:spPr/>
+        <p:txBody>
+          <a:bodyPr/>
+          <a:lstStyle/>
+          <a:p>
+            <a:r>
+              <a:rPr lang="pt-BR" dirty="0"/>
+              <a:t>Mudanças na aparência dos gráficos, principalmente visando acessibilidade para usuários com deficiências visuais.</a:t>
+            </a:r>
+          </a:p>
+        </p:txBody>
+      </p:sp>
+    </p:spTree>
+    <p:extLst>
+      <p:ext uri="{BB962C8B-B14F-4D97-AF65-F5344CB8AC3E}">
+        <p14:creationId xmlns:p14="http://schemas.microsoft.com/office/powerpoint/2010/main" val="2392565333"/>
+      </p:ext>
+    </p:extLst>
+  </p:cSld>
+  <p:clrMapOvr>
+    <a:masterClrMapping/>
+  </p:clrMapOvr>
+</p:sld>
+</file>
+
+<file path=ppt/slides/slide3.xml><?xml version="1.0" encoding="utf-8"?>
+<p:sld xmlns:a="http://schemas.openxmlformats.org/drawingml/2006/main" xmlns:r="http://schemas.openxmlformats.org/officeDocument/2006/relationships" xmlns:p="http://schemas.openxmlformats.org/presentationml/2006/main">
+  <p:cSld>
+    <p:spTree>
+      <p:nvGrpSpPr>
+        <p:cNvPr id="1" name=""/>
+        <p:cNvGrpSpPr/>
+        <p:nvPr/>
+      </p:nvGrpSpPr>
+      <p:grpSpPr>
+        <a:xfrm>
+          <a:off x="0" y="0"/>
+          <a:ext cx="0" cy="0"/>
+          <a:chOff x="0" y="0"/>
+          <a:chExt cx="0" cy="0"/>
+        </a:xfrm>
+      </p:grpSpPr>
+      <p:sp>
+        <p:nvSpPr>
+          <p:cNvPr id="2" name="Título 1">
+            <a:extLst>
+              <a:ext uri="{FF2B5EF4-FFF2-40B4-BE49-F238E27FC236}">
+                <a16:creationId xmlns:a16="http://schemas.microsoft.com/office/drawing/2014/main" id="{05ECEDB5-AF96-D63C-659B-B77EE38B9F44}"/>
+              </a:ext>
+            </a:extLst>
+          </p:cNvPr>
+          <p:cNvSpPr>
+            <a:spLocks noGrp="1"/>
+          </p:cNvSpPr>
+          <p:nvPr>
+            <p:ph type="title"/>
+          </p:nvPr>
+        </p:nvSpPr>
+        <p:spPr/>
+        <p:txBody>
+          <a:bodyPr/>
+          <a:lstStyle/>
+          <a:p>
+            <a:r>
+              <a:rPr lang="pt-BR" dirty="0"/>
+              <a:t>Dados: Coleta</a:t>
+            </a:r>
+          </a:p>
+        </p:txBody>
+      </p:sp>
+      <p:sp>
+        <p:nvSpPr>
+          <p:cNvPr id="3" name="Espaço Reservado para Conteúdo 2">
+            <a:extLst>
+              <a:ext uri="{FF2B5EF4-FFF2-40B4-BE49-F238E27FC236}">
+                <a16:creationId xmlns:a16="http://schemas.microsoft.com/office/drawing/2014/main" id="{692FD589-5A6D-DF63-AA69-1301CDF559A2}"/>
+              </a:ext>
+            </a:extLst>
+          </p:cNvPr>
+          <p:cNvSpPr>
+            <a:spLocks noGrp="1"/>
+          </p:cNvSpPr>
+          <p:nvPr>
+            <p:ph idx="1"/>
+          </p:nvPr>
+        </p:nvSpPr>
+        <p:spPr/>
+        <p:txBody>
+          <a:bodyPr/>
+          <a:lstStyle/>
+          <a:p>
+            <a:r>
+              <a:rPr lang="pt-BR" dirty="0"/>
+              <a:t>A coleta dos dados dos alunos foi feita junto a secretaria do Curso de Ciência da Computação da UFSM</a:t>
+            </a:r>
+          </a:p>
+          <a:p>
+            <a:r>
+              <a:rPr lang="pt-BR" dirty="0"/>
+              <a:t>Também foi criado um novo conjunto de dados, contendo as disciplinas do curso, semestres recomendados, etc.</a:t>
+            </a:r>
+          </a:p>
+        </p:txBody>
+      </p:sp>
+    </p:spTree>
+    <p:extLst>
+      <p:ext uri="{BB962C8B-B14F-4D97-AF65-F5344CB8AC3E}">
+        <p14:creationId xmlns:p14="http://schemas.microsoft.com/office/powerpoint/2010/main" val="1980494359"/>
+      </p:ext>
+    </p:extLst>
+  </p:cSld>
+  <p:clrMapOvr>
+    <a:masterClrMapping/>
+  </p:clrMapOvr>
+</p:sld>
+</file>
+
+<file path=ppt/slides/slide4.xml><?xml version="1.0" encoding="utf-8"?>
+<p:sld xmlns:a="http://schemas.openxmlformats.org/drawingml/2006/main" xmlns:r="http://schemas.openxmlformats.org/officeDocument/2006/relationships" xmlns:p="http://schemas.openxmlformats.org/presentationml/2006/main">
+  <p:cSld>
+    <p:spTree>
+      <p:nvGrpSpPr>
+        <p:cNvPr id="1" name=""/>
+        <p:cNvGrpSpPr/>
+        <p:nvPr/>
+      </p:nvGrpSpPr>
+      <p:grpSpPr>
+        <a:xfrm>
+          <a:off x="0" y="0"/>
+          <a:ext cx="0" cy="0"/>
+          <a:chOff x="0" y="0"/>
+          <a:chExt cx="0" cy="0"/>
+        </a:xfrm>
+      </p:grpSpPr>
+      <p:sp>
+        <p:nvSpPr>
+          <p:cNvPr id="2" name="Título 1">
+            <a:extLst>
+              <a:ext uri="{FF2B5EF4-FFF2-40B4-BE49-F238E27FC236}">
+                <a16:creationId xmlns:a16="http://schemas.microsoft.com/office/drawing/2014/main" id="{06261A26-9A25-B38F-5F3B-E29726C8DBA7}"/>
+              </a:ext>
+            </a:extLst>
+          </p:cNvPr>
+          <p:cNvSpPr>
+            <a:spLocks noGrp="1"/>
+          </p:cNvSpPr>
+          <p:nvPr>
+            <p:ph type="title"/>
+          </p:nvPr>
+        </p:nvSpPr>
+        <p:spPr/>
+        <p:txBody>
+          <a:bodyPr/>
+          <a:lstStyle/>
+          <a:p>
+            <a:r>
+              <a:rPr lang="pt-BR" dirty="0"/>
+              <a:t>Dados: Análise e Preparação</a:t>
+            </a:r>
+          </a:p>
+        </p:txBody>
+      </p:sp>
+      <p:sp>
+        <p:nvSpPr>
+          <p:cNvPr id="3" name="Espaço Reservado para Conteúdo 2">
+            <a:extLst>
+              <a:ext uri="{FF2B5EF4-FFF2-40B4-BE49-F238E27FC236}">
+                <a16:creationId xmlns:a16="http://schemas.microsoft.com/office/drawing/2014/main" id="{D6E187F6-E502-BF1A-B0A0-77D78FF67CAE}"/>
+              </a:ext>
+            </a:extLst>
+          </p:cNvPr>
+          <p:cNvSpPr>
+            <a:spLocks noGrp="1"/>
+          </p:cNvSpPr>
+          <p:nvPr>
+            <p:ph idx="1"/>
+          </p:nvPr>
+        </p:nvSpPr>
+        <p:spPr/>
+        <p:txBody>
+          <a:bodyPr/>
+          <a:lstStyle/>
+          <a:p>
+            <a:r>
+              <a:rPr lang="pt-BR" dirty="0"/>
+              <a:t>Os dados fornecidos pela secretaria eram íntegros.</a:t>
+            </a:r>
+          </a:p>
+          <a:p>
+            <a:r>
+              <a:rPr lang="pt-BR" dirty="0"/>
+              <a:t>Como estavam separados em várias tabelas, foi feita a junção. Isto foi feito utilizando a linguagem R.</a:t>
+            </a:r>
+          </a:p>
+          <a:p>
+            <a:r>
+              <a:rPr lang="pt-BR" dirty="0"/>
+              <a:t>Após, as tabelas de dados dos alunos e dados das disciplinas foram cruzadas, também utilizando a linguagem R.</a:t>
+            </a:r>
+          </a:p>
+          <a:p>
+            <a:r>
+              <a:rPr lang="pt-BR" dirty="0"/>
+              <a:t>Os scripts de integração dos dados estão preparados para novas inserções de tabelas.</a:t>
+            </a:r>
+          </a:p>
+        </p:txBody>
+      </p:sp>
+    </p:spTree>
+    <p:extLst>
+      <p:ext uri="{BB962C8B-B14F-4D97-AF65-F5344CB8AC3E}">
+        <p14:creationId xmlns:p14="http://schemas.microsoft.com/office/powerpoint/2010/main" val="185996475"/>
+      </p:ext>
+    </p:extLst>
+  </p:cSld>
+  <p:clrMapOvr>
+    <a:masterClrMapping/>
+  </p:clrMapOvr>
+</p:sld>
+</file>
+
+<file path=ppt/slides/slide5.xml><?xml version="1.0" encoding="utf-8"?>
+<p:sld xmlns:a="http://schemas.openxmlformats.org/drawingml/2006/main" xmlns:r="http://schemas.openxmlformats.org/officeDocument/2006/relationships" xmlns:p="http://schemas.openxmlformats.org/presentationml/2006/main">
+  <p:cSld>
+    <p:spTree>
+      <p:nvGrpSpPr>
+        <p:cNvPr id="1" name=""/>
+        <p:cNvGrpSpPr/>
+        <p:nvPr/>
+      </p:nvGrpSpPr>
+      <p:grpSpPr>
+        <a:xfrm>
+          <a:off x="0" y="0"/>
+          <a:ext cx="0" cy="0"/>
+          <a:chOff x="0" y="0"/>
+          <a:chExt cx="0" cy="0"/>
+        </a:xfrm>
+      </p:grpSpPr>
+      <p:sp>
+        <p:nvSpPr>
+          <p:cNvPr id="2" name="Título 1">
+            <a:extLst>
+              <a:ext uri="{FF2B5EF4-FFF2-40B4-BE49-F238E27FC236}">
+                <a16:creationId xmlns:a16="http://schemas.microsoft.com/office/drawing/2014/main" id="{6D593F5E-42C9-AACA-24BE-CCB0E761F32C}"/>
+              </a:ext>
+            </a:extLst>
+          </p:cNvPr>
+          <p:cNvSpPr>
+            <a:spLocks noGrp="1"/>
+          </p:cNvSpPr>
+          <p:nvPr>
+            <p:ph type="title"/>
+          </p:nvPr>
+        </p:nvSpPr>
+        <p:spPr/>
+        <p:txBody>
+          <a:bodyPr/>
+          <a:lstStyle/>
+          <a:p>
+            <a:r>
+              <a:rPr lang="pt-BR" dirty="0"/>
+              <a:t>Dashboard: Desenvolvimento</a:t>
+            </a:r>
+          </a:p>
+        </p:txBody>
+      </p:sp>
+      <p:sp>
+        <p:nvSpPr>
+          <p:cNvPr id="3" name="Espaço Reservado para Conteúdo 2">
+            <a:extLst>
+              <a:ext uri="{FF2B5EF4-FFF2-40B4-BE49-F238E27FC236}">
+                <a16:creationId xmlns:a16="http://schemas.microsoft.com/office/drawing/2014/main" id="{B19E713F-7D75-44FA-6F27-265AA40044C3}"/>
+              </a:ext>
+            </a:extLst>
+          </p:cNvPr>
+          <p:cNvSpPr>
+            <a:spLocks noGrp="1"/>
+          </p:cNvSpPr>
+          <p:nvPr>
+            <p:ph idx="1"/>
+          </p:nvPr>
+        </p:nvSpPr>
+        <p:spPr/>
+        <p:txBody>
+          <a:bodyPr/>
+          <a:lstStyle/>
+          <a:p>
+            <a:r>
+              <a:rPr lang="pt-BR" dirty="0"/>
+              <a:t>O dashboard foi construído utilizando a ferramenta Power BI.</a:t>
+            </a:r>
+          </a:p>
+          <a:p>
+            <a:r>
+              <a:rPr lang="pt-BR" dirty="0"/>
+              <a:t>Diferentes versões foram criadas, e aprimoradas ao longo de testes feitos pelos autores.</a:t>
+            </a:r>
+          </a:p>
+          <a:p>
+            <a:endParaRPr lang="pt-BR" dirty="0"/>
+          </a:p>
+          <a:p>
+            <a:endParaRPr lang="pt-BR" dirty="0"/>
+          </a:p>
+        </p:txBody>
+      </p:sp>
+    </p:spTree>
+    <p:extLst>
+      <p:ext uri="{BB962C8B-B14F-4D97-AF65-F5344CB8AC3E}">
+        <p14:creationId xmlns:p14="http://schemas.microsoft.com/office/powerpoint/2010/main" val="3903916225"/>
+      </p:ext>
+    </p:extLst>
+  </p:cSld>
+  <p:clrMapOvr>
+    <a:masterClrMapping/>
+  </p:clrMapOvr>
+</p:sld>
+</file>
+
+<file path=ppt/slides/slide6.xml><?xml version="1.0" encoding="utf-8"?>
+<p:sld xmlns:a="http://schemas.openxmlformats.org/drawingml/2006/main" xmlns:r="http://schemas.openxmlformats.org/officeDocument/2006/relationships" xmlns:p="http://schemas.openxmlformats.org/presentationml/2006/main">
+  <p:cSld>
+    <p:spTree>
+      <p:nvGrpSpPr>
+        <p:cNvPr id="1" name=""/>
+        <p:cNvGrpSpPr/>
+        <p:nvPr/>
+      </p:nvGrpSpPr>
+      <p:grpSpPr>
+        <a:xfrm>
+          <a:off x="0" y="0"/>
+          <a:ext cx="0" cy="0"/>
+          <a:chOff x="0" y="0"/>
+          <a:chExt cx="0" cy="0"/>
+        </a:xfrm>
+      </p:grpSpPr>
+      <p:sp>
+        <p:nvSpPr>
+          <p:cNvPr id="2" name="Título 1">
+            <a:extLst>
+              <a:ext uri="{FF2B5EF4-FFF2-40B4-BE49-F238E27FC236}">
+                <a16:creationId xmlns:a16="http://schemas.microsoft.com/office/drawing/2014/main" id="{C8D55341-EB75-3BA3-1F79-1982B0BC8022}"/>
+              </a:ext>
+            </a:extLst>
+          </p:cNvPr>
+          <p:cNvSpPr>
+            <a:spLocks noGrp="1"/>
+          </p:cNvSpPr>
+          <p:nvPr>
+            <p:ph type="title"/>
+          </p:nvPr>
+        </p:nvSpPr>
+        <p:spPr/>
+        <p:txBody>
+          <a:bodyPr/>
+          <a:lstStyle/>
+          <a:p>
+            <a:r>
+              <a:rPr lang="pt-BR" dirty="0"/>
+              <a:t>Dashboard: Funcionalidades Interativas</a:t>
+            </a:r>
+          </a:p>
+        </p:txBody>
+      </p:sp>
+      <p:sp>
+        <p:nvSpPr>
+          <p:cNvPr id="3" name="Espaço Reservado para Conteúdo 2">
+            <a:extLst>
+              <a:ext uri="{FF2B5EF4-FFF2-40B4-BE49-F238E27FC236}">
+                <a16:creationId xmlns:a16="http://schemas.microsoft.com/office/drawing/2014/main" id="{04726491-1AF1-E415-742F-880D14340E67}"/>
+              </a:ext>
+            </a:extLst>
+          </p:cNvPr>
+          <p:cNvSpPr>
+            <a:spLocks noGrp="1"/>
+          </p:cNvSpPr>
+          <p:nvPr>
+            <p:ph idx="1"/>
+          </p:nvPr>
+        </p:nvSpPr>
+        <p:spPr/>
+        <p:txBody>
+          <a:bodyPr/>
+          <a:lstStyle/>
+          <a:p>
+            <a:r>
+              <a:rPr lang="pt-BR" dirty="0"/>
+              <a:t>O dashboard conta com funcionalidades interativas.</a:t>
+            </a:r>
+          </a:p>
+          <a:p>
+            <a:r>
+              <a:rPr lang="pt-BR" dirty="0"/>
+              <a:t>Estas funcionalidades servem para o usuário conseguir fazer consultas específicas, de acordo com seu interesse.</a:t>
+            </a:r>
+          </a:p>
+          <a:p>
+            <a:r>
+              <a:rPr lang="pt-BR" dirty="0"/>
+              <a:t>Além das diferentes visualizações disponibilizadas diretamente nas páginas o usuário também pode filtrar a consulta por disciplina, sigla e ano específicos.</a:t>
+            </a:r>
+          </a:p>
+        </p:txBody>
+      </p:sp>
+    </p:spTree>
+    <p:extLst>
+      <p:ext uri="{BB962C8B-B14F-4D97-AF65-F5344CB8AC3E}">
+        <p14:creationId xmlns:p14="http://schemas.microsoft.com/office/powerpoint/2010/main" val="437568559"/>
+      </p:ext>
+    </p:extLst>
+  </p:cSld>
+  <p:clrMapOvr>
+    <a:masterClrMapping/>
+  </p:clrMapOvr>
+</p:sld>
+</file>
+
+<file path=ppt/slides/slide7.xml><?xml version="1.0" encoding="utf-8"?>
+<p:sld xmlns:a="http://schemas.openxmlformats.org/drawingml/2006/main" xmlns:r="http://schemas.openxmlformats.org/officeDocument/2006/relationships" xmlns:p="http://schemas.openxmlformats.org/presentationml/2006/main">
+  <p:cSld>
+    <p:spTree>
+      <p:nvGrpSpPr>
+        <p:cNvPr id="1" name=""/>
+        <p:cNvGrpSpPr/>
+        <p:nvPr/>
+      </p:nvGrpSpPr>
+      <p:grpSpPr>
+        <a:xfrm>
+          <a:off x="0" y="0"/>
+          <a:ext cx="0" cy="0"/>
+          <a:chOff x="0" y="0"/>
+          <a:chExt cx="0" cy="0"/>
+        </a:xfrm>
+      </p:grpSpPr>
+      <p:sp>
+        <p:nvSpPr>
+          <p:cNvPr id="2" name="Título 1">
+            <a:extLst>
+              <a:ext uri="{FF2B5EF4-FFF2-40B4-BE49-F238E27FC236}">
+                <a16:creationId xmlns:a16="http://schemas.microsoft.com/office/drawing/2014/main" id="{3533FB61-637D-6BD6-BF9C-4FD719AE8C3B}"/>
+              </a:ext>
+            </a:extLst>
+          </p:cNvPr>
+          <p:cNvSpPr>
+            <a:spLocks noGrp="1"/>
+          </p:cNvSpPr>
+          <p:nvPr>
+            <p:ph type="title"/>
+          </p:nvPr>
+        </p:nvSpPr>
+        <p:spPr/>
+        <p:txBody>
+          <a:bodyPr/>
+          <a:lstStyle/>
+          <a:p>
+            <a:r>
+              <a:rPr lang="pt-BR" dirty="0"/>
+              <a:t>Dashboard: Manutenção</a:t>
+            </a:r>
+          </a:p>
+        </p:txBody>
+      </p:sp>
+      <p:sp>
+        <p:nvSpPr>
+          <p:cNvPr id="3" name="Espaço Reservado para Conteúdo 2">
+            <a:extLst>
+              <a:ext uri="{FF2B5EF4-FFF2-40B4-BE49-F238E27FC236}">
+                <a16:creationId xmlns:a16="http://schemas.microsoft.com/office/drawing/2014/main" id="{D0BE4343-94D1-6CE8-8DFB-52DCAA053920}"/>
+              </a:ext>
+            </a:extLst>
+          </p:cNvPr>
+          <p:cNvSpPr>
+            <a:spLocks noGrp="1"/>
+          </p:cNvSpPr>
+          <p:nvPr>
+            <p:ph idx="1"/>
+          </p:nvPr>
+        </p:nvSpPr>
+        <p:spPr/>
+        <p:txBody>
+          <a:bodyPr/>
+          <a:lstStyle/>
+          <a:p>
+            <a:r>
+              <a:rPr lang="pt-BR" dirty="0"/>
+              <a:t>A ferramenta foi publicada no site do Programa de Educação Tutorial do Curso de Ciência da Computação (PET-CC) da Universidade Federal de Santa Maria (UFSM)</a:t>
+            </a:r>
+          </a:p>
+          <a:p>
+            <a:r>
+              <a:rPr lang="pt-BR" dirty="0"/>
+              <a:t>A manutenção está sendo e será feita pelos membros do PET-CC ao longo do tempo.</a:t>
+            </a:r>
+          </a:p>
+        </p:txBody>
+      </p:sp>
+    </p:spTree>
+    <p:extLst>
+      <p:ext uri="{BB962C8B-B14F-4D97-AF65-F5344CB8AC3E}">
+        <p14:creationId xmlns:p14="http://schemas.microsoft.com/office/powerpoint/2010/main" val="1566202971"/>
+      </p:ext>
+    </p:extLst>
+  </p:cSld>
+  <p:clrMapOvr>
+    <a:masterClrMapping/>
+  </p:clrMapOvr>
+</p:sld>
+</file>
+
+<file path=ppt/slides/slide8.xml><?xml version="1.0" encoding="utf-8"?>
+<p:sld xmlns:a="http://schemas.openxmlformats.org/drawingml/2006/main" xmlns:r="http://schemas.openxmlformats.org/officeDocument/2006/relationships" xmlns:p="http://schemas.openxmlformats.org/presentationml/2006/main">
+  <p:cSld>
+    <p:spTree>
+      <p:nvGrpSpPr>
+        <p:cNvPr id="1" name=""/>
+        <p:cNvGrpSpPr/>
+        <p:nvPr/>
+      </p:nvGrpSpPr>
+      <p:grpSpPr>
+        <a:xfrm>
+          <a:off x="0" y="0"/>
+          <a:ext cx="0" cy="0"/>
+          <a:chOff x="0" y="0"/>
+          <a:chExt cx="0" cy="0"/>
+        </a:xfrm>
+      </p:grpSpPr>
+      <p:sp>
+        <p:nvSpPr>
+          <p:cNvPr id="2" name="Título 1">
+            <a:extLst>
+              <a:ext uri="{FF2B5EF4-FFF2-40B4-BE49-F238E27FC236}">
+                <a16:creationId xmlns:a16="http://schemas.microsoft.com/office/drawing/2014/main" id="{8CEBF2C9-D632-449D-9007-2E263D4D566A}"/>
+              </a:ext>
+            </a:extLst>
+          </p:cNvPr>
+          <p:cNvSpPr>
+            <a:spLocks noGrp="1"/>
+          </p:cNvSpPr>
+          <p:nvPr>
+            <p:ph type="title"/>
+          </p:nvPr>
+        </p:nvSpPr>
+        <p:spPr/>
+        <p:txBody>
+          <a:bodyPr/>
+          <a:lstStyle/>
+          <a:p>
+            <a:r>
+              <a:rPr lang="pt-BR" dirty="0"/>
+              <a:t>Página 1: visão geral de disciplina</a:t>
+            </a:r>
+          </a:p>
+        </p:txBody>
+      </p:sp>
+      <p:pic>
+        <p:nvPicPr>
+          <p:cNvPr id="5" name="Espaço Reservado para Conteúdo 4">
+            <a:extLst>
+              <a:ext uri="{FF2B5EF4-FFF2-40B4-BE49-F238E27FC236}">
+                <a16:creationId xmlns:a16="http://schemas.microsoft.com/office/drawing/2014/main" id="{E96825E6-DE29-43AD-A8C6-715B333E680C}"/>
+              </a:ext>
+            </a:extLst>
+          </p:cNvPr>
+          <p:cNvPicPr>
+            <a:picLocks noGrp="1" noChangeAspect="1"/>
+          </p:cNvPicPr>
+          <p:nvPr>
+            <p:ph idx="1"/>
+          </p:nvPr>
+        </p:nvPicPr>
+        <p:blipFill>
+          <a:blip r:embed="rId2">
+            <a:extLst>
+              <a:ext uri="{28A0092B-C50C-407E-A947-70E740481C1C}">
+                <a14:useLocalDpi xmlns:a14="http://schemas.microsoft.com/office/drawing/2010/main" val="0"/>
+              </a:ext>
+            </a:extLst>
+          </a:blip>
+          <a:stretch>
+            <a:fillRect/>
+          </a:stretch>
+        </p:blipFill>
+        <p:spPr>
+          <a:xfrm>
+            <a:off x="1692181" y="1828800"/>
+            <a:ext cx="7734489" cy="4351338"/>
+          </a:xfrm>
+        </p:spPr>
+      </p:pic>
+    </p:spTree>
+    <p:extLst>
+      <p:ext uri="{BB962C8B-B14F-4D97-AF65-F5344CB8AC3E}">
+        <p14:creationId xmlns:p14="http://schemas.microsoft.com/office/powerpoint/2010/main" val="52904566"/>
       </p:ext>
     </p:extLst>
   </p:cSld>
@@ -4450,10 +5417,10 @@
       </p:grpSpPr>
       <p:pic>
         <p:nvPicPr>
-          <p:cNvPr id="5" name="Imagem 4">
+          <p:cNvPr id="4" name="Imagem 3">
             <a:extLst>
               <a:ext uri="{FF2B5EF4-FFF2-40B4-BE49-F238E27FC236}">
-                <a16:creationId xmlns:a16="http://schemas.microsoft.com/office/drawing/2014/main" id="{DA92D866-223C-4749-88FA-6C8D0308F79A}"/>
+                <a16:creationId xmlns:a16="http://schemas.microsoft.com/office/drawing/2014/main" id="{6A006B9F-7FDA-4D25-8963-24EE1AD69BD6}"/>
               </a:ext>
             </a:extLst>
           </p:cNvPr>
@@ -4476,8 +5443,8 @@
         </p:blipFill>
         <p:spPr>
           <a:xfrm>
-            <a:off x="1683304" y="1828800"/>
-            <a:ext cx="7769454" cy="4363743"/>
+            <a:off x="1692181" y="1828800"/>
+            <a:ext cx="7734489" cy="4329991"/>
           </a:xfrm>
           <a:prstGeom prst="rect">
             <a:avLst/>
@@ -4489,7 +5456,7 @@
           <p:cNvPr id="2" name="Título 1">
             <a:extLst>
               <a:ext uri="{FF2B5EF4-FFF2-40B4-BE49-F238E27FC236}">
-                <a16:creationId xmlns:a16="http://schemas.microsoft.com/office/drawing/2014/main" id="{FB5DD120-1E84-45CF-8117-C837668F8819}"/>
+                <a16:creationId xmlns:a16="http://schemas.microsoft.com/office/drawing/2014/main" id="{8CEBF2C9-D632-449D-9007-2E263D4D566A}"/>
               </a:ext>
             </a:extLst>
           </p:cNvPr>
@@ -4507,7 +5474,7 @@
           <a:p>
             <a:r>
               <a:rPr lang="pt-BR" dirty="0"/>
-              <a:t>Página 3: outros dados</a:t>
+              <a:t>Página 1: visão geral de disciplina</a:t>
             </a:r>
           </a:p>
         </p:txBody>
@@ -4515,7 +5482,7 @@
     </p:spTree>
     <p:extLst>
       <p:ext uri="{BB962C8B-B14F-4D97-AF65-F5344CB8AC3E}">
-        <p14:creationId xmlns:p14="http://schemas.microsoft.com/office/powerpoint/2010/main" val="4189617595"/>
+        <p14:creationId xmlns:p14="http://schemas.microsoft.com/office/powerpoint/2010/main" val="4038685972"/>
       </p:ext>
     </p:extLst>
   </p:cSld>

--- a/presentation/presentation.pptx
+++ b/presentation/presentation.pptx
@@ -6,25 +6,24 @@
   </p:sldMasterIdLst>
   <p:sldIdLst>
     <p:sldId id="256" r:id="rId2"/>
-    <p:sldId id="266" r:id="rId3"/>
-    <p:sldId id="267" r:id="rId4"/>
-    <p:sldId id="268" r:id="rId5"/>
-    <p:sldId id="269" r:id="rId6"/>
-    <p:sldId id="270" r:id="rId7"/>
-    <p:sldId id="271" r:id="rId8"/>
-    <p:sldId id="258" r:id="rId9"/>
-    <p:sldId id="265" r:id="rId10"/>
-    <p:sldId id="257" r:id="rId11"/>
-    <p:sldId id="259" r:id="rId12"/>
-    <p:sldId id="261" r:id="rId13"/>
-    <p:sldId id="260" r:id="rId14"/>
-    <p:sldId id="262" r:id="rId15"/>
-    <p:sldId id="263" r:id="rId16"/>
-    <p:sldId id="264" r:id="rId17"/>
-    <p:sldId id="273" r:id="rId18"/>
-    <p:sldId id="275" r:id="rId19"/>
-    <p:sldId id="276" r:id="rId20"/>
-    <p:sldId id="272" r:id="rId21"/>
+    <p:sldId id="278" r:id="rId3"/>
+    <p:sldId id="277" r:id="rId4"/>
+    <p:sldId id="266" r:id="rId5"/>
+    <p:sldId id="267" r:id="rId6"/>
+    <p:sldId id="268" r:id="rId7"/>
+    <p:sldId id="269" r:id="rId8"/>
+    <p:sldId id="270" r:id="rId9"/>
+    <p:sldId id="271" r:id="rId10"/>
+    <p:sldId id="258" r:id="rId11"/>
+    <p:sldId id="265" r:id="rId12"/>
+    <p:sldId id="257" r:id="rId13"/>
+    <p:sldId id="259" r:id="rId14"/>
+    <p:sldId id="261" r:id="rId15"/>
+    <p:sldId id="260" r:id="rId16"/>
+    <p:sldId id="262" r:id="rId17"/>
+    <p:sldId id="263" r:id="rId18"/>
+    <p:sldId id="264" r:id="rId19"/>
+    <p:sldId id="272" r:id="rId20"/>
   </p:sldIdLst>
   <p:sldSz cx="12192000" cy="6858000"/>
   <p:notesSz cx="6858000" cy="9144000"/>
@@ -299,7 +298,7 @@
           <a:p>
             <a:fld id="{333A04A4-E30C-4ACE-8757-C796E8A3EF60}" type="datetimeFigureOut">
               <a:rPr lang="pt-BR" smtClean="0"/>
-              <a:t>05/04/2024</a:t>
+              <a:t>08/04/2024</a:t>
             </a:fld>
             <a:endParaRPr lang="pt-BR"/>
           </a:p>
@@ -527,7 +526,7 @@
           <a:p>
             <a:fld id="{333A04A4-E30C-4ACE-8757-C796E8A3EF60}" type="datetimeFigureOut">
               <a:rPr lang="pt-BR" smtClean="0"/>
-              <a:t>05/04/2024</a:t>
+              <a:t>08/04/2024</a:t>
             </a:fld>
             <a:endParaRPr lang="pt-BR"/>
           </a:p>
@@ -707,7 +706,7 @@
           <a:p>
             <a:fld id="{333A04A4-E30C-4ACE-8757-C796E8A3EF60}" type="datetimeFigureOut">
               <a:rPr lang="pt-BR" smtClean="0"/>
-              <a:t>05/04/2024</a:t>
+              <a:t>08/04/2024</a:t>
             </a:fld>
             <a:endParaRPr lang="pt-BR"/>
           </a:p>
@@ -877,7 +876,7 @@
           <a:p>
             <a:fld id="{333A04A4-E30C-4ACE-8757-C796E8A3EF60}" type="datetimeFigureOut">
               <a:rPr lang="pt-BR" smtClean="0"/>
-              <a:t>05/04/2024</a:t>
+              <a:t>08/04/2024</a:t>
             </a:fld>
             <a:endParaRPr lang="pt-BR"/>
           </a:p>
@@ -1131,7 +1130,7 @@
           <a:p>
             <a:fld id="{333A04A4-E30C-4ACE-8757-C796E8A3EF60}" type="datetimeFigureOut">
               <a:rPr lang="pt-BR" smtClean="0"/>
-              <a:t>05/04/2024</a:t>
+              <a:t>08/04/2024</a:t>
             </a:fld>
             <a:endParaRPr lang="pt-BR"/>
           </a:p>
@@ -1457,7 +1456,7 @@
           <a:p>
             <a:fld id="{333A04A4-E30C-4ACE-8757-C796E8A3EF60}" type="datetimeFigureOut">
               <a:rPr lang="pt-BR" smtClean="0"/>
-              <a:t>05/04/2024</a:t>
+              <a:t>08/04/2024</a:t>
             </a:fld>
             <a:endParaRPr lang="pt-BR"/>
           </a:p>
@@ -1908,7 +1907,7 @@
           <a:p>
             <a:fld id="{333A04A4-E30C-4ACE-8757-C796E8A3EF60}" type="datetimeFigureOut">
               <a:rPr lang="pt-BR" smtClean="0"/>
-              <a:t>05/04/2024</a:t>
+              <a:t>08/04/2024</a:t>
             </a:fld>
             <a:endParaRPr lang="pt-BR"/>
           </a:p>
@@ -2026,7 +2025,7 @@
           <a:p>
             <a:fld id="{333A04A4-E30C-4ACE-8757-C796E8A3EF60}" type="datetimeFigureOut">
               <a:rPr lang="pt-BR" smtClean="0"/>
-              <a:t>05/04/2024</a:t>
+              <a:t>08/04/2024</a:t>
             </a:fld>
             <a:endParaRPr lang="pt-BR"/>
           </a:p>
@@ -2121,7 +2120,7 @@
           <a:p>
             <a:fld id="{333A04A4-E30C-4ACE-8757-C796E8A3EF60}" type="datetimeFigureOut">
               <a:rPr lang="pt-BR" smtClean="0"/>
-              <a:t>05/04/2024</a:t>
+              <a:t>08/04/2024</a:t>
             </a:fld>
             <a:endParaRPr lang="pt-BR"/>
           </a:p>
@@ -2408,7 +2407,7 @@
           <a:p>
             <a:fld id="{333A04A4-E30C-4ACE-8757-C796E8A3EF60}" type="datetimeFigureOut">
               <a:rPr lang="pt-BR" smtClean="0"/>
-              <a:t>05/04/2024</a:t>
+              <a:t>08/04/2024</a:t>
             </a:fld>
             <a:endParaRPr lang="pt-BR"/>
           </a:p>
@@ -2730,7 +2729,7 @@
           <a:p>
             <a:fld id="{333A04A4-E30C-4ACE-8757-C796E8A3EF60}" type="datetimeFigureOut">
               <a:rPr lang="pt-BR" smtClean="0"/>
-              <a:t>05/04/2024</a:t>
+              <a:t>08/04/2024</a:t>
             </a:fld>
             <a:endParaRPr lang="pt-BR"/>
           </a:p>
@@ -2984,7 +2983,7 @@
           <a:p>
             <a:fld id="{333A04A4-E30C-4ACE-8757-C796E8A3EF60}" type="datetimeFigureOut">
               <a:rPr lang="pt-BR" smtClean="0"/>
-              <a:t>05/04/2024</a:t>
+              <a:t>08/04/2024</a:t>
             </a:fld>
             <a:endParaRPr lang="pt-BR"/>
           </a:p>
@@ -3488,7 +3487,12 @@
             <p:ph type="ctrTitle"/>
           </p:nvPr>
         </p:nvSpPr>
-        <p:spPr/>
+        <p:spPr>
+          <a:xfrm>
+            <a:off x="1261872" y="758952"/>
+            <a:ext cx="9418320" cy="3531694"/>
+          </a:xfrm>
+        </p:spPr>
         <p:txBody>
           <a:bodyPr>
             <a:normAutofit/>
@@ -3497,7 +3501,15 @@
           <a:p>
             <a:r>
               <a:rPr lang="pt-BR" sz="4000" dirty="0"/>
-              <a:t>Potencializando a Tomada de Decisão Acadêmica: O Desenvolvimento de um Dashboard Dinâmico para as Disciplinas do Curso de Ciência da Computação</a:t>
+              <a:t>Potencializando a Tomada de Decisão Acadêmica: O Desenvolvimento de um </a:t>
+            </a:r>
+            <a:r>
+              <a:rPr lang="pt-BR" sz="4000" i="1" dirty="0"/>
+              <a:t>Dashboard</a:t>
+            </a:r>
+            <a:r>
+              <a:rPr lang="pt-BR" sz="4000" dirty="0"/>
+              <a:t> Dinâmico para as Disciplinas do Curso de Ciência da Computação</a:t>
             </a:r>
           </a:p>
         </p:txBody>
@@ -3518,7 +3530,12 @@
             <p:ph type="subTitle" idx="1"/>
           </p:nvPr>
         </p:nvSpPr>
-        <p:spPr/>
+        <p:spPr>
+          <a:xfrm>
+            <a:off x="1381104" y="4488986"/>
+            <a:ext cx="9418320" cy="1691640"/>
+          </a:xfrm>
+        </p:spPr>
         <p:txBody>
           <a:bodyPr/>
           <a:lstStyle/>
@@ -3689,6 +3706,193 @@
           <p:cNvPr id="2" name="Título 1">
             <a:extLst>
               <a:ext uri="{FF2B5EF4-FFF2-40B4-BE49-F238E27FC236}">
+                <a16:creationId xmlns:a16="http://schemas.microsoft.com/office/drawing/2014/main" id="{8CEBF2C9-D632-449D-9007-2E263D4D566A}"/>
+              </a:ext>
+            </a:extLst>
+          </p:cNvPr>
+          <p:cNvSpPr>
+            <a:spLocks noGrp="1"/>
+          </p:cNvSpPr>
+          <p:nvPr>
+            <p:ph type="title"/>
+          </p:nvPr>
+        </p:nvSpPr>
+        <p:spPr/>
+        <p:txBody>
+          <a:bodyPr/>
+          <a:lstStyle/>
+          <a:p>
+            <a:r>
+              <a:rPr lang="pt-BR" dirty="0"/>
+              <a:t>Página 1: visão geral de disciplina</a:t>
+            </a:r>
+          </a:p>
+        </p:txBody>
+      </p:sp>
+      <p:pic>
+        <p:nvPicPr>
+          <p:cNvPr id="5" name="Espaço Reservado para Conteúdo 4">
+            <a:extLst>
+              <a:ext uri="{FF2B5EF4-FFF2-40B4-BE49-F238E27FC236}">
+                <a16:creationId xmlns:a16="http://schemas.microsoft.com/office/drawing/2014/main" id="{E96825E6-DE29-43AD-A8C6-715B333E680C}"/>
+              </a:ext>
+            </a:extLst>
+          </p:cNvPr>
+          <p:cNvPicPr>
+            <a:picLocks noGrp="1" noChangeAspect="1"/>
+          </p:cNvPicPr>
+          <p:nvPr>
+            <p:ph idx="1"/>
+          </p:nvPr>
+        </p:nvPicPr>
+        <p:blipFill>
+          <a:blip r:embed="rId2">
+            <a:extLst>
+              <a:ext uri="{28A0092B-C50C-407E-A947-70E740481C1C}">
+                <a14:useLocalDpi xmlns:a14="http://schemas.microsoft.com/office/drawing/2010/main" val="0"/>
+              </a:ext>
+            </a:extLst>
+          </a:blip>
+          <a:stretch>
+            <a:fillRect/>
+          </a:stretch>
+        </p:blipFill>
+        <p:spPr>
+          <a:xfrm>
+            <a:off x="1692181" y="1828800"/>
+            <a:ext cx="7734489" cy="4351338"/>
+          </a:xfrm>
+        </p:spPr>
+      </p:pic>
+    </p:spTree>
+    <p:extLst>
+      <p:ext uri="{BB962C8B-B14F-4D97-AF65-F5344CB8AC3E}">
+        <p14:creationId xmlns:p14="http://schemas.microsoft.com/office/powerpoint/2010/main" val="52904566"/>
+      </p:ext>
+    </p:extLst>
+  </p:cSld>
+  <p:clrMapOvr>
+    <a:masterClrMapping/>
+  </p:clrMapOvr>
+</p:sld>
+</file>
+
+<file path=ppt/slides/slide11.xml><?xml version="1.0" encoding="utf-8"?>
+<p:sld xmlns:a="http://schemas.openxmlformats.org/drawingml/2006/main" xmlns:r="http://schemas.openxmlformats.org/officeDocument/2006/relationships" xmlns:p="http://schemas.openxmlformats.org/presentationml/2006/main">
+  <p:cSld>
+    <p:spTree>
+      <p:nvGrpSpPr>
+        <p:cNvPr id="1" name=""/>
+        <p:cNvGrpSpPr/>
+        <p:nvPr/>
+      </p:nvGrpSpPr>
+      <p:grpSpPr>
+        <a:xfrm>
+          <a:off x="0" y="0"/>
+          <a:ext cx="0" cy="0"/>
+          <a:chOff x="0" y="0"/>
+          <a:chExt cx="0" cy="0"/>
+        </a:xfrm>
+      </p:grpSpPr>
+      <p:pic>
+        <p:nvPicPr>
+          <p:cNvPr id="4" name="Imagem 3">
+            <a:extLst>
+              <a:ext uri="{FF2B5EF4-FFF2-40B4-BE49-F238E27FC236}">
+                <a16:creationId xmlns:a16="http://schemas.microsoft.com/office/drawing/2014/main" id="{6A006B9F-7FDA-4D25-8963-24EE1AD69BD6}"/>
+              </a:ext>
+            </a:extLst>
+          </p:cNvPr>
+          <p:cNvPicPr>
+            <a:picLocks noChangeAspect="1"/>
+          </p:cNvPicPr>
+          <p:nvPr/>
+        </p:nvPicPr>
+        <p:blipFill>
+          <a:blip r:embed="rId2">
+            <a:extLst>
+              <a:ext uri="{28A0092B-C50C-407E-A947-70E740481C1C}">
+                <a14:useLocalDpi xmlns:a14="http://schemas.microsoft.com/office/drawing/2010/main" val="0"/>
+              </a:ext>
+            </a:extLst>
+          </a:blip>
+          <a:stretch>
+            <a:fillRect/>
+          </a:stretch>
+        </p:blipFill>
+        <p:spPr>
+          <a:xfrm>
+            <a:off x="1692181" y="1828800"/>
+            <a:ext cx="7734489" cy="4329991"/>
+          </a:xfrm>
+          <a:prstGeom prst="rect">
+            <a:avLst/>
+          </a:prstGeom>
+        </p:spPr>
+      </p:pic>
+      <p:sp>
+        <p:nvSpPr>
+          <p:cNvPr id="2" name="Título 1">
+            <a:extLst>
+              <a:ext uri="{FF2B5EF4-FFF2-40B4-BE49-F238E27FC236}">
+                <a16:creationId xmlns:a16="http://schemas.microsoft.com/office/drawing/2014/main" id="{8CEBF2C9-D632-449D-9007-2E263D4D566A}"/>
+              </a:ext>
+            </a:extLst>
+          </p:cNvPr>
+          <p:cNvSpPr>
+            <a:spLocks noGrp="1"/>
+          </p:cNvSpPr>
+          <p:nvPr>
+            <p:ph type="title"/>
+          </p:nvPr>
+        </p:nvSpPr>
+        <p:spPr/>
+        <p:txBody>
+          <a:bodyPr/>
+          <a:lstStyle/>
+          <a:p>
+            <a:r>
+              <a:rPr lang="pt-BR" dirty="0"/>
+              <a:t>Página 1: visão geral de disciplina</a:t>
+            </a:r>
+          </a:p>
+        </p:txBody>
+      </p:sp>
+    </p:spTree>
+    <p:extLst>
+      <p:ext uri="{BB962C8B-B14F-4D97-AF65-F5344CB8AC3E}">
+        <p14:creationId xmlns:p14="http://schemas.microsoft.com/office/powerpoint/2010/main" val="4038685972"/>
+      </p:ext>
+    </p:extLst>
+  </p:cSld>
+  <p:clrMapOvr>
+    <a:masterClrMapping/>
+  </p:clrMapOvr>
+</p:sld>
+</file>
+
+<file path=ppt/slides/slide12.xml><?xml version="1.0" encoding="utf-8"?>
+<p:sld xmlns:a="http://schemas.openxmlformats.org/drawingml/2006/main" xmlns:r="http://schemas.openxmlformats.org/officeDocument/2006/relationships" xmlns:p="http://schemas.openxmlformats.org/presentationml/2006/main">
+  <p:cSld>
+    <p:spTree>
+      <p:nvGrpSpPr>
+        <p:cNvPr id="1" name=""/>
+        <p:cNvGrpSpPr/>
+        <p:nvPr/>
+      </p:nvGrpSpPr>
+      <p:grpSpPr>
+        <a:xfrm>
+          <a:off x="0" y="0"/>
+          <a:ext cx="0" cy="0"/>
+          <a:chOff x="0" y="0"/>
+          <a:chExt cx="0" cy="0"/>
+        </a:xfrm>
+      </p:grpSpPr>
+      <p:sp>
+        <p:nvSpPr>
+          <p:cNvPr id="2" name="Título 1">
+            <a:extLst>
+              <a:ext uri="{FF2B5EF4-FFF2-40B4-BE49-F238E27FC236}">
                 <a16:creationId xmlns:a16="http://schemas.microsoft.com/office/drawing/2014/main" id="{37630C56-716C-4C40-B740-EB28FA395581}"/>
               </a:ext>
             </a:extLst>
@@ -3760,7 +3964,7 @@
 </p:sld>
 </file>
 
-<file path=ppt/slides/slide11.xml><?xml version="1.0" encoding="utf-8"?>
+<file path=ppt/slides/slide13.xml><?xml version="1.0" encoding="utf-8"?>
 <p:sld xmlns:a="http://schemas.openxmlformats.org/drawingml/2006/main" xmlns:r="http://schemas.openxmlformats.org/officeDocument/2006/relationships" xmlns:p="http://schemas.openxmlformats.org/presentationml/2006/main">
   <p:cSld>
     <p:spTree>
@@ -3853,7 +4057,7 @@
 </p:sld>
 </file>
 
-<file path=ppt/slides/slide12.xml><?xml version="1.0" encoding="utf-8"?>
+<file path=ppt/slides/slide14.xml><?xml version="1.0" encoding="utf-8"?>
 <p:sld xmlns:a="http://schemas.openxmlformats.org/drawingml/2006/main" xmlns:r="http://schemas.openxmlformats.org/officeDocument/2006/relationships" xmlns:p="http://schemas.openxmlformats.org/presentationml/2006/main">
   <p:cSld>
     <p:spTree>
@@ -3947,7 +4151,7 @@
 </p:sld>
 </file>
 
-<file path=ppt/slides/slide13.xml><?xml version="1.0" encoding="utf-8"?>
+<file path=ppt/slides/slide15.xml><?xml version="1.0" encoding="utf-8"?>
 <p:sld xmlns:a="http://schemas.openxmlformats.org/drawingml/2006/main" xmlns:r="http://schemas.openxmlformats.org/officeDocument/2006/relationships" xmlns:p="http://schemas.openxmlformats.org/presentationml/2006/main">
   <p:cSld>
     <p:spTree>
@@ -4041,7 +4245,7 @@
 </p:sld>
 </file>
 
-<file path=ppt/slides/slide14.xml><?xml version="1.0" encoding="utf-8"?>
+<file path=ppt/slides/slide16.xml><?xml version="1.0" encoding="utf-8"?>
 <p:sld xmlns:a="http://schemas.openxmlformats.org/drawingml/2006/main" xmlns:r="http://schemas.openxmlformats.org/officeDocument/2006/relationships" xmlns:p="http://schemas.openxmlformats.org/presentationml/2006/main">
   <p:cSld>
     <p:spTree>
@@ -4135,7 +4339,7 @@
 </p:sld>
 </file>
 
-<file path=ppt/slides/slide15.xml><?xml version="1.0" encoding="utf-8"?>
+<file path=ppt/slides/slide17.xml><?xml version="1.0" encoding="utf-8"?>
 <p:sld xmlns:a="http://schemas.openxmlformats.org/drawingml/2006/main" xmlns:r="http://schemas.openxmlformats.org/officeDocument/2006/relationships" xmlns:p="http://schemas.openxmlformats.org/presentationml/2006/main">
   <p:cSld>
     <p:spTree>
@@ -4229,7 +4433,7 @@
 </p:sld>
 </file>
 
-<file path=ppt/slides/slide16.xml><?xml version="1.0" encoding="utf-8"?>
+<file path=ppt/slides/slide18.xml><?xml version="1.0" encoding="utf-8"?>
 <p:sld xmlns:a="http://schemas.openxmlformats.org/drawingml/2006/main" xmlns:r="http://schemas.openxmlformats.org/officeDocument/2006/relationships" xmlns:p="http://schemas.openxmlformats.org/presentationml/2006/main">
   <p:cSld>
     <p:spTree>
@@ -4323,216 +4527,6 @@
 </p:sld>
 </file>
 
-<file path=ppt/slides/slide17.xml><?xml version="1.0" encoding="utf-8"?>
-<p:sld xmlns:a="http://schemas.openxmlformats.org/drawingml/2006/main" xmlns:r="http://schemas.openxmlformats.org/officeDocument/2006/relationships" xmlns:p="http://schemas.openxmlformats.org/presentationml/2006/main">
-  <p:cSld>
-    <p:spTree>
-      <p:nvGrpSpPr>
-        <p:cNvPr id="1" name=""/>
-        <p:cNvGrpSpPr/>
-        <p:nvPr/>
-      </p:nvGrpSpPr>
-      <p:grpSpPr>
-        <a:xfrm>
-          <a:off x="0" y="0"/>
-          <a:ext cx="0" cy="0"/>
-          <a:chOff x="0" y="0"/>
-          <a:chExt cx="0" cy="0"/>
-        </a:xfrm>
-      </p:grpSpPr>
-      <p:sp>
-        <p:nvSpPr>
-          <p:cNvPr id="2" name="Título 1">
-            <a:extLst>
-              <a:ext uri="{FF2B5EF4-FFF2-40B4-BE49-F238E27FC236}">
-                <a16:creationId xmlns:a16="http://schemas.microsoft.com/office/drawing/2014/main" id="{FC30CCF6-A6A8-4E77-4B95-0DB65E94706B}"/>
-              </a:ext>
-            </a:extLst>
-          </p:cNvPr>
-          <p:cNvSpPr>
-            <a:spLocks noGrp="1"/>
-          </p:cNvSpPr>
-          <p:nvPr>
-            <p:ph type="title"/>
-          </p:nvPr>
-        </p:nvSpPr>
-        <p:spPr/>
-        <p:txBody>
-          <a:bodyPr/>
-          <a:lstStyle/>
-          <a:p>
-            <a:r>
-              <a:rPr lang="pt-BR" dirty="0"/>
-              <a:t>Avaliação dos usuários</a:t>
-            </a:r>
-          </a:p>
-        </p:txBody>
-      </p:sp>
-      <p:pic>
-        <p:nvPicPr>
-          <p:cNvPr id="1028" name="Picture 4" descr="Gráfico de respostas do Formulários Google. Título da pergunta: Qual nota você dá para as informações apresentadas?. Número de respostas: 5 respostas.">
-            <a:extLst>
-              <a:ext uri="{FF2B5EF4-FFF2-40B4-BE49-F238E27FC236}">
-                <a16:creationId xmlns:a16="http://schemas.microsoft.com/office/drawing/2014/main" id="{E4143ED6-D439-8FB1-0751-9F4CB268DFE3}"/>
-              </a:ext>
-            </a:extLst>
-          </p:cNvPr>
-          <p:cNvPicPr>
-            <a:picLocks noChangeAspect="1" noChangeArrowheads="1"/>
-          </p:cNvPicPr>
-          <p:nvPr/>
-        </p:nvPicPr>
-        <p:blipFill>
-          <a:blip r:embed="rId2">
-            <a:extLst>
-              <a:ext uri="{28A0092B-C50C-407E-A947-70E740481C1C}">
-                <a14:useLocalDpi xmlns:a14="http://schemas.microsoft.com/office/drawing/2010/main" val="0"/>
-              </a:ext>
-            </a:extLst>
-          </a:blip>
-          <a:srcRect/>
-          <a:stretch>
-            <a:fillRect/>
-          </a:stretch>
-        </p:blipFill>
-        <p:spPr bwMode="auto">
-          <a:xfrm>
-            <a:off x="2223856" y="2360540"/>
-            <a:ext cx="7744287" cy="3681562"/>
-          </a:xfrm>
-          <a:prstGeom prst="rect">
-            <a:avLst/>
-          </a:prstGeom>
-          <a:noFill/>
-          <a:extLst>
-            <a:ext uri="{909E8E84-426E-40DD-AFC4-6F175D3DCCD1}">
-              <a14:hiddenFill xmlns:a14="http://schemas.microsoft.com/office/drawing/2010/main">
-                <a:solidFill>
-                  <a:srgbClr val="FFFFFF"/>
-                </a:solidFill>
-              </a14:hiddenFill>
-            </a:ext>
-          </a:extLst>
-        </p:spPr>
-      </p:pic>
-    </p:spTree>
-    <p:extLst>
-      <p:ext uri="{BB962C8B-B14F-4D97-AF65-F5344CB8AC3E}">
-        <p14:creationId xmlns:p14="http://schemas.microsoft.com/office/powerpoint/2010/main" val="962727688"/>
-      </p:ext>
-    </p:extLst>
-  </p:cSld>
-  <p:clrMapOvr>
-    <a:masterClrMapping/>
-  </p:clrMapOvr>
-</p:sld>
-</file>
-
-<file path=ppt/slides/slide18.xml><?xml version="1.0" encoding="utf-8"?>
-<p:sld xmlns:a="http://schemas.openxmlformats.org/drawingml/2006/main" xmlns:r="http://schemas.openxmlformats.org/officeDocument/2006/relationships" xmlns:p="http://schemas.openxmlformats.org/presentationml/2006/main">
-  <p:cSld>
-    <p:spTree>
-      <p:nvGrpSpPr>
-        <p:cNvPr id="1" name=""/>
-        <p:cNvGrpSpPr/>
-        <p:nvPr/>
-      </p:nvGrpSpPr>
-      <p:grpSpPr>
-        <a:xfrm>
-          <a:off x="0" y="0"/>
-          <a:ext cx="0" cy="0"/>
-          <a:chOff x="0" y="0"/>
-          <a:chExt cx="0" cy="0"/>
-        </a:xfrm>
-      </p:grpSpPr>
-      <p:pic>
-        <p:nvPicPr>
-          <p:cNvPr id="2050" name="Picture 2" descr="Gráfico de respostas do Formulários Google. Título da pergunta: Qual nota você dá para a aparência/facilidade de visualização?. Número de respostas: 5 respostas.">
-            <a:extLst>
-              <a:ext uri="{FF2B5EF4-FFF2-40B4-BE49-F238E27FC236}">
-                <a16:creationId xmlns:a16="http://schemas.microsoft.com/office/drawing/2014/main" id="{509280FC-9AF1-14B2-41D1-198842EF75D9}"/>
-              </a:ext>
-            </a:extLst>
-          </p:cNvPr>
-          <p:cNvPicPr>
-            <a:picLocks noChangeAspect="1" noChangeArrowheads="1"/>
-          </p:cNvPicPr>
-          <p:nvPr/>
-        </p:nvPicPr>
-        <p:blipFill>
-          <a:blip r:embed="rId2">
-            <a:extLst>
-              <a:ext uri="{28A0092B-C50C-407E-A947-70E740481C1C}">
-                <a14:useLocalDpi xmlns:a14="http://schemas.microsoft.com/office/drawing/2010/main" val="0"/>
-              </a:ext>
-            </a:extLst>
-          </a:blip>
-          <a:srcRect/>
-          <a:stretch>
-            <a:fillRect/>
-          </a:stretch>
-        </p:blipFill>
-        <p:spPr bwMode="auto">
-          <a:xfrm>
-            <a:off x="2223856" y="2360540"/>
-            <a:ext cx="7744287" cy="3681562"/>
-          </a:xfrm>
-          <a:prstGeom prst="rect">
-            <a:avLst/>
-          </a:prstGeom>
-          <a:noFill/>
-          <a:extLst>
-            <a:ext uri="{909E8E84-426E-40DD-AFC4-6F175D3DCCD1}">
-              <a14:hiddenFill xmlns:a14="http://schemas.microsoft.com/office/drawing/2010/main">
-                <a:solidFill>
-                  <a:srgbClr val="FFFFFF"/>
-                </a:solidFill>
-              </a14:hiddenFill>
-            </a:ext>
-          </a:extLst>
-        </p:spPr>
-      </p:pic>
-      <p:sp>
-        <p:nvSpPr>
-          <p:cNvPr id="2" name="Título 1">
-            <a:extLst>
-              <a:ext uri="{FF2B5EF4-FFF2-40B4-BE49-F238E27FC236}">
-                <a16:creationId xmlns:a16="http://schemas.microsoft.com/office/drawing/2014/main" id="{FC30CCF6-A6A8-4E77-4B95-0DB65E94706B}"/>
-              </a:ext>
-            </a:extLst>
-          </p:cNvPr>
-          <p:cNvSpPr>
-            <a:spLocks noGrp="1"/>
-          </p:cNvSpPr>
-          <p:nvPr>
-            <p:ph type="title"/>
-          </p:nvPr>
-        </p:nvSpPr>
-        <p:spPr/>
-        <p:txBody>
-          <a:bodyPr/>
-          <a:lstStyle/>
-          <a:p>
-            <a:r>
-              <a:rPr lang="pt-BR" dirty="0"/>
-              <a:t>Avaliação dos usuários</a:t>
-            </a:r>
-          </a:p>
-        </p:txBody>
-      </p:sp>
-    </p:spTree>
-    <p:extLst>
-      <p:ext uri="{BB962C8B-B14F-4D97-AF65-F5344CB8AC3E}">
-        <p14:creationId xmlns:p14="http://schemas.microsoft.com/office/powerpoint/2010/main" val="1588072586"/>
-      </p:ext>
-    </p:extLst>
-  </p:cSld>
-  <p:clrMapOvr>
-    <a:masterClrMapping/>
-  </p:clrMapOvr>
-</p:sld>
-</file>
-
 <file path=ppt/slides/slide19.xml><?xml version="1.0" encoding="utf-8"?>
 <p:sld xmlns:a="http://schemas.openxmlformats.org/drawingml/2006/main" xmlns:r="http://schemas.openxmlformats.org/officeDocument/2006/relationships" xmlns:p="http://schemas.openxmlformats.org/presentationml/2006/main">
   <p:cSld>
@@ -4550,59 +4544,40 @@
           <a:chExt cx="0" cy="0"/>
         </a:xfrm>
       </p:grpSpPr>
-      <p:pic>
-        <p:nvPicPr>
-          <p:cNvPr id="3074" name="Picture 2" descr="Gráfico de respostas do Formulários Google. Título da pergunta: Você acha que este dashboard pode ser útil para os alunos na hora de escolher disciplinas?. Número de respostas: 5 respostas.">
+      <p:sp>
+        <p:nvSpPr>
+          <p:cNvPr id="2" name="Título 1">
             <a:extLst>
               <a:ext uri="{FF2B5EF4-FFF2-40B4-BE49-F238E27FC236}">
-                <a16:creationId xmlns:a16="http://schemas.microsoft.com/office/drawing/2014/main" id="{57216D2F-8561-5BBB-4938-D6E4661A657C}"/>
+                <a16:creationId xmlns:a16="http://schemas.microsoft.com/office/drawing/2014/main" id="{E3405ED8-07BF-6637-9FFA-4E2099BA6138}"/>
               </a:ext>
             </a:extLst>
           </p:cNvPr>
-          <p:cNvPicPr>
-            <a:picLocks noChangeAspect="1" noChangeArrowheads="1"/>
-          </p:cNvPicPr>
-          <p:nvPr/>
-        </p:nvPicPr>
-        <p:blipFill>
-          <a:blip r:embed="rId2">
-            <a:extLst>
-              <a:ext uri="{28A0092B-C50C-407E-A947-70E740481C1C}">
-                <a14:useLocalDpi xmlns:a14="http://schemas.microsoft.com/office/drawing/2010/main" val="0"/>
-              </a:ext>
-            </a:extLst>
-          </a:blip>
-          <a:srcRect/>
-          <a:stretch>
-            <a:fillRect/>
-          </a:stretch>
-        </p:blipFill>
-        <p:spPr bwMode="auto">
-          <a:xfrm>
-            <a:off x="2223856" y="2360541"/>
-            <a:ext cx="7744287" cy="3258046"/>
-          </a:xfrm>
-          <a:prstGeom prst="rect">
-            <a:avLst/>
-          </a:prstGeom>
-          <a:noFill/>
-          <a:extLst>
-            <a:ext uri="{909E8E84-426E-40DD-AFC4-6F175D3DCCD1}">
-              <a14:hiddenFill xmlns:a14="http://schemas.microsoft.com/office/drawing/2010/main">
-                <a:solidFill>
-                  <a:srgbClr val="FFFFFF"/>
-                </a:solidFill>
-              </a14:hiddenFill>
-            </a:ext>
-          </a:extLst>
-        </p:spPr>
-      </p:pic>
-      <p:sp>
-        <p:nvSpPr>
-          <p:cNvPr id="2" name="Título 1">
+          <p:cNvSpPr>
+            <a:spLocks noGrp="1"/>
+          </p:cNvSpPr>
+          <p:nvPr>
+            <p:ph type="title"/>
+          </p:nvPr>
+        </p:nvSpPr>
+        <p:spPr/>
+        <p:txBody>
+          <a:bodyPr/>
+          <a:lstStyle/>
+          <a:p>
+            <a:r>
+              <a:rPr lang="pt-BR" dirty="0"/>
+              <a:t>Trabalhos futuros</a:t>
+            </a:r>
+          </a:p>
+        </p:txBody>
+      </p:sp>
+      <p:sp>
+        <p:nvSpPr>
+          <p:cNvPr id="3" name="Espaço Reservado para Conteúdo 2">
             <a:extLst>
               <a:ext uri="{FF2B5EF4-FFF2-40B4-BE49-F238E27FC236}">
-                <a16:creationId xmlns:a16="http://schemas.microsoft.com/office/drawing/2014/main" id="{FC30CCF6-A6A8-4E77-4B95-0DB65E94706B}"/>
+                <a16:creationId xmlns:a16="http://schemas.microsoft.com/office/drawing/2014/main" id="{8E73546B-8F94-AE92-C170-98EB811C86B3}"/>
               </a:ext>
             </a:extLst>
           </p:cNvPr>
@@ -4610,17 +4585,32 @@
             <a:spLocks noGrp="1"/>
           </p:cNvSpPr>
           <p:nvPr>
-            <p:ph type="title"/>
-          </p:nvPr>
-        </p:nvSpPr>
-        <p:spPr/>
-        <p:txBody>
-          <a:bodyPr/>
-          <a:lstStyle/>
-          <a:p>
-            <a:r>
-              <a:rPr lang="pt-BR" dirty="0"/>
-              <a:t>Avaliação dos usuários</a:t>
+            <p:ph idx="1"/>
+          </p:nvPr>
+        </p:nvSpPr>
+        <p:spPr/>
+        <p:txBody>
+          <a:bodyPr>
+            <a:normAutofit/>
+          </a:bodyPr>
+          <a:lstStyle/>
+          <a:p>
+            <a:pPr algn="just"/>
+            <a:r>
+              <a:rPr lang="pt-BR" sz="2400" dirty="0"/>
+              <a:t>Análise das opiniões dos alunos e realizar mudanças baseadas no </a:t>
+            </a:r>
+            <a:r>
+              <a:rPr lang="pt-BR" sz="2400" i="1" dirty="0"/>
+              <a:t>feedback</a:t>
+            </a:r>
+            <a:endParaRPr lang="pt-BR" sz="2400" dirty="0"/>
+          </a:p>
+          <a:p>
+            <a:pPr algn="just"/>
+            <a:r>
+              <a:rPr lang="pt-BR" sz="2400" dirty="0"/>
+              <a:t>Mudanças na aparência dos gráficos, principalmente visando acessibilidade para usuários com deficiências visuais.</a:t>
             </a:r>
           </a:p>
         </p:txBody>
@@ -4628,7 +4618,7 @@
     </p:spTree>
     <p:extLst>
       <p:ext uri="{BB962C8B-B14F-4D97-AF65-F5344CB8AC3E}">
-        <p14:creationId xmlns:p14="http://schemas.microsoft.com/office/powerpoint/2010/main" val="3313984189"/>
+        <p14:creationId xmlns:p14="http://schemas.microsoft.com/office/powerpoint/2010/main" val="2392565333"/>
       </p:ext>
     </p:extLst>
   </p:cSld>
@@ -4639,6 +4629,214 @@
 </file>
 
 <file path=ppt/slides/slide2.xml><?xml version="1.0" encoding="utf-8"?>
+<p:sld xmlns:a="http://schemas.openxmlformats.org/drawingml/2006/main" xmlns:r="http://schemas.openxmlformats.org/officeDocument/2006/relationships" xmlns:p="http://schemas.openxmlformats.org/presentationml/2006/main">
+  <p:cSld>
+    <p:spTree>
+      <p:nvGrpSpPr>
+        <p:cNvPr id="1" name=""/>
+        <p:cNvGrpSpPr/>
+        <p:nvPr/>
+      </p:nvGrpSpPr>
+      <p:grpSpPr>
+        <a:xfrm>
+          <a:off x="0" y="0"/>
+          <a:ext cx="0" cy="0"/>
+          <a:chOff x="0" y="0"/>
+          <a:chExt cx="0" cy="0"/>
+        </a:xfrm>
+      </p:grpSpPr>
+      <p:sp>
+        <p:nvSpPr>
+          <p:cNvPr id="2" name="Título 1">
+            <a:extLst>
+              <a:ext uri="{FF2B5EF4-FFF2-40B4-BE49-F238E27FC236}">
+                <a16:creationId xmlns:a16="http://schemas.microsoft.com/office/drawing/2014/main" id="{20C4DC3D-C531-01C2-59F4-C3AB9B1EFDE3}"/>
+              </a:ext>
+            </a:extLst>
+          </p:cNvPr>
+          <p:cNvSpPr>
+            <a:spLocks noGrp="1"/>
+          </p:cNvSpPr>
+          <p:nvPr>
+            <p:ph type="title"/>
+          </p:nvPr>
+        </p:nvSpPr>
+        <p:spPr/>
+        <p:txBody>
+          <a:bodyPr/>
+          <a:lstStyle/>
+          <a:p>
+            <a:r>
+              <a:rPr lang="pt-BR" dirty="0"/>
+              <a:t>Introdução</a:t>
+            </a:r>
+          </a:p>
+        </p:txBody>
+      </p:sp>
+      <p:sp>
+        <p:nvSpPr>
+          <p:cNvPr id="3" name="Espaço Reservado para Conteúdo 2">
+            <a:extLst>
+              <a:ext uri="{FF2B5EF4-FFF2-40B4-BE49-F238E27FC236}">
+                <a16:creationId xmlns:a16="http://schemas.microsoft.com/office/drawing/2014/main" id="{5BF97B2D-401A-8F7D-5824-2DD9E5157CE1}"/>
+              </a:ext>
+            </a:extLst>
+          </p:cNvPr>
+          <p:cNvSpPr>
+            <a:spLocks noGrp="1"/>
+          </p:cNvSpPr>
+          <p:nvPr>
+            <p:ph idx="1"/>
+          </p:nvPr>
+        </p:nvSpPr>
+        <p:spPr/>
+        <p:txBody>
+          <a:bodyPr>
+            <a:normAutofit/>
+          </a:bodyPr>
+          <a:lstStyle/>
+          <a:p>
+            <a:r>
+              <a:rPr lang="pt-BR" sz="2400" dirty="0"/>
+              <a:t>Criação de </a:t>
+            </a:r>
+            <a:r>
+              <a:rPr lang="pt-BR" sz="2400" i="1" dirty="0"/>
+              <a:t>dashboard </a:t>
+            </a:r>
+            <a:r>
+              <a:rPr lang="pt-BR" sz="2400" dirty="0"/>
+              <a:t>interativo para visualização de dados das disciplinas do curso de Ciência da Computação da Universidade Federal de Santa Maria.</a:t>
+            </a:r>
+          </a:p>
+          <a:p>
+            <a:endParaRPr lang="pt-BR" sz="2400" dirty="0"/>
+          </a:p>
+        </p:txBody>
+      </p:sp>
+    </p:spTree>
+    <p:extLst>
+      <p:ext uri="{BB962C8B-B14F-4D97-AF65-F5344CB8AC3E}">
+        <p14:creationId xmlns:p14="http://schemas.microsoft.com/office/powerpoint/2010/main" val="3288709320"/>
+      </p:ext>
+    </p:extLst>
+  </p:cSld>
+  <p:clrMapOvr>
+    <a:masterClrMapping/>
+  </p:clrMapOvr>
+</p:sld>
+</file>
+
+<file path=ppt/slides/slide3.xml><?xml version="1.0" encoding="utf-8"?>
+<p:sld xmlns:a="http://schemas.openxmlformats.org/drawingml/2006/main" xmlns:r="http://schemas.openxmlformats.org/officeDocument/2006/relationships" xmlns:p="http://schemas.openxmlformats.org/presentationml/2006/main">
+  <p:cSld>
+    <p:spTree>
+      <p:nvGrpSpPr>
+        <p:cNvPr id="1" name=""/>
+        <p:cNvGrpSpPr/>
+        <p:nvPr/>
+      </p:nvGrpSpPr>
+      <p:grpSpPr>
+        <a:xfrm>
+          <a:off x="0" y="0"/>
+          <a:ext cx="0" cy="0"/>
+          <a:chOff x="0" y="0"/>
+          <a:chExt cx="0" cy="0"/>
+        </a:xfrm>
+      </p:grpSpPr>
+      <p:sp>
+        <p:nvSpPr>
+          <p:cNvPr id="2" name="Título 1">
+            <a:extLst>
+              <a:ext uri="{FF2B5EF4-FFF2-40B4-BE49-F238E27FC236}">
+                <a16:creationId xmlns:a16="http://schemas.microsoft.com/office/drawing/2014/main" id="{4500C5C3-8A6E-81A9-B68A-7A3C28EF40D6}"/>
+              </a:ext>
+            </a:extLst>
+          </p:cNvPr>
+          <p:cNvSpPr>
+            <a:spLocks noGrp="1"/>
+          </p:cNvSpPr>
+          <p:nvPr>
+            <p:ph type="title"/>
+          </p:nvPr>
+        </p:nvSpPr>
+        <p:spPr/>
+        <p:txBody>
+          <a:bodyPr/>
+          <a:lstStyle/>
+          <a:p>
+            <a:r>
+              <a:rPr lang="pt-BR" dirty="0"/>
+              <a:t>Introdução</a:t>
+            </a:r>
+          </a:p>
+        </p:txBody>
+      </p:sp>
+      <p:sp>
+        <p:nvSpPr>
+          <p:cNvPr id="3" name="Espaço Reservado para Conteúdo 2">
+            <a:extLst>
+              <a:ext uri="{FF2B5EF4-FFF2-40B4-BE49-F238E27FC236}">
+                <a16:creationId xmlns:a16="http://schemas.microsoft.com/office/drawing/2014/main" id="{3F7EDEC0-BD92-5777-894B-B08E88568AE8}"/>
+              </a:ext>
+            </a:extLst>
+          </p:cNvPr>
+          <p:cNvSpPr>
+            <a:spLocks noGrp="1"/>
+          </p:cNvSpPr>
+          <p:nvPr>
+            <p:ph idx="1"/>
+          </p:nvPr>
+        </p:nvSpPr>
+        <p:spPr/>
+        <p:txBody>
+          <a:bodyPr>
+            <a:normAutofit/>
+          </a:bodyPr>
+          <a:lstStyle/>
+          <a:p>
+            <a:r>
+              <a:rPr lang="pt-BR" sz="2400" dirty="0"/>
+              <a:t>Objetivos:</a:t>
+            </a:r>
+          </a:p>
+          <a:p>
+            <a:pPr lvl="1"/>
+            <a:r>
+              <a:rPr lang="pt-BR" sz="2400" dirty="0"/>
+              <a:t>Auxiliar os alunos na seleção de disciplinas de forma mais informada e estratégica.</a:t>
+            </a:r>
+          </a:p>
+          <a:p>
+            <a:pPr lvl="1"/>
+            <a:r>
+              <a:rPr lang="pt-BR" sz="2400" dirty="0"/>
+              <a:t>Permitir uma análise detalhada do histórico de desempenho das disciplinas ao longo do tempo.</a:t>
+            </a:r>
+          </a:p>
+          <a:p>
+            <a:pPr lvl="1"/>
+            <a:r>
+              <a:rPr lang="pt-BR" sz="2400" dirty="0"/>
+              <a:t>Promover uma melhor preparação dos alunos para os desafios acadêmicos futuros.</a:t>
+            </a:r>
+          </a:p>
+        </p:txBody>
+      </p:sp>
+    </p:spTree>
+    <p:extLst>
+      <p:ext uri="{BB962C8B-B14F-4D97-AF65-F5344CB8AC3E}">
+        <p14:creationId xmlns:p14="http://schemas.microsoft.com/office/powerpoint/2010/main" val="2787827565"/>
+      </p:ext>
+    </p:extLst>
+  </p:cSld>
+  <p:clrMapOvr>
+    <a:masterClrMapping/>
+  </p:clrMapOvr>
+</p:sld>
+</file>
+
+<file path=ppt/slides/slide4.xml><?xml version="1.0" encoding="utf-8"?>
 <p:sld xmlns:a="http://schemas.openxmlformats.org/drawingml/2006/main" xmlns:r="http://schemas.openxmlformats.org/officeDocument/2006/relationships" xmlns:p="http://schemas.openxmlformats.org/presentationml/2006/main">
   <p:cSld>
     <p:spTree>
@@ -4735,288 +4933,6 @@
 </p:sld>
 </file>
 
-<file path=ppt/slides/slide20.xml><?xml version="1.0" encoding="utf-8"?>
-<p:sld xmlns:a="http://schemas.openxmlformats.org/drawingml/2006/main" xmlns:r="http://schemas.openxmlformats.org/officeDocument/2006/relationships" xmlns:p="http://schemas.openxmlformats.org/presentationml/2006/main">
-  <p:cSld>
-    <p:spTree>
-      <p:nvGrpSpPr>
-        <p:cNvPr id="1" name=""/>
-        <p:cNvGrpSpPr/>
-        <p:nvPr/>
-      </p:nvGrpSpPr>
-      <p:grpSpPr>
-        <a:xfrm>
-          <a:off x="0" y="0"/>
-          <a:ext cx="0" cy="0"/>
-          <a:chOff x="0" y="0"/>
-          <a:chExt cx="0" cy="0"/>
-        </a:xfrm>
-      </p:grpSpPr>
-      <p:sp>
-        <p:nvSpPr>
-          <p:cNvPr id="2" name="Título 1">
-            <a:extLst>
-              <a:ext uri="{FF2B5EF4-FFF2-40B4-BE49-F238E27FC236}">
-                <a16:creationId xmlns:a16="http://schemas.microsoft.com/office/drawing/2014/main" id="{E3405ED8-07BF-6637-9FFA-4E2099BA6138}"/>
-              </a:ext>
-            </a:extLst>
-          </p:cNvPr>
-          <p:cNvSpPr>
-            <a:spLocks noGrp="1"/>
-          </p:cNvSpPr>
-          <p:nvPr>
-            <p:ph type="title"/>
-          </p:nvPr>
-        </p:nvSpPr>
-        <p:spPr/>
-        <p:txBody>
-          <a:bodyPr/>
-          <a:lstStyle/>
-          <a:p>
-            <a:r>
-              <a:rPr lang="pt-BR" dirty="0"/>
-              <a:t>Trabalhos futuros</a:t>
-            </a:r>
-          </a:p>
-        </p:txBody>
-      </p:sp>
-      <p:sp>
-        <p:nvSpPr>
-          <p:cNvPr id="3" name="Espaço Reservado para Conteúdo 2">
-            <a:extLst>
-              <a:ext uri="{FF2B5EF4-FFF2-40B4-BE49-F238E27FC236}">
-                <a16:creationId xmlns:a16="http://schemas.microsoft.com/office/drawing/2014/main" id="{8E73546B-8F94-AE92-C170-98EB811C86B3}"/>
-              </a:ext>
-            </a:extLst>
-          </p:cNvPr>
-          <p:cNvSpPr>
-            <a:spLocks noGrp="1"/>
-          </p:cNvSpPr>
-          <p:nvPr>
-            <p:ph idx="1"/>
-          </p:nvPr>
-        </p:nvSpPr>
-        <p:spPr/>
-        <p:txBody>
-          <a:bodyPr/>
-          <a:lstStyle/>
-          <a:p>
-            <a:r>
-              <a:rPr lang="pt-BR" dirty="0"/>
-              <a:t>Mudanças na aparência dos gráficos, principalmente visando acessibilidade para usuários com deficiências visuais.</a:t>
-            </a:r>
-          </a:p>
-        </p:txBody>
-      </p:sp>
-    </p:spTree>
-    <p:extLst>
-      <p:ext uri="{BB962C8B-B14F-4D97-AF65-F5344CB8AC3E}">
-        <p14:creationId xmlns:p14="http://schemas.microsoft.com/office/powerpoint/2010/main" val="2392565333"/>
-      </p:ext>
-    </p:extLst>
-  </p:cSld>
-  <p:clrMapOvr>
-    <a:masterClrMapping/>
-  </p:clrMapOvr>
-</p:sld>
-</file>
-
-<file path=ppt/slides/slide3.xml><?xml version="1.0" encoding="utf-8"?>
-<p:sld xmlns:a="http://schemas.openxmlformats.org/drawingml/2006/main" xmlns:r="http://schemas.openxmlformats.org/officeDocument/2006/relationships" xmlns:p="http://schemas.openxmlformats.org/presentationml/2006/main">
-  <p:cSld>
-    <p:spTree>
-      <p:nvGrpSpPr>
-        <p:cNvPr id="1" name=""/>
-        <p:cNvGrpSpPr/>
-        <p:nvPr/>
-      </p:nvGrpSpPr>
-      <p:grpSpPr>
-        <a:xfrm>
-          <a:off x="0" y="0"/>
-          <a:ext cx="0" cy="0"/>
-          <a:chOff x="0" y="0"/>
-          <a:chExt cx="0" cy="0"/>
-        </a:xfrm>
-      </p:grpSpPr>
-      <p:sp>
-        <p:nvSpPr>
-          <p:cNvPr id="2" name="Título 1">
-            <a:extLst>
-              <a:ext uri="{FF2B5EF4-FFF2-40B4-BE49-F238E27FC236}">
-                <a16:creationId xmlns:a16="http://schemas.microsoft.com/office/drawing/2014/main" id="{05ECEDB5-AF96-D63C-659B-B77EE38B9F44}"/>
-              </a:ext>
-            </a:extLst>
-          </p:cNvPr>
-          <p:cNvSpPr>
-            <a:spLocks noGrp="1"/>
-          </p:cNvSpPr>
-          <p:nvPr>
-            <p:ph type="title"/>
-          </p:nvPr>
-        </p:nvSpPr>
-        <p:spPr/>
-        <p:txBody>
-          <a:bodyPr/>
-          <a:lstStyle/>
-          <a:p>
-            <a:r>
-              <a:rPr lang="pt-BR" dirty="0"/>
-              <a:t>Dados: Coleta</a:t>
-            </a:r>
-          </a:p>
-        </p:txBody>
-      </p:sp>
-      <p:sp>
-        <p:nvSpPr>
-          <p:cNvPr id="3" name="Espaço Reservado para Conteúdo 2">
-            <a:extLst>
-              <a:ext uri="{FF2B5EF4-FFF2-40B4-BE49-F238E27FC236}">
-                <a16:creationId xmlns:a16="http://schemas.microsoft.com/office/drawing/2014/main" id="{692FD589-5A6D-DF63-AA69-1301CDF559A2}"/>
-              </a:ext>
-            </a:extLst>
-          </p:cNvPr>
-          <p:cNvSpPr>
-            <a:spLocks noGrp="1"/>
-          </p:cNvSpPr>
-          <p:nvPr>
-            <p:ph idx="1"/>
-          </p:nvPr>
-        </p:nvSpPr>
-        <p:spPr/>
-        <p:txBody>
-          <a:bodyPr/>
-          <a:lstStyle/>
-          <a:p>
-            <a:r>
-              <a:rPr lang="pt-BR" dirty="0"/>
-              <a:t>A coleta dos dados dos alunos foi feita junto a secretaria do Curso de Ciência da Computação da UFSM</a:t>
-            </a:r>
-          </a:p>
-          <a:p>
-            <a:r>
-              <a:rPr lang="pt-BR" dirty="0"/>
-              <a:t>Também foi criado um novo conjunto de dados, contendo as disciplinas do curso, semestres recomendados, etc.</a:t>
-            </a:r>
-          </a:p>
-        </p:txBody>
-      </p:sp>
-    </p:spTree>
-    <p:extLst>
-      <p:ext uri="{BB962C8B-B14F-4D97-AF65-F5344CB8AC3E}">
-        <p14:creationId xmlns:p14="http://schemas.microsoft.com/office/powerpoint/2010/main" val="1980494359"/>
-      </p:ext>
-    </p:extLst>
-  </p:cSld>
-  <p:clrMapOvr>
-    <a:masterClrMapping/>
-  </p:clrMapOvr>
-</p:sld>
-</file>
-
-<file path=ppt/slides/slide4.xml><?xml version="1.0" encoding="utf-8"?>
-<p:sld xmlns:a="http://schemas.openxmlformats.org/drawingml/2006/main" xmlns:r="http://schemas.openxmlformats.org/officeDocument/2006/relationships" xmlns:p="http://schemas.openxmlformats.org/presentationml/2006/main">
-  <p:cSld>
-    <p:spTree>
-      <p:nvGrpSpPr>
-        <p:cNvPr id="1" name=""/>
-        <p:cNvGrpSpPr/>
-        <p:nvPr/>
-      </p:nvGrpSpPr>
-      <p:grpSpPr>
-        <a:xfrm>
-          <a:off x="0" y="0"/>
-          <a:ext cx="0" cy="0"/>
-          <a:chOff x="0" y="0"/>
-          <a:chExt cx="0" cy="0"/>
-        </a:xfrm>
-      </p:grpSpPr>
-      <p:sp>
-        <p:nvSpPr>
-          <p:cNvPr id="2" name="Título 1">
-            <a:extLst>
-              <a:ext uri="{FF2B5EF4-FFF2-40B4-BE49-F238E27FC236}">
-                <a16:creationId xmlns:a16="http://schemas.microsoft.com/office/drawing/2014/main" id="{06261A26-9A25-B38F-5F3B-E29726C8DBA7}"/>
-              </a:ext>
-            </a:extLst>
-          </p:cNvPr>
-          <p:cNvSpPr>
-            <a:spLocks noGrp="1"/>
-          </p:cNvSpPr>
-          <p:nvPr>
-            <p:ph type="title"/>
-          </p:nvPr>
-        </p:nvSpPr>
-        <p:spPr/>
-        <p:txBody>
-          <a:bodyPr/>
-          <a:lstStyle/>
-          <a:p>
-            <a:r>
-              <a:rPr lang="pt-BR" dirty="0"/>
-              <a:t>Dados: Análise e Preparação</a:t>
-            </a:r>
-          </a:p>
-        </p:txBody>
-      </p:sp>
-      <p:sp>
-        <p:nvSpPr>
-          <p:cNvPr id="3" name="Espaço Reservado para Conteúdo 2">
-            <a:extLst>
-              <a:ext uri="{FF2B5EF4-FFF2-40B4-BE49-F238E27FC236}">
-                <a16:creationId xmlns:a16="http://schemas.microsoft.com/office/drawing/2014/main" id="{D6E187F6-E502-BF1A-B0A0-77D78FF67CAE}"/>
-              </a:ext>
-            </a:extLst>
-          </p:cNvPr>
-          <p:cNvSpPr>
-            <a:spLocks noGrp="1"/>
-          </p:cNvSpPr>
-          <p:nvPr>
-            <p:ph idx="1"/>
-          </p:nvPr>
-        </p:nvSpPr>
-        <p:spPr/>
-        <p:txBody>
-          <a:bodyPr/>
-          <a:lstStyle/>
-          <a:p>
-            <a:r>
-              <a:rPr lang="pt-BR" dirty="0"/>
-              <a:t>Os dados fornecidos pela secretaria eram íntegros.</a:t>
-            </a:r>
-          </a:p>
-          <a:p>
-            <a:r>
-              <a:rPr lang="pt-BR" dirty="0"/>
-              <a:t>Como estavam separados em várias tabelas, foi feita a junção. Isto foi feito utilizando a linguagem R.</a:t>
-            </a:r>
-          </a:p>
-          <a:p>
-            <a:r>
-              <a:rPr lang="pt-BR" dirty="0"/>
-              <a:t>Após, as tabelas de dados dos alunos e dados das disciplinas foram cruzadas, também utilizando a linguagem R.</a:t>
-            </a:r>
-          </a:p>
-          <a:p>
-            <a:r>
-              <a:rPr lang="pt-BR" dirty="0"/>
-              <a:t>Os scripts de integração dos dados estão preparados para novas inserções de tabelas.</a:t>
-            </a:r>
-          </a:p>
-        </p:txBody>
-      </p:sp>
-    </p:spTree>
-    <p:extLst>
-      <p:ext uri="{BB962C8B-B14F-4D97-AF65-F5344CB8AC3E}">
-        <p14:creationId xmlns:p14="http://schemas.microsoft.com/office/powerpoint/2010/main" val="185996475"/>
-      </p:ext>
-    </p:extLst>
-  </p:cSld>
-  <p:clrMapOvr>
-    <a:masterClrMapping/>
-  </p:clrMapOvr>
-</p:sld>
-</file>
-
 <file path=ppt/slides/slide5.xml><?xml version="1.0" encoding="utf-8"?>
 <p:sld xmlns:a="http://schemas.openxmlformats.org/drawingml/2006/main" xmlns:r="http://schemas.openxmlformats.org/officeDocument/2006/relationships" xmlns:p="http://schemas.openxmlformats.org/presentationml/2006/main">
   <p:cSld>
@@ -5039,7 +4955,7 @@
           <p:cNvPr id="2" name="Título 1">
             <a:extLst>
               <a:ext uri="{FF2B5EF4-FFF2-40B4-BE49-F238E27FC236}">
-                <a16:creationId xmlns:a16="http://schemas.microsoft.com/office/drawing/2014/main" id="{6D593F5E-42C9-AACA-24BE-CCB0E761F32C}"/>
+                <a16:creationId xmlns:a16="http://schemas.microsoft.com/office/drawing/2014/main" id="{05ECEDB5-AF96-D63C-659B-B77EE38B9F44}"/>
               </a:ext>
             </a:extLst>
           </p:cNvPr>
@@ -5057,7 +4973,7 @@
           <a:p>
             <a:r>
               <a:rPr lang="pt-BR" dirty="0"/>
-              <a:t>Dashboard: Desenvolvimento</a:t>
+              <a:t>Dados: Coleta</a:t>
             </a:r>
           </a:p>
         </p:txBody>
@@ -5067,7 +4983,7 @@
           <p:cNvPr id="3" name="Espaço Reservado para Conteúdo 2">
             <a:extLst>
               <a:ext uri="{FF2B5EF4-FFF2-40B4-BE49-F238E27FC236}">
-                <a16:creationId xmlns:a16="http://schemas.microsoft.com/office/drawing/2014/main" id="{B19E713F-7D75-44FA-6F27-265AA40044C3}"/>
+                <a16:creationId xmlns:a16="http://schemas.microsoft.com/office/drawing/2014/main" id="{692FD589-5A6D-DF63-AA69-1301CDF559A2}"/>
               </a:ext>
             </a:extLst>
           </p:cNvPr>
@@ -5080,32 +4996,30 @@
         </p:nvSpPr>
         <p:spPr/>
         <p:txBody>
-          <a:bodyPr/>
-          <a:lstStyle/>
-          <a:p>
-            <a:r>
-              <a:rPr lang="pt-BR" dirty="0"/>
-              <a:t>O dashboard foi construído utilizando a ferramenta Power BI.</a:t>
-            </a:r>
-          </a:p>
-          <a:p>
-            <a:r>
-              <a:rPr lang="pt-BR" dirty="0"/>
-              <a:t>Diferentes versões foram criadas, e aprimoradas ao longo de testes feitos pelos autores.</a:t>
-            </a:r>
-          </a:p>
-          <a:p>
-            <a:endParaRPr lang="pt-BR" dirty="0"/>
-          </a:p>
-          <a:p>
-            <a:endParaRPr lang="pt-BR" dirty="0"/>
+          <a:bodyPr>
+            <a:normAutofit/>
+          </a:bodyPr>
+          <a:lstStyle/>
+          <a:p>
+            <a:pPr algn="just"/>
+            <a:r>
+              <a:rPr lang="pt-BR" sz="2400" dirty="0"/>
+              <a:t>A coleta dos dados dos alunos foi feita junto a secretaria do Curso de Ciência da Computação da UFSM</a:t>
+            </a:r>
+          </a:p>
+          <a:p>
+            <a:pPr algn="just"/>
+            <a:r>
+              <a:rPr lang="pt-BR" sz="2400" dirty="0"/>
+              <a:t>Também foi criado um novo conjunto de dados, contendo as disciplinas do curso, semestres recomendados, etc.</a:t>
+            </a:r>
           </a:p>
         </p:txBody>
       </p:sp>
     </p:spTree>
     <p:extLst>
       <p:ext uri="{BB962C8B-B14F-4D97-AF65-F5344CB8AC3E}">
-        <p14:creationId xmlns:p14="http://schemas.microsoft.com/office/powerpoint/2010/main" val="3903916225"/>
+        <p14:creationId xmlns:p14="http://schemas.microsoft.com/office/powerpoint/2010/main" val="1980494359"/>
       </p:ext>
     </p:extLst>
   </p:cSld>
@@ -5137,7 +5051,7 @@
           <p:cNvPr id="2" name="Título 1">
             <a:extLst>
               <a:ext uri="{FF2B5EF4-FFF2-40B4-BE49-F238E27FC236}">
-                <a16:creationId xmlns:a16="http://schemas.microsoft.com/office/drawing/2014/main" id="{C8D55341-EB75-3BA3-1F79-1982B0BC8022}"/>
+                <a16:creationId xmlns:a16="http://schemas.microsoft.com/office/drawing/2014/main" id="{06261A26-9A25-B38F-5F3B-E29726C8DBA7}"/>
               </a:ext>
             </a:extLst>
           </p:cNvPr>
@@ -5155,7 +5069,7 @@
           <a:p>
             <a:r>
               <a:rPr lang="pt-BR" dirty="0"/>
-              <a:t>Dashboard: Funcionalidades Interativas</a:t>
+              <a:t>Dados: Análise e Preparação</a:t>
             </a:r>
           </a:p>
         </p:txBody>
@@ -5165,7 +5079,7 @@
           <p:cNvPr id="3" name="Espaço Reservado para Conteúdo 2">
             <a:extLst>
               <a:ext uri="{FF2B5EF4-FFF2-40B4-BE49-F238E27FC236}">
-                <a16:creationId xmlns:a16="http://schemas.microsoft.com/office/drawing/2014/main" id="{04726491-1AF1-E415-742F-880D14340E67}"/>
+                <a16:creationId xmlns:a16="http://schemas.microsoft.com/office/drawing/2014/main" id="{D6E187F6-E502-BF1A-B0A0-77D78FF67CAE}"/>
               </a:ext>
             </a:extLst>
           </p:cNvPr>
@@ -5178,24 +5092,44 @@
         </p:nvSpPr>
         <p:spPr/>
         <p:txBody>
-          <a:bodyPr/>
-          <a:lstStyle/>
-          <a:p>
-            <a:r>
-              <a:rPr lang="pt-BR" dirty="0"/>
-              <a:t>O dashboard conta com funcionalidades interativas.</a:t>
-            </a:r>
-          </a:p>
-          <a:p>
-            <a:r>
-              <a:rPr lang="pt-BR" dirty="0"/>
-              <a:t>Estas funcionalidades servem para o usuário conseguir fazer consultas específicas, de acordo com seu interesse.</a:t>
-            </a:r>
-          </a:p>
-          <a:p>
-            <a:r>
-              <a:rPr lang="pt-BR" dirty="0"/>
-              <a:t>Além das diferentes visualizações disponibilizadas diretamente nas páginas o usuário também pode filtrar a consulta por disciplina, sigla e ano específicos.</a:t>
+          <a:bodyPr>
+            <a:normAutofit/>
+          </a:bodyPr>
+          <a:lstStyle/>
+          <a:p>
+            <a:pPr algn="just"/>
+            <a:r>
+              <a:rPr lang="pt-BR" sz="2400" dirty="0"/>
+              <a:t>Os dados fornecidos pela secretaria eram íntegros.</a:t>
+            </a:r>
+          </a:p>
+          <a:p>
+            <a:pPr algn="just"/>
+            <a:r>
+              <a:rPr lang="pt-BR" sz="2400" dirty="0"/>
+              <a:t>Como estavam separados em várias tabelas, foi feita a junção. Isto foi feito utilizando a linguagem R.</a:t>
+            </a:r>
+          </a:p>
+          <a:p>
+            <a:pPr algn="just"/>
+            <a:r>
+              <a:rPr lang="pt-BR" sz="2400" dirty="0"/>
+              <a:t>Após, as tabelas de dados dos alunos e dados das disciplinas foram cruzadas, também utilizando a linguagem R.</a:t>
+            </a:r>
+          </a:p>
+          <a:p>
+            <a:pPr algn="just"/>
+            <a:r>
+              <a:rPr lang="pt-BR" sz="2400" dirty="0"/>
+              <a:t>Os </a:t>
+            </a:r>
+            <a:r>
+              <a:rPr lang="pt-BR" sz="2400" i="1" dirty="0"/>
+              <a:t>scripts</a:t>
+            </a:r>
+            <a:r>
+              <a:rPr lang="pt-BR" sz="2400" dirty="0"/>
+              <a:t> de integração dos dados estão preparados para novas inserções de tabelas.</a:t>
             </a:r>
           </a:p>
         </p:txBody>
@@ -5203,7 +5137,7 @@
     </p:spTree>
     <p:extLst>
       <p:ext uri="{BB962C8B-B14F-4D97-AF65-F5344CB8AC3E}">
-        <p14:creationId xmlns:p14="http://schemas.microsoft.com/office/powerpoint/2010/main" val="437568559"/>
+        <p14:creationId xmlns:p14="http://schemas.microsoft.com/office/powerpoint/2010/main" val="185996475"/>
       </p:ext>
     </p:extLst>
   </p:cSld>
@@ -5235,7 +5169,7 @@
           <p:cNvPr id="2" name="Título 1">
             <a:extLst>
               <a:ext uri="{FF2B5EF4-FFF2-40B4-BE49-F238E27FC236}">
-                <a16:creationId xmlns:a16="http://schemas.microsoft.com/office/drawing/2014/main" id="{3533FB61-637D-6BD6-BF9C-4FD719AE8C3B}"/>
+                <a16:creationId xmlns:a16="http://schemas.microsoft.com/office/drawing/2014/main" id="{6D593F5E-42C9-AACA-24BE-CCB0E761F32C}"/>
               </a:ext>
             </a:extLst>
           </p:cNvPr>
@@ -5252,8 +5186,12 @@
           <a:lstStyle/>
           <a:p>
             <a:r>
+              <a:rPr lang="pt-BR" i="1" dirty="0"/>
+              <a:t>Dashboard</a:t>
+            </a:r>
+            <a:r>
               <a:rPr lang="pt-BR" dirty="0"/>
-              <a:t>Dashboard: Manutenção</a:t>
+              <a:t>: Desenvolvimento</a:t>
             </a:r>
           </a:p>
         </p:txBody>
@@ -5263,7 +5201,7 @@
           <p:cNvPr id="3" name="Espaço Reservado para Conteúdo 2">
             <a:extLst>
               <a:ext uri="{FF2B5EF4-FFF2-40B4-BE49-F238E27FC236}">
-                <a16:creationId xmlns:a16="http://schemas.microsoft.com/office/drawing/2014/main" id="{D0BE4343-94D1-6CE8-8DFB-52DCAA053920}"/>
+                <a16:creationId xmlns:a16="http://schemas.microsoft.com/office/drawing/2014/main" id="{B19E713F-7D75-44FA-6F27-265AA40044C3}"/>
               </a:ext>
             </a:extLst>
           </p:cNvPr>
@@ -5279,23 +5217,39 @@
           <a:bodyPr/>
           <a:lstStyle/>
           <a:p>
-            <a:r>
-              <a:rPr lang="pt-BR" dirty="0"/>
-              <a:t>A ferramenta foi publicada no site do Programa de Educação Tutorial do Curso de Ciência da Computação (PET-CC) da Universidade Federal de Santa Maria (UFSM)</a:t>
-            </a:r>
-          </a:p>
-          <a:p>
-            <a:r>
-              <a:rPr lang="pt-BR" dirty="0"/>
-              <a:t>A manutenção está sendo e será feita pelos membros do PET-CC ao longo do tempo.</a:t>
-            </a:r>
+            <a:pPr algn="just"/>
+            <a:r>
+              <a:rPr lang="pt-BR" sz="2400" dirty="0"/>
+              <a:t>O </a:t>
+            </a:r>
+            <a:r>
+              <a:rPr lang="pt-BR" sz="2400" i="1" dirty="0"/>
+              <a:t>dashboard</a:t>
+            </a:r>
+            <a:r>
+              <a:rPr lang="pt-BR" sz="2400" dirty="0"/>
+              <a:t> foi construído utilizando a ferramenta Power BI.</a:t>
+            </a:r>
+          </a:p>
+          <a:p>
+            <a:pPr algn="just"/>
+            <a:r>
+              <a:rPr lang="pt-BR" sz="2400" dirty="0"/>
+              <a:t>Diferentes versões foram criadas, e aprimoradas ao longo de testes feitos pelos autores.</a:t>
+            </a:r>
+          </a:p>
+          <a:p>
+            <a:endParaRPr lang="pt-BR" dirty="0"/>
+          </a:p>
+          <a:p>
+            <a:endParaRPr lang="pt-BR" dirty="0"/>
           </a:p>
         </p:txBody>
       </p:sp>
     </p:spTree>
     <p:extLst>
       <p:ext uri="{BB962C8B-B14F-4D97-AF65-F5344CB8AC3E}">
-        <p14:creationId xmlns:p14="http://schemas.microsoft.com/office/powerpoint/2010/main" val="1566202971"/>
+        <p14:creationId xmlns:p14="http://schemas.microsoft.com/office/powerpoint/2010/main" val="3903916225"/>
       </p:ext>
     </p:extLst>
   </p:cSld>
@@ -5327,7 +5281,7 @@
           <p:cNvPr id="2" name="Título 1">
             <a:extLst>
               <a:ext uri="{FF2B5EF4-FFF2-40B4-BE49-F238E27FC236}">
-                <a16:creationId xmlns:a16="http://schemas.microsoft.com/office/drawing/2014/main" id="{8CEBF2C9-D632-449D-9007-2E263D4D566A}"/>
+                <a16:creationId xmlns:a16="http://schemas.microsoft.com/office/drawing/2014/main" id="{C8D55341-EB75-3BA3-1F79-1982B0BC8022}"/>
               </a:ext>
             </a:extLst>
           </p:cNvPr>
@@ -5338,57 +5292,89 @@
             <p:ph type="title"/>
           </p:nvPr>
         </p:nvSpPr>
-        <p:spPr/>
-        <p:txBody>
-          <a:bodyPr/>
-          <a:lstStyle/>
-          <a:p>
+        <p:spPr>
+          <a:xfrm>
+            <a:off x="1261872" y="984738"/>
+            <a:ext cx="9692640" cy="1325562"/>
+          </a:xfrm>
+        </p:spPr>
+        <p:txBody>
+          <a:bodyPr/>
+          <a:lstStyle/>
+          <a:p>
+            <a:r>
+              <a:rPr lang="pt-BR" i="1" dirty="0"/>
+              <a:t>Dashboard</a:t>
+            </a:r>
             <a:r>
               <a:rPr lang="pt-BR" dirty="0"/>
-              <a:t>Página 1: visão geral de disciplina</a:t>
-            </a:r>
-          </a:p>
-        </p:txBody>
-      </p:sp>
-      <p:pic>
-        <p:nvPicPr>
-          <p:cNvPr id="5" name="Espaço Reservado para Conteúdo 4">
+              <a:t>: Funcionalidades Interativas</a:t>
+            </a:r>
+          </a:p>
+        </p:txBody>
+      </p:sp>
+      <p:sp>
+        <p:nvSpPr>
+          <p:cNvPr id="3" name="Espaço Reservado para Conteúdo 2">
             <a:extLst>
               <a:ext uri="{FF2B5EF4-FFF2-40B4-BE49-F238E27FC236}">
-                <a16:creationId xmlns:a16="http://schemas.microsoft.com/office/drawing/2014/main" id="{E96825E6-DE29-43AD-A8C6-715B333E680C}"/>
+                <a16:creationId xmlns:a16="http://schemas.microsoft.com/office/drawing/2014/main" id="{04726491-1AF1-E415-742F-880D14340E67}"/>
               </a:ext>
             </a:extLst>
           </p:cNvPr>
-          <p:cNvPicPr>
-            <a:picLocks noGrp="1" noChangeAspect="1"/>
-          </p:cNvPicPr>
+          <p:cNvSpPr>
+            <a:spLocks noGrp="1"/>
+          </p:cNvSpPr>
           <p:nvPr>
             <p:ph idx="1"/>
           </p:nvPr>
-        </p:nvPicPr>
-        <p:blipFill>
-          <a:blip r:embed="rId2">
-            <a:extLst>
-              <a:ext uri="{28A0092B-C50C-407E-A947-70E740481C1C}">
-                <a14:useLocalDpi xmlns:a14="http://schemas.microsoft.com/office/drawing/2010/main" val="0"/>
-              </a:ext>
-            </a:extLst>
-          </a:blip>
-          <a:stretch>
-            <a:fillRect/>
-          </a:stretch>
-        </p:blipFill>
+        </p:nvSpPr>
         <p:spPr>
           <a:xfrm>
-            <a:off x="1692181" y="1828800"/>
-            <a:ext cx="7734489" cy="4351338"/>
+            <a:off x="1261872" y="2310300"/>
+            <a:ext cx="8595360" cy="4351337"/>
           </a:xfrm>
         </p:spPr>
-      </p:pic>
+        <p:txBody>
+          <a:bodyPr>
+            <a:normAutofit/>
+          </a:bodyPr>
+          <a:lstStyle/>
+          <a:p>
+            <a:pPr algn="just"/>
+            <a:r>
+              <a:rPr lang="pt-BR" sz="2400" dirty="0"/>
+              <a:t>O </a:t>
+            </a:r>
+            <a:r>
+              <a:rPr lang="pt-BR" sz="2400" i="1" dirty="0"/>
+              <a:t>dashboard</a:t>
+            </a:r>
+            <a:r>
+              <a:rPr lang="pt-BR" sz="2400" dirty="0"/>
+              <a:t> conta com funcionalidades interativas.</a:t>
+            </a:r>
+          </a:p>
+          <a:p>
+            <a:pPr algn="just"/>
+            <a:r>
+              <a:rPr lang="pt-BR" sz="2400" dirty="0"/>
+              <a:t>Estas funcionalidades servem para o usuário conseguir fazer consultas específicas, de acordo com seu interesse.</a:t>
+            </a:r>
+          </a:p>
+          <a:p>
+            <a:pPr algn="just"/>
+            <a:r>
+              <a:rPr lang="pt-BR" sz="2400" dirty="0"/>
+              <a:t>Além das diferentes visualizações disponibilizadas diretamente nas páginas o usuário também pode filtrar a consulta por disciplina, sigla e ano específicos.</a:t>
+            </a:r>
+          </a:p>
+        </p:txBody>
+      </p:sp>
     </p:spTree>
     <p:extLst>
       <p:ext uri="{BB962C8B-B14F-4D97-AF65-F5344CB8AC3E}">
-        <p14:creationId xmlns:p14="http://schemas.microsoft.com/office/powerpoint/2010/main" val="52904566"/>
+        <p14:creationId xmlns:p14="http://schemas.microsoft.com/office/powerpoint/2010/main" val="437568559"/>
       </p:ext>
     </p:extLst>
   </p:cSld>
@@ -5415,48 +5401,44 @@
           <a:chExt cx="0" cy="0"/>
         </a:xfrm>
       </p:grpSpPr>
-      <p:pic>
-        <p:nvPicPr>
-          <p:cNvPr id="4" name="Imagem 3">
+      <p:sp>
+        <p:nvSpPr>
+          <p:cNvPr id="2" name="Título 1">
             <a:extLst>
               <a:ext uri="{FF2B5EF4-FFF2-40B4-BE49-F238E27FC236}">
-                <a16:creationId xmlns:a16="http://schemas.microsoft.com/office/drawing/2014/main" id="{6A006B9F-7FDA-4D25-8963-24EE1AD69BD6}"/>
+                <a16:creationId xmlns:a16="http://schemas.microsoft.com/office/drawing/2014/main" id="{3533FB61-637D-6BD6-BF9C-4FD719AE8C3B}"/>
               </a:ext>
             </a:extLst>
           </p:cNvPr>
-          <p:cNvPicPr>
-            <a:picLocks noChangeAspect="1"/>
-          </p:cNvPicPr>
-          <p:nvPr/>
-        </p:nvPicPr>
-        <p:blipFill>
-          <a:blip r:embed="rId2">
-            <a:extLst>
-              <a:ext uri="{28A0092B-C50C-407E-A947-70E740481C1C}">
-                <a14:useLocalDpi xmlns:a14="http://schemas.microsoft.com/office/drawing/2010/main" val="0"/>
-              </a:ext>
-            </a:extLst>
-          </a:blip>
-          <a:stretch>
-            <a:fillRect/>
-          </a:stretch>
-        </p:blipFill>
-        <p:spPr>
-          <a:xfrm>
-            <a:off x="1692181" y="1828800"/>
-            <a:ext cx="7734489" cy="4329991"/>
-          </a:xfrm>
-          <a:prstGeom prst="rect">
-            <a:avLst/>
-          </a:prstGeom>
-        </p:spPr>
-      </p:pic>
-      <p:sp>
-        <p:nvSpPr>
-          <p:cNvPr id="2" name="Título 1">
+          <p:cNvSpPr>
+            <a:spLocks noGrp="1"/>
+          </p:cNvSpPr>
+          <p:nvPr>
+            <p:ph type="title"/>
+          </p:nvPr>
+        </p:nvSpPr>
+        <p:spPr/>
+        <p:txBody>
+          <a:bodyPr/>
+          <a:lstStyle/>
+          <a:p>
+            <a:r>
+              <a:rPr lang="pt-BR" i="1" dirty="0"/>
+              <a:t>Dashboard</a:t>
+            </a:r>
+            <a:r>
+              <a:rPr lang="pt-BR" dirty="0"/>
+              <a:t>: Manutenção</a:t>
+            </a:r>
+          </a:p>
+        </p:txBody>
+      </p:sp>
+      <p:sp>
+        <p:nvSpPr>
+          <p:cNvPr id="3" name="Espaço Reservado para Conteúdo 2">
             <a:extLst>
               <a:ext uri="{FF2B5EF4-FFF2-40B4-BE49-F238E27FC236}">
-                <a16:creationId xmlns:a16="http://schemas.microsoft.com/office/drawing/2014/main" id="{8CEBF2C9-D632-449D-9007-2E263D4D566A}"/>
+                <a16:creationId xmlns:a16="http://schemas.microsoft.com/office/drawing/2014/main" id="{D0BE4343-94D1-6CE8-8DFB-52DCAA053920}"/>
               </a:ext>
             </a:extLst>
           </p:cNvPr>
@@ -5464,17 +5446,27 @@
             <a:spLocks noGrp="1"/>
           </p:cNvSpPr>
           <p:nvPr>
-            <p:ph type="title"/>
-          </p:nvPr>
-        </p:nvSpPr>
-        <p:spPr/>
-        <p:txBody>
-          <a:bodyPr/>
-          <a:lstStyle/>
-          <a:p>
-            <a:r>
-              <a:rPr lang="pt-BR" dirty="0"/>
-              <a:t>Página 1: visão geral de disciplina</a:t>
+            <p:ph idx="1"/>
+          </p:nvPr>
+        </p:nvSpPr>
+        <p:spPr/>
+        <p:txBody>
+          <a:bodyPr>
+            <a:normAutofit/>
+          </a:bodyPr>
+          <a:lstStyle/>
+          <a:p>
+            <a:pPr algn="just"/>
+            <a:r>
+              <a:rPr lang="pt-BR" sz="2400" dirty="0"/>
+              <a:t>A ferramenta foi publicada no site do Programa de Educação Tutorial do Curso de Ciência da Computação (PET-CC) da Universidade Federal de Santa Maria (UFSM)</a:t>
+            </a:r>
+          </a:p>
+          <a:p>
+            <a:pPr algn="just"/>
+            <a:r>
+              <a:rPr lang="pt-BR" sz="2400" dirty="0"/>
+              <a:t>A manutenção está sendo e será feita pelos membros do PET-CC ao longo do tempo.</a:t>
             </a:r>
           </a:p>
         </p:txBody>
@@ -5482,7 +5474,7 @@
     </p:spTree>
     <p:extLst>
       <p:ext uri="{BB962C8B-B14F-4D97-AF65-F5344CB8AC3E}">
-        <p14:creationId xmlns:p14="http://schemas.microsoft.com/office/powerpoint/2010/main" val="4038685972"/>
+        <p14:creationId xmlns:p14="http://schemas.microsoft.com/office/powerpoint/2010/main" val="1566202971"/>
       </p:ext>
     </p:extLst>
   </p:cSld>

--- a/presentation/presentation.pptx
+++ b/presentation/presentation.pptx
@@ -8,22 +8,27 @@
     <p:sldId id="256" r:id="rId2"/>
     <p:sldId id="278" r:id="rId3"/>
     <p:sldId id="277" r:id="rId4"/>
-    <p:sldId id="266" r:id="rId5"/>
-    <p:sldId id="267" r:id="rId6"/>
-    <p:sldId id="268" r:id="rId7"/>
-    <p:sldId id="269" r:id="rId8"/>
-    <p:sldId id="270" r:id="rId9"/>
-    <p:sldId id="271" r:id="rId10"/>
-    <p:sldId id="258" r:id="rId11"/>
-    <p:sldId id="265" r:id="rId12"/>
-    <p:sldId id="257" r:id="rId13"/>
-    <p:sldId id="259" r:id="rId14"/>
-    <p:sldId id="261" r:id="rId15"/>
-    <p:sldId id="260" r:id="rId16"/>
-    <p:sldId id="262" r:id="rId17"/>
-    <p:sldId id="263" r:id="rId18"/>
-    <p:sldId id="264" r:id="rId19"/>
-    <p:sldId id="272" r:id="rId20"/>
+    <p:sldId id="279" r:id="rId5"/>
+    <p:sldId id="280" r:id="rId6"/>
+    <p:sldId id="282" r:id="rId7"/>
+    <p:sldId id="266" r:id="rId8"/>
+    <p:sldId id="267" r:id="rId9"/>
+    <p:sldId id="268" r:id="rId10"/>
+    <p:sldId id="269" r:id="rId11"/>
+    <p:sldId id="270" r:id="rId12"/>
+    <p:sldId id="271" r:id="rId13"/>
+    <p:sldId id="286" r:id="rId14"/>
+    <p:sldId id="258" r:id="rId15"/>
+    <p:sldId id="265" r:id="rId16"/>
+    <p:sldId id="257" r:id="rId17"/>
+    <p:sldId id="259" r:id="rId18"/>
+    <p:sldId id="261" r:id="rId19"/>
+    <p:sldId id="260" r:id="rId20"/>
+    <p:sldId id="262" r:id="rId21"/>
+    <p:sldId id="263" r:id="rId22"/>
+    <p:sldId id="264" r:id="rId23"/>
+    <p:sldId id="284" r:id="rId24"/>
+    <p:sldId id="272" r:id="rId25"/>
   </p:sldIdLst>
   <p:sldSz cx="12192000" cy="6858000"/>
   <p:notesSz cx="6858000" cy="9144000"/>
@@ -298,7 +303,7 @@
           <a:p>
             <a:fld id="{333A04A4-E30C-4ACE-8757-C796E8A3EF60}" type="datetimeFigureOut">
               <a:rPr lang="pt-BR" smtClean="0"/>
-              <a:t>08/04/2024</a:t>
+              <a:t>12/04/2024</a:t>
             </a:fld>
             <a:endParaRPr lang="pt-BR"/>
           </a:p>
@@ -526,7 +531,7 @@
           <a:p>
             <a:fld id="{333A04A4-E30C-4ACE-8757-C796E8A3EF60}" type="datetimeFigureOut">
               <a:rPr lang="pt-BR" smtClean="0"/>
-              <a:t>08/04/2024</a:t>
+              <a:t>12/04/2024</a:t>
             </a:fld>
             <a:endParaRPr lang="pt-BR"/>
           </a:p>
@@ -706,7 +711,7 @@
           <a:p>
             <a:fld id="{333A04A4-E30C-4ACE-8757-C796E8A3EF60}" type="datetimeFigureOut">
               <a:rPr lang="pt-BR" smtClean="0"/>
-              <a:t>08/04/2024</a:t>
+              <a:t>12/04/2024</a:t>
             </a:fld>
             <a:endParaRPr lang="pt-BR"/>
           </a:p>
@@ -876,7 +881,7 @@
           <a:p>
             <a:fld id="{333A04A4-E30C-4ACE-8757-C796E8A3EF60}" type="datetimeFigureOut">
               <a:rPr lang="pt-BR" smtClean="0"/>
-              <a:t>08/04/2024</a:t>
+              <a:t>12/04/2024</a:t>
             </a:fld>
             <a:endParaRPr lang="pt-BR"/>
           </a:p>
@@ -1130,7 +1135,7 @@
           <a:p>
             <a:fld id="{333A04A4-E30C-4ACE-8757-C796E8A3EF60}" type="datetimeFigureOut">
               <a:rPr lang="pt-BR" smtClean="0"/>
-              <a:t>08/04/2024</a:t>
+              <a:t>12/04/2024</a:t>
             </a:fld>
             <a:endParaRPr lang="pt-BR"/>
           </a:p>
@@ -1456,7 +1461,7 @@
           <a:p>
             <a:fld id="{333A04A4-E30C-4ACE-8757-C796E8A3EF60}" type="datetimeFigureOut">
               <a:rPr lang="pt-BR" smtClean="0"/>
-              <a:t>08/04/2024</a:t>
+              <a:t>12/04/2024</a:t>
             </a:fld>
             <a:endParaRPr lang="pt-BR"/>
           </a:p>
@@ -1907,7 +1912,7 @@
           <a:p>
             <a:fld id="{333A04A4-E30C-4ACE-8757-C796E8A3EF60}" type="datetimeFigureOut">
               <a:rPr lang="pt-BR" smtClean="0"/>
-              <a:t>08/04/2024</a:t>
+              <a:t>12/04/2024</a:t>
             </a:fld>
             <a:endParaRPr lang="pt-BR"/>
           </a:p>
@@ -2025,7 +2030,7 @@
           <a:p>
             <a:fld id="{333A04A4-E30C-4ACE-8757-C796E8A3EF60}" type="datetimeFigureOut">
               <a:rPr lang="pt-BR" smtClean="0"/>
-              <a:t>08/04/2024</a:t>
+              <a:t>12/04/2024</a:t>
             </a:fld>
             <a:endParaRPr lang="pt-BR"/>
           </a:p>
@@ -2120,7 +2125,7 @@
           <a:p>
             <a:fld id="{333A04A4-E30C-4ACE-8757-C796E8A3EF60}" type="datetimeFigureOut">
               <a:rPr lang="pt-BR" smtClean="0"/>
-              <a:t>08/04/2024</a:t>
+              <a:t>12/04/2024</a:t>
             </a:fld>
             <a:endParaRPr lang="pt-BR"/>
           </a:p>
@@ -2407,7 +2412,7 @@
           <a:p>
             <a:fld id="{333A04A4-E30C-4ACE-8757-C796E8A3EF60}" type="datetimeFigureOut">
               <a:rPr lang="pt-BR" smtClean="0"/>
-              <a:t>08/04/2024</a:t>
+              <a:t>12/04/2024</a:t>
             </a:fld>
             <a:endParaRPr lang="pt-BR"/>
           </a:p>
@@ -2729,7 +2734,7 @@
           <a:p>
             <a:fld id="{333A04A4-E30C-4ACE-8757-C796E8A3EF60}" type="datetimeFigureOut">
               <a:rPr lang="pt-BR" smtClean="0"/>
-              <a:t>08/04/2024</a:t>
+              <a:t>12/04/2024</a:t>
             </a:fld>
             <a:endParaRPr lang="pt-BR"/>
           </a:p>
@@ -2983,7 +2988,7 @@
           <a:p>
             <a:fld id="{333A04A4-E30C-4ACE-8757-C796E8A3EF60}" type="datetimeFigureOut">
               <a:rPr lang="pt-BR" smtClean="0"/>
-              <a:t>08/04/2024</a:t>
+              <a:t>12/04/2024</a:t>
             </a:fld>
             <a:endParaRPr lang="pt-BR"/>
           </a:p>
@@ -3550,7 +3555,7 @@
             </a:r>
             <a:r>
               <a:rPr lang="pt-BR" dirty="0"/>
-              <a:t>, Giovani R. </a:t>
+              <a:t>, Prof. Dr. Giovani R. </a:t>
             </a:r>
             <a:r>
               <a:rPr lang="pt-BR" dirty="0" err="1"/>
@@ -3706,7 +3711,7 @@
           <p:cNvPr id="2" name="Título 1">
             <a:extLst>
               <a:ext uri="{FF2B5EF4-FFF2-40B4-BE49-F238E27FC236}">
-                <a16:creationId xmlns:a16="http://schemas.microsoft.com/office/drawing/2014/main" id="{8CEBF2C9-D632-449D-9007-2E263D4D566A}"/>
+                <a16:creationId xmlns:a16="http://schemas.microsoft.com/office/drawing/2014/main" id="{6D593F5E-42C9-AACA-24BE-CCB0E761F32C}"/>
               </a:ext>
             </a:extLst>
           </p:cNvPr>
@@ -3723,51 +3728,70 @@
           <a:lstStyle/>
           <a:p>
             <a:r>
+              <a:rPr lang="pt-BR" i="1" dirty="0"/>
+              <a:t>Dashboard</a:t>
+            </a:r>
+            <a:r>
               <a:rPr lang="pt-BR" dirty="0"/>
-              <a:t>Página 1: visão geral de disciplina</a:t>
-            </a:r>
-          </a:p>
-        </p:txBody>
-      </p:sp>
-      <p:pic>
-        <p:nvPicPr>
-          <p:cNvPr id="5" name="Espaço Reservado para Conteúdo 4">
+              <a:t>: Desenvolvimento</a:t>
+            </a:r>
+          </a:p>
+        </p:txBody>
+      </p:sp>
+      <p:sp>
+        <p:nvSpPr>
+          <p:cNvPr id="3" name="Espaço Reservado para Conteúdo 2">
             <a:extLst>
               <a:ext uri="{FF2B5EF4-FFF2-40B4-BE49-F238E27FC236}">
-                <a16:creationId xmlns:a16="http://schemas.microsoft.com/office/drawing/2014/main" id="{E96825E6-DE29-43AD-A8C6-715B333E680C}"/>
+                <a16:creationId xmlns:a16="http://schemas.microsoft.com/office/drawing/2014/main" id="{B19E713F-7D75-44FA-6F27-265AA40044C3}"/>
               </a:ext>
             </a:extLst>
           </p:cNvPr>
-          <p:cNvPicPr>
-            <a:picLocks noGrp="1" noChangeAspect="1"/>
-          </p:cNvPicPr>
+          <p:cNvSpPr>
+            <a:spLocks noGrp="1"/>
+          </p:cNvSpPr>
           <p:nvPr>
             <p:ph idx="1"/>
           </p:nvPr>
-        </p:nvPicPr>
-        <p:blipFill>
-          <a:blip r:embed="rId2">
-            <a:extLst>
-              <a:ext uri="{28A0092B-C50C-407E-A947-70E740481C1C}">
-                <a14:useLocalDpi xmlns:a14="http://schemas.microsoft.com/office/drawing/2010/main" val="0"/>
-              </a:ext>
-            </a:extLst>
-          </a:blip>
-          <a:stretch>
-            <a:fillRect/>
-          </a:stretch>
-        </p:blipFill>
-        <p:spPr>
-          <a:xfrm>
-            <a:off x="1692181" y="1828800"/>
-            <a:ext cx="7734489" cy="4351338"/>
-          </a:xfrm>
-        </p:spPr>
-      </p:pic>
+        </p:nvSpPr>
+        <p:spPr/>
+        <p:txBody>
+          <a:bodyPr/>
+          <a:lstStyle/>
+          <a:p>
+            <a:pPr algn="just"/>
+            <a:r>
+              <a:rPr lang="pt-BR" sz="2400" dirty="0"/>
+              <a:t>O </a:t>
+            </a:r>
+            <a:r>
+              <a:rPr lang="pt-BR" sz="2400" i="1" dirty="0"/>
+              <a:t>dashboard</a:t>
+            </a:r>
+            <a:r>
+              <a:rPr lang="pt-BR" sz="2400" dirty="0"/>
+              <a:t> foi construído utilizando a ferramenta Power BI.</a:t>
+            </a:r>
+          </a:p>
+          <a:p>
+            <a:pPr algn="just"/>
+            <a:r>
+              <a:rPr lang="pt-BR" sz="2400" dirty="0"/>
+              <a:t>Diferentes versões foram criadas, e aprimoradas ao longo de testes feitos pelos autores.</a:t>
+            </a:r>
+          </a:p>
+          <a:p>
+            <a:endParaRPr lang="pt-BR" dirty="0"/>
+          </a:p>
+          <a:p>
+            <a:endParaRPr lang="pt-BR" dirty="0"/>
+          </a:p>
+        </p:txBody>
+      </p:sp>
     </p:spTree>
     <p:extLst>
       <p:ext uri="{BB962C8B-B14F-4D97-AF65-F5344CB8AC3E}">
-        <p14:creationId xmlns:p14="http://schemas.microsoft.com/office/powerpoint/2010/main" val="52904566"/>
+        <p14:creationId xmlns:p14="http://schemas.microsoft.com/office/powerpoint/2010/main" val="3903916225"/>
       </p:ext>
     </p:extLst>
   </p:cSld>
@@ -3794,48 +3818,49 @@
           <a:chExt cx="0" cy="0"/>
         </a:xfrm>
       </p:grpSpPr>
-      <p:pic>
-        <p:nvPicPr>
-          <p:cNvPr id="4" name="Imagem 3">
+      <p:sp>
+        <p:nvSpPr>
+          <p:cNvPr id="2" name="Título 1">
             <a:extLst>
               <a:ext uri="{FF2B5EF4-FFF2-40B4-BE49-F238E27FC236}">
-                <a16:creationId xmlns:a16="http://schemas.microsoft.com/office/drawing/2014/main" id="{6A006B9F-7FDA-4D25-8963-24EE1AD69BD6}"/>
+                <a16:creationId xmlns:a16="http://schemas.microsoft.com/office/drawing/2014/main" id="{C8D55341-EB75-3BA3-1F79-1982B0BC8022}"/>
               </a:ext>
             </a:extLst>
           </p:cNvPr>
-          <p:cNvPicPr>
-            <a:picLocks noChangeAspect="1"/>
-          </p:cNvPicPr>
-          <p:nvPr/>
-        </p:nvPicPr>
-        <p:blipFill>
-          <a:blip r:embed="rId2">
-            <a:extLst>
-              <a:ext uri="{28A0092B-C50C-407E-A947-70E740481C1C}">
-                <a14:useLocalDpi xmlns:a14="http://schemas.microsoft.com/office/drawing/2010/main" val="0"/>
-              </a:ext>
-            </a:extLst>
-          </a:blip>
-          <a:stretch>
-            <a:fillRect/>
-          </a:stretch>
-        </p:blipFill>
+          <p:cNvSpPr>
+            <a:spLocks noGrp="1"/>
+          </p:cNvSpPr>
+          <p:nvPr>
+            <p:ph type="title"/>
+          </p:nvPr>
+        </p:nvSpPr>
         <p:spPr>
           <a:xfrm>
-            <a:off x="1692181" y="1828800"/>
-            <a:ext cx="7734489" cy="4329991"/>
+            <a:off x="1261872" y="984738"/>
+            <a:ext cx="9692640" cy="1325562"/>
           </a:xfrm>
-          <a:prstGeom prst="rect">
-            <a:avLst/>
-          </a:prstGeom>
         </p:spPr>
-      </p:pic>
-      <p:sp>
-        <p:nvSpPr>
-          <p:cNvPr id="2" name="Título 1">
+        <p:txBody>
+          <a:bodyPr/>
+          <a:lstStyle/>
+          <a:p>
+            <a:r>
+              <a:rPr lang="pt-BR" i="1" dirty="0"/>
+              <a:t>Dashboard</a:t>
+            </a:r>
+            <a:r>
+              <a:rPr lang="pt-BR" dirty="0"/>
+              <a:t>: Funcionalidades Interativas</a:t>
+            </a:r>
+          </a:p>
+        </p:txBody>
+      </p:sp>
+      <p:sp>
+        <p:nvSpPr>
+          <p:cNvPr id="3" name="Espaço Reservado para Conteúdo 2">
             <a:extLst>
               <a:ext uri="{FF2B5EF4-FFF2-40B4-BE49-F238E27FC236}">
-                <a16:creationId xmlns:a16="http://schemas.microsoft.com/office/drawing/2014/main" id="{8CEBF2C9-D632-449D-9007-2E263D4D566A}"/>
+                <a16:creationId xmlns:a16="http://schemas.microsoft.com/office/drawing/2014/main" id="{04726491-1AF1-E415-742F-880D14340E67}"/>
               </a:ext>
             </a:extLst>
           </p:cNvPr>
@@ -3843,17 +3868,47 @@
             <a:spLocks noGrp="1"/>
           </p:cNvSpPr>
           <p:nvPr>
-            <p:ph type="title"/>
-          </p:nvPr>
-        </p:nvSpPr>
-        <p:spPr/>
-        <p:txBody>
-          <a:bodyPr/>
-          <a:lstStyle/>
-          <a:p>
-            <a:r>
-              <a:rPr lang="pt-BR" dirty="0"/>
-              <a:t>Página 1: visão geral de disciplina</a:t>
+            <p:ph idx="1"/>
+          </p:nvPr>
+        </p:nvSpPr>
+        <p:spPr>
+          <a:xfrm>
+            <a:off x="1261872" y="2310300"/>
+            <a:ext cx="8595360" cy="4351337"/>
+          </a:xfrm>
+        </p:spPr>
+        <p:txBody>
+          <a:bodyPr>
+            <a:normAutofit/>
+          </a:bodyPr>
+          <a:lstStyle/>
+          <a:p>
+            <a:pPr algn="just"/>
+            <a:r>
+              <a:rPr lang="pt-BR" sz="2400" dirty="0"/>
+              <a:t>O </a:t>
+            </a:r>
+            <a:r>
+              <a:rPr lang="pt-BR" sz="2400" i="1" dirty="0"/>
+              <a:t>dashboard</a:t>
+            </a:r>
+            <a:r>
+              <a:rPr lang="pt-BR" sz="2400" dirty="0"/>
+              <a:t> conta com funcionalidades interativas.</a:t>
+            </a:r>
+          </a:p>
+          <a:p>
+            <a:pPr algn="just"/>
+            <a:r>
+              <a:rPr lang="pt-BR" sz="2400" dirty="0"/>
+              <a:t>Estas funcionalidades servem para o usuário conseguir fazer consultas específicas, de acordo com seu interesse.</a:t>
+            </a:r>
+          </a:p>
+          <a:p>
+            <a:pPr algn="just"/>
+            <a:r>
+              <a:rPr lang="pt-BR" sz="2400" dirty="0"/>
+              <a:t>Além das diferentes visualizações disponibilizadas diretamente nas páginas o usuário também pode filtrar a consulta por disciplina, sigla e ano específicos.</a:t>
             </a:r>
           </a:p>
         </p:txBody>
@@ -3861,7 +3916,7 @@
     </p:spTree>
     <p:extLst>
       <p:ext uri="{BB962C8B-B14F-4D97-AF65-F5344CB8AC3E}">
-        <p14:creationId xmlns:p14="http://schemas.microsoft.com/office/powerpoint/2010/main" val="4038685972"/>
+        <p14:creationId xmlns:p14="http://schemas.microsoft.com/office/powerpoint/2010/main" val="437568559"/>
       </p:ext>
     </p:extLst>
   </p:cSld>
@@ -3893,7 +3948,7 @@
           <p:cNvPr id="2" name="Título 1">
             <a:extLst>
               <a:ext uri="{FF2B5EF4-FFF2-40B4-BE49-F238E27FC236}">
-                <a16:creationId xmlns:a16="http://schemas.microsoft.com/office/drawing/2014/main" id="{37630C56-716C-4C40-B740-EB28FA395581}"/>
+                <a16:creationId xmlns:a16="http://schemas.microsoft.com/office/drawing/2014/main" id="{3533FB61-637D-6BD6-BF9C-4FD719AE8C3B}"/>
               </a:ext>
             </a:extLst>
           </p:cNvPr>
@@ -3910,51 +3965,58 @@
           <a:lstStyle/>
           <a:p>
             <a:r>
+              <a:rPr lang="pt-BR" i="1" dirty="0"/>
+              <a:t>Dashboard</a:t>
+            </a:r>
+            <a:r>
               <a:rPr lang="pt-BR" dirty="0"/>
-              <a:t>Página 1: escolha de disciplinas</a:t>
-            </a:r>
-          </a:p>
-        </p:txBody>
-      </p:sp>
-      <p:pic>
-        <p:nvPicPr>
-          <p:cNvPr id="5" name="Espaço Reservado para Conteúdo 4">
+              <a:t>: Manutenção</a:t>
+            </a:r>
+          </a:p>
+        </p:txBody>
+      </p:sp>
+      <p:sp>
+        <p:nvSpPr>
+          <p:cNvPr id="3" name="Espaço Reservado para Conteúdo 2">
             <a:extLst>
               <a:ext uri="{FF2B5EF4-FFF2-40B4-BE49-F238E27FC236}">
-                <a16:creationId xmlns:a16="http://schemas.microsoft.com/office/drawing/2014/main" id="{D2752088-7A03-4D29-8EAE-82F0A738CC72}"/>
+                <a16:creationId xmlns:a16="http://schemas.microsoft.com/office/drawing/2014/main" id="{D0BE4343-94D1-6CE8-8DFB-52DCAA053920}"/>
               </a:ext>
             </a:extLst>
           </p:cNvPr>
-          <p:cNvPicPr>
-            <a:picLocks noGrp="1" noChangeAspect="1"/>
-          </p:cNvPicPr>
+          <p:cNvSpPr>
+            <a:spLocks noGrp="1"/>
+          </p:cNvSpPr>
           <p:nvPr>
             <p:ph idx="1"/>
           </p:nvPr>
-        </p:nvPicPr>
-        <p:blipFill>
-          <a:blip r:embed="rId2">
-            <a:extLst>
-              <a:ext uri="{28A0092B-C50C-407E-A947-70E740481C1C}">
-                <a14:useLocalDpi xmlns:a14="http://schemas.microsoft.com/office/drawing/2010/main" val="0"/>
-              </a:ext>
-            </a:extLst>
-          </a:blip>
-          <a:stretch>
-            <a:fillRect/>
-          </a:stretch>
-        </p:blipFill>
-        <p:spPr>
-          <a:xfrm>
-            <a:off x="1301156" y="2570756"/>
-            <a:ext cx="8516539" cy="2867425"/>
-          </a:xfrm>
-        </p:spPr>
-      </p:pic>
+        </p:nvSpPr>
+        <p:spPr/>
+        <p:txBody>
+          <a:bodyPr>
+            <a:normAutofit/>
+          </a:bodyPr>
+          <a:lstStyle/>
+          <a:p>
+            <a:pPr algn="just"/>
+            <a:r>
+              <a:rPr lang="pt-BR" sz="2400" dirty="0"/>
+              <a:t>A ferramenta foi publicada no site do Programa de Educação Tutorial do Curso de Ciência da Computação (PET-CC) da Universidade Federal de Santa Maria (UFSM)</a:t>
+            </a:r>
+          </a:p>
+          <a:p>
+            <a:pPr algn="just"/>
+            <a:r>
+              <a:rPr lang="pt-BR" sz="2400" dirty="0"/>
+              <a:t>A manutenção está sendo e será feita pelos membros do PET-CC ao longo do tempo.</a:t>
+            </a:r>
+          </a:p>
+        </p:txBody>
+      </p:sp>
     </p:spTree>
     <p:extLst>
       <p:ext uri="{BB962C8B-B14F-4D97-AF65-F5344CB8AC3E}">
-        <p14:creationId xmlns:p14="http://schemas.microsoft.com/office/powerpoint/2010/main" val="1495278366"/>
+        <p14:creationId xmlns:p14="http://schemas.microsoft.com/office/powerpoint/2010/main" val="1566202971"/>
       </p:ext>
     </p:extLst>
   </p:cSld>
@@ -3986,7 +4048,7 @@
           <p:cNvPr id="2" name="Título 1">
             <a:extLst>
               <a:ext uri="{FF2B5EF4-FFF2-40B4-BE49-F238E27FC236}">
-                <a16:creationId xmlns:a16="http://schemas.microsoft.com/office/drawing/2014/main" id="{FB5DD120-1E84-45CF-8117-C837668F8819}"/>
+                <a16:creationId xmlns:a16="http://schemas.microsoft.com/office/drawing/2014/main" id="{3533FB61-637D-6BD6-BF9C-4FD719AE8C3B}"/>
               </a:ext>
             </a:extLst>
           </p:cNvPr>
@@ -4003,51 +4065,58 @@
           <a:lstStyle/>
           <a:p>
             <a:r>
+              <a:rPr lang="pt-BR" i="1" dirty="0"/>
+              <a:t>Dashboard</a:t>
+            </a:r>
+            <a:r>
               <a:rPr lang="pt-BR" dirty="0"/>
-              <a:t>Página 2: visão geral do curso</a:t>
-            </a:r>
-          </a:p>
-        </p:txBody>
-      </p:sp>
-      <p:pic>
-        <p:nvPicPr>
-          <p:cNvPr id="5" name="Espaço Reservado para Conteúdo 4">
+              <a:t>: Replicação</a:t>
+            </a:r>
+          </a:p>
+        </p:txBody>
+      </p:sp>
+      <p:sp>
+        <p:nvSpPr>
+          <p:cNvPr id="3" name="Espaço Reservado para Conteúdo 2">
             <a:extLst>
               <a:ext uri="{FF2B5EF4-FFF2-40B4-BE49-F238E27FC236}">
-                <a16:creationId xmlns:a16="http://schemas.microsoft.com/office/drawing/2014/main" id="{AC3691D2-2338-4843-A3D0-B1739A05BBFF}"/>
+                <a16:creationId xmlns:a16="http://schemas.microsoft.com/office/drawing/2014/main" id="{D0BE4343-94D1-6CE8-8DFB-52DCAA053920}"/>
               </a:ext>
             </a:extLst>
           </p:cNvPr>
-          <p:cNvPicPr>
-            <a:picLocks noGrp="1" noChangeAspect="1"/>
-          </p:cNvPicPr>
+          <p:cNvSpPr>
+            <a:spLocks noGrp="1"/>
+          </p:cNvSpPr>
           <p:nvPr>
             <p:ph idx="1"/>
           </p:nvPr>
-        </p:nvPicPr>
-        <p:blipFill>
-          <a:blip r:embed="rId2">
-            <a:extLst>
-              <a:ext uri="{28A0092B-C50C-407E-A947-70E740481C1C}">
-                <a14:useLocalDpi xmlns:a14="http://schemas.microsoft.com/office/drawing/2010/main" val="0"/>
-              </a:ext>
-            </a:extLst>
-          </a:blip>
-          <a:stretch>
-            <a:fillRect/>
-          </a:stretch>
-        </p:blipFill>
-        <p:spPr>
-          <a:xfrm>
-            <a:off x="1679620" y="1828800"/>
-            <a:ext cx="7759610" cy="4351338"/>
-          </a:xfrm>
-        </p:spPr>
-      </p:pic>
+        </p:nvSpPr>
+        <p:spPr/>
+        <p:txBody>
+          <a:bodyPr>
+            <a:normAutofit/>
+          </a:bodyPr>
+          <a:lstStyle/>
+          <a:p>
+            <a:pPr algn="just"/>
+            <a:r>
+              <a:rPr lang="pt-BR" sz="2400" dirty="0"/>
+              <a:t>Este dashboard pode ser utilizado por outros cursos e outras instituições.</a:t>
+            </a:r>
+          </a:p>
+          <a:p>
+            <a:pPr algn="just"/>
+            <a:r>
+              <a:rPr lang="pt-BR" sz="2400" dirty="0"/>
+              <a:t>O repositório do projeto conta com o dashboard, os scripts de transformação de dados e tutoriais de como realizar a replicação.</a:t>
+            </a:r>
+          </a:p>
+        </p:txBody>
+      </p:sp>
     </p:spTree>
     <p:extLst>
       <p:ext uri="{BB962C8B-B14F-4D97-AF65-F5344CB8AC3E}">
-        <p14:creationId xmlns:p14="http://schemas.microsoft.com/office/powerpoint/2010/main" val="3138563924"/>
+        <p14:creationId xmlns:p14="http://schemas.microsoft.com/office/powerpoint/2010/main" val="1593741647"/>
       </p:ext>
     </p:extLst>
   </p:cSld>
@@ -4074,19 +4143,49 @@
           <a:chExt cx="0" cy="0"/>
         </a:xfrm>
       </p:grpSpPr>
+      <p:sp>
+        <p:nvSpPr>
+          <p:cNvPr id="2" name="Título 1">
+            <a:extLst>
+              <a:ext uri="{FF2B5EF4-FFF2-40B4-BE49-F238E27FC236}">
+                <a16:creationId xmlns:a16="http://schemas.microsoft.com/office/drawing/2014/main" id="{8CEBF2C9-D632-449D-9007-2E263D4D566A}"/>
+              </a:ext>
+            </a:extLst>
+          </p:cNvPr>
+          <p:cNvSpPr>
+            <a:spLocks noGrp="1"/>
+          </p:cNvSpPr>
+          <p:nvPr>
+            <p:ph type="title"/>
+          </p:nvPr>
+        </p:nvSpPr>
+        <p:spPr/>
+        <p:txBody>
+          <a:bodyPr/>
+          <a:lstStyle/>
+          <a:p>
+            <a:r>
+              <a:rPr lang="pt-BR" dirty="0"/>
+              <a:t>Página 1: visão geral de disciplina</a:t>
+            </a:r>
+          </a:p>
+        </p:txBody>
+      </p:sp>
       <p:pic>
         <p:nvPicPr>
-          <p:cNvPr id="4" name="Imagem 3">
+          <p:cNvPr id="5" name="Espaço Reservado para Conteúdo 4">
             <a:extLst>
               <a:ext uri="{FF2B5EF4-FFF2-40B4-BE49-F238E27FC236}">
-                <a16:creationId xmlns:a16="http://schemas.microsoft.com/office/drawing/2014/main" id="{E4801190-A24F-41C5-B8DC-59638828F9FB}"/>
+                <a16:creationId xmlns:a16="http://schemas.microsoft.com/office/drawing/2014/main" id="{E96825E6-DE29-43AD-A8C6-715B333E680C}"/>
               </a:ext>
             </a:extLst>
           </p:cNvPr>
           <p:cNvPicPr>
-            <a:picLocks noChangeAspect="1"/>
+            <a:picLocks noGrp="1" noChangeAspect="1"/>
           </p:cNvPicPr>
-          <p:nvPr/>
+          <p:nvPr>
+            <p:ph idx="1"/>
+          </p:nvPr>
         </p:nvPicPr>
         <p:blipFill>
           <a:blip r:embed="rId2">
@@ -4102,46 +4201,15 @@
         </p:blipFill>
         <p:spPr>
           <a:xfrm>
-            <a:off x="1683305" y="1828801"/>
-            <a:ext cx="7759610" cy="4361322"/>
+            <a:off x="1692181" y="1828800"/>
+            <a:ext cx="7734489" cy="4351338"/>
           </a:xfrm>
-          <a:prstGeom prst="rect">
-            <a:avLst/>
-          </a:prstGeom>
         </p:spPr>
       </p:pic>
-      <p:sp>
-        <p:nvSpPr>
-          <p:cNvPr id="2" name="Título 1">
-            <a:extLst>
-              <a:ext uri="{FF2B5EF4-FFF2-40B4-BE49-F238E27FC236}">
-                <a16:creationId xmlns:a16="http://schemas.microsoft.com/office/drawing/2014/main" id="{FB5DD120-1E84-45CF-8117-C837668F8819}"/>
-              </a:ext>
-            </a:extLst>
-          </p:cNvPr>
-          <p:cNvSpPr>
-            <a:spLocks noGrp="1"/>
-          </p:cNvSpPr>
-          <p:nvPr>
-            <p:ph type="title"/>
-          </p:nvPr>
-        </p:nvSpPr>
-        <p:spPr/>
-        <p:txBody>
-          <a:bodyPr/>
-          <a:lstStyle/>
-          <a:p>
-            <a:r>
-              <a:rPr lang="pt-BR" dirty="0"/>
-              <a:t>Página 2: visão geral do curso</a:t>
-            </a:r>
-          </a:p>
-        </p:txBody>
-      </p:sp>
     </p:spTree>
     <p:extLst>
       <p:ext uri="{BB962C8B-B14F-4D97-AF65-F5344CB8AC3E}">
-        <p14:creationId xmlns:p14="http://schemas.microsoft.com/office/powerpoint/2010/main" val="1526654908"/>
+        <p14:creationId xmlns:p14="http://schemas.microsoft.com/office/powerpoint/2010/main" val="52904566"/>
       </p:ext>
     </p:extLst>
   </p:cSld>
@@ -4168,40 +4236,12 @@
           <a:chExt cx="0" cy="0"/>
         </a:xfrm>
       </p:grpSpPr>
-      <p:sp>
-        <p:nvSpPr>
-          <p:cNvPr id="2" name="Título 1">
-            <a:extLst>
-              <a:ext uri="{FF2B5EF4-FFF2-40B4-BE49-F238E27FC236}">
-                <a16:creationId xmlns:a16="http://schemas.microsoft.com/office/drawing/2014/main" id="{FB5DD120-1E84-45CF-8117-C837668F8819}"/>
-              </a:ext>
-            </a:extLst>
-          </p:cNvPr>
-          <p:cNvSpPr>
-            <a:spLocks noGrp="1"/>
-          </p:cNvSpPr>
-          <p:nvPr>
-            <p:ph type="title"/>
-          </p:nvPr>
-        </p:nvSpPr>
-        <p:spPr/>
-        <p:txBody>
-          <a:bodyPr/>
-          <a:lstStyle/>
-          <a:p>
-            <a:r>
-              <a:rPr lang="pt-BR" dirty="0"/>
-              <a:t>Página 2: visão geral do curso</a:t>
-            </a:r>
-          </a:p>
-        </p:txBody>
-      </p:sp>
       <p:pic>
         <p:nvPicPr>
-          <p:cNvPr id="9" name="Imagem 8">
+          <p:cNvPr id="4" name="Imagem 3">
             <a:extLst>
               <a:ext uri="{FF2B5EF4-FFF2-40B4-BE49-F238E27FC236}">
-                <a16:creationId xmlns:a16="http://schemas.microsoft.com/office/drawing/2014/main" id="{74C446A8-9027-49DE-9D8A-90431FC64254}"/>
+                <a16:creationId xmlns:a16="http://schemas.microsoft.com/office/drawing/2014/main" id="{6A006B9F-7FDA-4D25-8963-24EE1AD69BD6}"/>
               </a:ext>
             </a:extLst>
           </p:cNvPr>
@@ -4224,18 +4264,46 @@
         </p:blipFill>
         <p:spPr>
           <a:xfrm>
-            <a:off x="1683305" y="1828801"/>
-            <a:ext cx="7759610" cy="4352010"/>
+            <a:off x="1692181" y="1828800"/>
+            <a:ext cx="7734489" cy="4329991"/>
           </a:xfrm>
           <a:prstGeom prst="rect">
             <a:avLst/>
           </a:prstGeom>
         </p:spPr>
       </p:pic>
+      <p:sp>
+        <p:nvSpPr>
+          <p:cNvPr id="2" name="Título 1">
+            <a:extLst>
+              <a:ext uri="{FF2B5EF4-FFF2-40B4-BE49-F238E27FC236}">
+                <a16:creationId xmlns:a16="http://schemas.microsoft.com/office/drawing/2014/main" id="{8CEBF2C9-D632-449D-9007-2E263D4D566A}"/>
+              </a:ext>
+            </a:extLst>
+          </p:cNvPr>
+          <p:cNvSpPr>
+            <a:spLocks noGrp="1"/>
+          </p:cNvSpPr>
+          <p:nvPr>
+            <p:ph type="title"/>
+          </p:nvPr>
+        </p:nvSpPr>
+        <p:spPr/>
+        <p:txBody>
+          <a:bodyPr/>
+          <a:lstStyle/>
+          <a:p>
+            <a:r>
+              <a:rPr lang="pt-BR" dirty="0"/>
+              <a:t>Página 1: visão geral de disciplina</a:t>
+            </a:r>
+          </a:p>
+        </p:txBody>
+      </p:sp>
     </p:spTree>
     <p:extLst>
       <p:ext uri="{BB962C8B-B14F-4D97-AF65-F5344CB8AC3E}">
-        <p14:creationId xmlns:p14="http://schemas.microsoft.com/office/powerpoint/2010/main" val="1340565896"/>
+        <p14:creationId xmlns:p14="http://schemas.microsoft.com/office/powerpoint/2010/main" val="4038685972"/>
       </p:ext>
     </p:extLst>
   </p:cSld>
@@ -4262,19 +4330,49 @@
           <a:chExt cx="0" cy="0"/>
         </a:xfrm>
       </p:grpSpPr>
+      <p:sp>
+        <p:nvSpPr>
+          <p:cNvPr id="2" name="Título 1">
+            <a:extLst>
+              <a:ext uri="{FF2B5EF4-FFF2-40B4-BE49-F238E27FC236}">
+                <a16:creationId xmlns:a16="http://schemas.microsoft.com/office/drawing/2014/main" id="{37630C56-716C-4C40-B740-EB28FA395581}"/>
+              </a:ext>
+            </a:extLst>
+          </p:cNvPr>
+          <p:cNvSpPr>
+            <a:spLocks noGrp="1"/>
+          </p:cNvSpPr>
+          <p:nvPr>
+            <p:ph type="title"/>
+          </p:nvPr>
+        </p:nvSpPr>
+        <p:spPr/>
+        <p:txBody>
+          <a:bodyPr/>
+          <a:lstStyle/>
+          <a:p>
+            <a:r>
+              <a:rPr lang="pt-BR" dirty="0"/>
+              <a:t>Página 1: escolha de disciplinas</a:t>
+            </a:r>
+          </a:p>
+        </p:txBody>
+      </p:sp>
       <p:pic>
         <p:nvPicPr>
-          <p:cNvPr id="4" name="Imagem 3">
+          <p:cNvPr id="5" name="Espaço Reservado para Conteúdo 4">
             <a:extLst>
               <a:ext uri="{FF2B5EF4-FFF2-40B4-BE49-F238E27FC236}">
-                <a16:creationId xmlns:a16="http://schemas.microsoft.com/office/drawing/2014/main" id="{BFDC18A9-FFE2-4A31-A202-65E6384DB609}"/>
+                <a16:creationId xmlns:a16="http://schemas.microsoft.com/office/drawing/2014/main" id="{D2752088-7A03-4D29-8EAE-82F0A738CC72}"/>
               </a:ext>
             </a:extLst>
           </p:cNvPr>
           <p:cNvPicPr>
-            <a:picLocks noChangeAspect="1"/>
+            <a:picLocks noGrp="1" noChangeAspect="1"/>
           </p:cNvPicPr>
-          <p:nvPr/>
+          <p:nvPr>
+            <p:ph idx="1"/>
+          </p:nvPr>
         </p:nvPicPr>
         <p:blipFill>
           <a:blip r:embed="rId2">
@@ -4290,46 +4388,15 @@
         </p:blipFill>
         <p:spPr>
           <a:xfrm>
-            <a:off x="1683305" y="1828801"/>
-            <a:ext cx="7759610" cy="4363743"/>
+            <a:off x="1301156" y="2570756"/>
+            <a:ext cx="8516539" cy="2867425"/>
           </a:xfrm>
-          <a:prstGeom prst="rect">
-            <a:avLst/>
-          </a:prstGeom>
         </p:spPr>
       </p:pic>
-      <p:sp>
-        <p:nvSpPr>
-          <p:cNvPr id="2" name="Título 1">
-            <a:extLst>
-              <a:ext uri="{FF2B5EF4-FFF2-40B4-BE49-F238E27FC236}">
-                <a16:creationId xmlns:a16="http://schemas.microsoft.com/office/drawing/2014/main" id="{FB5DD120-1E84-45CF-8117-C837668F8819}"/>
-              </a:ext>
-            </a:extLst>
-          </p:cNvPr>
-          <p:cNvSpPr>
-            <a:spLocks noGrp="1"/>
-          </p:cNvSpPr>
-          <p:nvPr>
-            <p:ph type="title"/>
-          </p:nvPr>
-        </p:nvSpPr>
-        <p:spPr/>
-        <p:txBody>
-          <a:bodyPr/>
-          <a:lstStyle/>
-          <a:p>
-            <a:r>
-              <a:rPr lang="pt-BR" dirty="0"/>
-              <a:t>Página 2: visão geral do curso</a:t>
-            </a:r>
-          </a:p>
-        </p:txBody>
-      </p:sp>
     </p:spTree>
     <p:extLst>
       <p:ext uri="{BB962C8B-B14F-4D97-AF65-F5344CB8AC3E}">
-        <p14:creationId xmlns:p14="http://schemas.microsoft.com/office/powerpoint/2010/main" val="494780809"/>
+        <p14:creationId xmlns:p14="http://schemas.microsoft.com/office/powerpoint/2010/main" val="1495278366"/>
       </p:ext>
     </p:extLst>
   </p:cSld>
@@ -4356,19 +4423,49 @@
           <a:chExt cx="0" cy="0"/>
         </a:xfrm>
       </p:grpSpPr>
+      <p:sp>
+        <p:nvSpPr>
+          <p:cNvPr id="2" name="Título 1">
+            <a:extLst>
+              <a:ext uri="{FF2B5EF4-FFF2-40B4-BE49-F238E27FC236}">
+                <a16:creationId xmlns:a16="http://schemas.microsoft.com/office/drawing/2014/main" id="{FB5DD120-1E84-45CF-8117-C837668F8819}"/>
+              </a:ext>
+            </a:extLst>
+          </p:cNvPr>
+          <p:cNvSpPr>
+            <a:spLocks noGrp="1"/>
+          </p:cNvSpPr>
+          <p:nvPr>
+            <p:ph type="title"/>
+          </p:nvPr>
+        </p:nvSpPr>
+        <p:spPr/>
+        <p:txBody>
+          <a:bodyPr/>
+          <a:lstStyle/>
+          <a:p>
+            <a:r>
+              <a:rPr lang="pt-BR" dirty="0"/>
+              <a:t>Página 2: visão geral do curso</a:t>
+            </a:r>
+          </a:p>
+        </p:txBody>
+      </p:sp>
       <p:pic>
         <p:nvPicPr>
-          <p:cNvPr id="5" name="Imagem 4">
+          <p:cNvPr id="5" name="Espaço Reservado para Conteúdo 4">
             <a:extLst>
               <a:ext uri="{FF2B5EF4-FFF2-40B4-BE49-F238E27FC236}">
-                <a16:creationId xmlns:a16="http://schemas.microsoft.com/office/drawing/2014/main" id="{DA92D866-223C-4749-88FA-6C8D0308F79A}"/>
+                <a16:creationId xmlns:a16="http://schemas.microsoft.com/office/drawing/2014/main" id="{AC3691D2-2338-4843-A3D0-B1739A05BBFF}"/>
               </a:ext>
             </a:extLst>
           </p:cNvPr>
           <p:cNvPicPr>
-            <a:picLocks noChangeAspect="1"/>
+            <a:picLocks noGrp="1" noChangeAspect="1"/>
           </p:cNvPicPr>
-          <p:nvPr/>
+          <p:nvPr>
+            <p:ph idx="1"/>
+          </p:nvPr>
         </p:nvPicPr>
         <p:blipFill>
           <a:blip r:embed="rId2">
@@ -4384,46 +4481,15 @@
         </p:blipFill>
         <p:spPr>
           <a:xfrm>
-            <a:off x="1683304" y="1828800"/>
-            <a:ext cx="7769454" cy="4363743"/>
+            <a:off x="1679620" y="1828800"/>
+            <a:ext cx="7759610" cy="4351338"/>
           </a:xfrm>
-          <a:prstGeom prst="rect">
-            <a:avLst/>
-          </a:prstGeom>
         </p:spPr>
       </p:pic>
-      <p:sp>
-        <p:nvSpPr>
-          <p:cNvPr id="2" name="Título 1">
-            <a:extLst>
-              <a:ext uri="{FF2B5EF4-FFF2-40B4-BE49-F238E27FC236}">
-                <a16:creationId xmlns:a16="http://schemas.microsoft.com/office/drawing/2014/main" id="{FB5DD120-1E84-45CF-8117-C837668F8819}"/>
-              </a:ext>
-            </a:extLst>
-          </p:cNvPr>
-          <p:cNvSpPr>
-            <a:spLocks noGrp="1"/>
-          </p:cNvSpPr>
-          <p:nvPr>
-            <p:ph type="title"/>
-          </p:nvPr>
-        </p:nvSpPr>
-        <p:spPr/>
-        <p:txBody>
-          <a:bodyPr/>
-          <a:lstStyle/>
-          <a:p>
-            <a:r>
-              <a:rPr lang="pt-BR" dirty="0"/>
-              <a:t>Página 3: outros dados</a:t>
-            </a:r>
-          </a:p>
-        </p:txBody>
-      </p:sp>
     </p:spTree>
     <p:extLst>
       <p:ext uri="{BB962C8B-B14F-4D97-AF65-F5344CB8AC3E}">
-        <p14:creationId xmlns:p14="http://schemas.microsoft.com/office/powerpoint/2010/main" val="4189617595"/>
+        <p14:creationId xmlns:p14="http://schemas.microsoft.com/office/powerpoint/2010/main" val="3138563924"/>
       </p:ext>
     </p:extLst>
   </p:cSld>
@@ -4455,7 +4521,7 @@
           <p:cNvPr id="4" name="Imagem 3">
             <a:extLst>
               <a:ext uri="{FF2B5EF4-FFF2-40B4-BE49-F238E27FC236}">
-                <a16:creationId xmlns:a16="http://schemas.microsoft.com/office/drawing/2014/main" id="{D237AB17-FD22-4960-B43C-8AB11B702470}"/>
+                <a16:creationId xmlns:a16="http://schemas.microsoft.com/office/drawing/2014/main" id="{E4801190-A24F-41C5-B8DC-59638828F9FB}"/>
               </a:ext>
             </a:extLst>
           </p:cNvPr>
@@ -4478,8 +4544,8 @@
         </p:blipFill>
         <p:spPr>
           <a:xfrm>
-            <a:off x="1683304" y="1828800"/>
-            <a:ext cx="7808786" cy="4367814"/>
+            <a:off x="1683305" y="1828801"/>
+            <a:ext cx="7759610" cy="4361322"/>
           </a:xfrm>
           <a:prstGeom prst="rect">
             <a:avLst/>
@@ -4509,7 +4575,7 @@
           <a:p>
             <a:r>
               <a:rPr lang="pt-BR" dirty="0"/>
-              <a:t>Página 3: outros dados</a:t>
+              <a:t>Página 2: visão geral do curso</a:t>
             </a:r>
           </a:p>
         </p:txBody>
@@ -4517,7 +4583,7 @@
     </p:spTree>
     <p:extLst>
       <p:ext uri="{BB962C8B-B14F-4D97-AF65-F5344CB8AC3E}">
-        <p14:creationId xmlns:p14="http://schemas.microsoft.com/office/powerpoint/2010/main" val="4187162052"/>
+        <p14:creationId xmlns:p14="http://schemas.microsoft.com/office/powerpoint/2010/main" val="1526654908"/>
       </p:ext>
     </p:extLst>
   </p:cSld>
@@ -4549,7 +4615,7 @@
           <p:cNvPr id="2" name="Título 1">
             <a:extLst>
               <a:ext uri="{FF2B5EF4-FFF2-40B4-BE49-F238E27FC236}">
-                <a16:creationId xmlns:a16="http://schemas.microsoft.com/office/drawing/2014/main" id="{E3405ED8-07BF-6637-9FFA-4E2099BA6138}"/>
+                <a16:creationId xmlns:a16="http://schemas.microsoft.com/office/drawing/2014/main" id="{FB5DD120-1E84-45CF-8117-C837668F8819}"/>
               </a:ext>
             </a:extLst>
           </p:cNvPr>
@@ -4567,58 +4633,51 @@
           <a:p>
             <a:r>
               <a:rPr lang="pt-BR" dirty="0"/>
-              <a:t>Trabalhos futuros</a:t>
-            </a:r>
-          </a:p>
-        </p:txBody>
-      </p:sp>
-      <p:sp>
-        <p:nvSpPr>
-          <p:cNvPr id="3" name="Espaço Reservado para Conteúdo 2">
+              <a:t>Página 2: visão geral do curso</a:t>
+            </a:r>
+          </a:p>
+        </p:txBody>
+      </p:sp>
+      <p:pic>
+        <p:nvPicPr>
+          <p:cNvPr id="9" name="Imagem 8">
             <a:extLst>
               <a:ext uri="{FF2B5EF4-FFF2-40B4-BE49-F238E27FC236}">
-                <a16:creationId xmlns:a16="http://schemas.microsoft.com/office/drawing/2014/main" id="{8E73546B-8F94-AE92-C170-98EB811C86B3}"/>
+                <a16:creationId xmlns:a16="http://schemas.microsoft.com/office/drawing/2014/main" id="{74C446A8-9027-49DE-9D8A-90431FC64254}"/>
               </a:ext>
             </a:extLst>
           </p:cNvPr>
-          <p:cNvSpPr>
-            <a:spLocks noGrp="1"/>
-          </p:cNvSpPr>
-          <p:nvPr>
-            <p:ph idx="1"/>
-          </p:nvPr>
-        </p:nvSpPr>
-        <p:spPr/>
-        <p:txBody>
-          <a:bodyPr>
-            <a:normAutofit/>
-          </a:bodyPr>
-          <a:lstStyle/>
-          <a:p>
-            <a:pPr algn="just"/>
-            <a:r>
-              <a:rPr lang="pt-BR" sz="2400" dirty="0"/>
-              <a:t>Análise das opiniões dos alunos e realizar mudanças baseadas no </a:t>
-            </a:r>
-            <a:r>
-              <a:rPr lang="pt-BR" sz="2400" i="1" dirty="0"/>
-              <a:t>feedback</a:t>
-            </a:r>
-            <a:endParaRPr lang="pt-BR" sz="2400" dirty="0"/>
-          </a:p>
-          <a:p>
-            <a:pPr algn="just"/>
-            <a:r>
-              <a:rPr lang="pt-BR" sz="2400" dirty="0"/>
-              <a:t>Mudanças na aparência dos gráficos, principalmente visando acessibilidade para usuários com deficiências visuais.</a:t>
-            </a:r>
-          </a:p>
-        </p:txBody>
-      </p:sp>
+          <p:cNvPicPr>
+            <a:picLocks noChangeAspect="1"/>
+          </p:cNvPicPr>
+          <p:nvPr/>
+        </p:nvPicPr>
+        <p:blipFill>
+          <a:blip r:embed="rId2">
+            <a:extLst>
+              <a:ext uri="{28A0092B-C50C-407E-A947-70E740481C1C}">
+                <a14:useLocalDpi xmlns:a14="http://schemas.microsoft.com/office/drawing/2010/main" val="0"/>
+              </a:ext>
+            </a:extLst>
+          </a:blip>
+          <a:stretch>
+            <a:fillRect/>
+          </a:stretch>
+        </p:blipFill>
+        <p:spPr>
+          <a:xfrm>
+            <a:off x="1683305" y="1828801"/>
+            <a:ext cx="7759610" cy="4352010"/>
+          </a:xfrm>
+          <a:prstGeom prst="rect">
+            <a:avLst/>
+          </a:prstGeom>
+        </p:spPr>
+      </p:pic>
     </p:spTree>
     <p:extLst>
       <p:ext uri="{BB962C8B-B14F-4D97-AF65-F5344CB8AC3E}">
-        <p14:creationId xmlns:p14="http://schemas.microsoft.com/office/powerpoint/2010/main" val="2392565333"/>
+        <p14:creationId xmlns:p14="http://schemas.microsoft.com/office/powerpoint/2010/main" val="1340565896"/>
       </p:ext>
     </p:extLst>
   </p:cSld>
@@ -4698,7 +4757,7 @@
           <a:p>
             <a:r>
               <a:rPr lang="pt-BR" sz="2400" dirty="0"/>
-              <a:t>Criação de </a:t>
+              <a:t>Este trabalho conta com a criação de um </a:t>
             </a:r>
             <a:r>
               <a:rPr lang="pt-BR" sz="2400" i="1" dirty="0"/>
@@ -4706,7 +4765,7 @@
             </a:r>
             <a:r>
               <a:rPr lang="pt-BR" sz="2400" dirty="0"/>
-              <a:t>interativo para visualização de dados das disciplinas do curso de Ciência da Computação da Universidade Federal de Santa Maria.</a:t>
+              <a:t>interativo para visualização de dados das disciplinas do curso de Ciência da Computação da Universidade Federal de Santa Maria (UFSM).</a:t>
             </a:r>
           </a:p>
           <a:p>
@@ -4718,6 +4777,492 @@
     <p:extLst>
       <p:ext uri="{BB962C8B-B14F-4D97-AF65-F5344CB8AC3E}">
         <p14:creationId xmlns:p14="http://schemas.microsoft.com/office/powerpoint/2010/main" val="3288709320"/>
+      </p:ext>
+    </p:extLst>
+  </p:cSld>
+  <p:clrMapOvr>
+    <a:masterClrMapping/>
+  </p:clrMapOvr>
+</p:sld>
+</file>
+
+<file path=ppt/slides/slide20.xml><?xml version="1.0" encoding="utf-8"?>
+<p:sld xmlns:a="http://schemas.openxmlformats.org/drawingml/2006/main" xmlns:r="http://schemas.openxmlformats.org/officeDocument/2006/relationships" xmlns:p="http://schemas.openxmlformats.org/presentationml/2006/main">
+  <p:cSld>
+    <p:spTree>
+      <p:nvGrpSpPr>
+        <p:cNvPr id="1" name=""/>
+        <p:cNvGrpSpPr/>
+        <p:nvPr/>
+      </p:nvGrpSpPr>
+      <p:grpSpPr>
+        <a:xfrm>
+          <a:off x="0" y="0"/>
+          <a:ext cx="0" cy="0"/>
+          <a:chOff x="0" y="0"/>
+          <a:chExt cx="0" cy="0"/>
+        </a:xfrm>
+      </p:grpSpPr>
+      <p:pic>
+        <p:nvPicPr>
+          <p:cNvPr id="4" name="Imagem 3">
+            <a:extLst>
+              <a:ext uri="{FF2B5EF4-FFF2-40B4-BE49-F238E27FC236}">
+                <a16:creationId xmlns:a16="http://schemas.microsoft.com/office/drawing/2014/main" id="{BFDC18A9-FFE2-4A31-A202-65E6384DB609}"/>
+              </a:ext>
+            </a:extLst>
+          </p:cNvPr>
+          <p:cNvPicPr>
+            <a:picLocks noChangeAspect="1"/>
+          </p:cNvPicPr>
+          <p:nvPr/>
+        </p:nvPicPr>
+        <p:blipFill>
+          <a:blip r:embed="rId2">
+            <a:extLst>
+              <a:ext uri="{28A0092B-C50C-407E-A947-70E740481C1C}">
+                <a14:useLocalDpi xmlns:a14="http://schemas.microsoft.com/office/drawing/2010/main" val="0"/>
+              </a:ext>
+            </a:extLst>
+          </a:blip>
+          <a:stretch>
+            <a:fillRect/>
+          </a:stretch>
+        </p:blipFill>
+        <p:spPr>
+          <a:xfrm>
+            <a:off x="1683305" y="1828801"/>
+            <a:ext cx="7759610" cy="4363743"/>
+          </a:xfrm>
+          <a:prstGeom prst="rect">
+            <a:avLst/>
+          </a:prstGeom>
+        </p:spPr>
+      </p:pic>
+      <p:sp>
+        <p:nvSpPr>
+          <p:cNvPr id="2" name="Título 1">
+            <a:extLst>
+              <a:ext uri="{FF2B5EF4-FFF2-40B4-BE49-F238E27FC236}">
+                <a16:creationId xmlns:a16="http://schemas.microsoft.com/office/drawing/2014/main" id="{FB5DD120-1E84-45CF-8117-C837668F8819}"/>
+              </a:ext>
+            </a:extLst>
+          </p:cNvPr>
+          <p:cNvSpPr>
+            <a:spLocks noGrp="1"/>
+          </p:cNvSpPr>
+          <p:nvPr>
+            <p:ph type="title"/>
+          </p:nvPr>
+        </p:nvSpPr>
+        <p:spPr/>
+        <p:txBody>
+          <a:bodyPr/>
+          <a:lstStyle/>
+          <a:p>
+            <a:r>
+              <a:rPr lang="pt-BR" dirty="0"/>
+              <a:t>Página 2: visão geral do curso</a:t>
+            </a:r>
+          </a:p>
+        </p:txBody>
+      </p:sp>
+    </p:spTree>
+    <p:extLst>
+      <p:ext uri="{BB962C8B-B14F-4D97-AF65-F5344CB8AC3E}">
+        <p14:creationId xmlns:p14="http://schemas.microsoft.com/office/powerpoint/2010/main" val="494780809"/>
+      </p:ext>
+    </p:extLst>
+  </p:cSld>
+  <p:clrMapOvr>
+    <a:masterClrMapping/>
+  </p:clrMapOvr>
+</p:sld>
+</file>
+
+<file path=ppt/slides/slide21.xml><?xml version="1.0" encoding="utf-8"?>
+<p:sld xmlns:a="http://schemas.openxmlformats.org/drawingml/2006/main" xmlns:r="http://schemas.openxmlformats.org/officeDocument/2006/relationships" xmlns:p="http://schemas.openxmlformats.org/presentationml/2006/main">
+  <p:cSld>
+    <p:spTree>
+      <p:nvGrpSpPr>
+        <p:cNvPr id="1" name=""/>
+        <p:cNvGrpSpPr/>
+        <p:nvPr/>
+      </p:nvGrpSpPr>
+      <p:grpSpPr>
+        <a:xfrm>
+          <a:off x="0" y="0"/>
+          <a:ext cx="0" cy="0"/>
+          <a:chOff x="0" y="0"/>
+          <a:chExt cx="0" cy="0"/>
+        </a:xfrm>
+      </p:grpSpPr>
+      <p:pic>
+        <p:nvPicPr>
+          <p:cNvPr id="5" name="Imagem 4">
+            <a:extLst>
+              <a:ext uri="{FF2B5EF4-FFF2-40B4-BE49-F238E27FC236}">
+                <a16:creationId xmlns:a16="http://schemas.microsoft.com/office/drawing/2014/main" id="{DA92D866-223C-4749-88FA-6C8D0308F79A}"/>
+              </a:ext>
+            </a:extLst>
+          </p:cNvPr>
+          <p:cNvPicPr>
+            <a:picLocks noChangeAspect="1"/>
+          </p:cNvPicPr>
+          <p:nvPr/>
+        </p:nvPicPr>
+        <p:blipFill>
+          <a:blip r:embed="rId2">
+            <a:extLst>
+              <a:ext uri="{28A0092B-C50C-407E-A947-70E740481C1C}">
+                <a14:useLocalDpi xmlns:a14="http://schemas.microsoft.com/office/drawing/2010/main" val="0"/>
+              </a:ext>
+            </a:extLst>
+          </a:blip>
+          <a:stretch>
+            <a:fillRect/>
+          </a:stretch>
+        </p:blipFill>
+        <p:spPr>
+          <a:xfrm>
+            <a:off x="1683304" y="1828800"/>
+            <a:ext cx="7769454" cy="4363743"/>
+          </a:xfrm>
+          <a:prstGeom prst="rect">
+            <a:avLst/>
+          </a:prstGeom>
+        </p:spPr>
+      </p:pic>
+      <p:sp>
+        <p:nvSpPr>
+          <p:cNvPr id="2" name="Título 1">
+            <a:extLst>
+              <a:ext uri="{FF2B5EF4-FFF2-40B4-BE49-F238E27FC236}">
+                <a16:creationId xmlns:a16="http://schemas.microsoft.com/office/drawing/2014/main" id="{FB5DD120-1E84-45CF-8117-C837668F8819}"/>
+              </a:ext>
+            </a:extLst>
+          </p:cNvPr>
+          <p:cNvSpPr>
+            <a:spLocks noGrp="1"/>
+          </p:cNvSpPr>
+          <p:nvPr>
+            <p:ph type="title"/>
+          </p:nvPr>
+        </p:nvSpPr>
+        <p:spPr/>
+        <p:txBody>
+          <a:bodyPr/>
+          <a:lstStyle/>
+          <a:p>
+            <a:r>
+              <a:rPr lang="pt-BR" dirty="0"/>
+              <a:t>Página 3: outros dados</a:t>
+            </a:r>
+          </a:p>
+        </p:txBody>
+      </p:sp>
+    </p:spTree>
+    <p:extLst>
+      <p:ext uri="{BB962C8B-B14F-4D97-AF65-F5344CB8AC3E}">
+        <p14:creationId xmlns:p14="http://schemas.microsoft.com/office/powerpoint/2010/main" val="4189617595"/>
+      </p:ext>
+    </p:extLst>
+  </p:cSld>
+  <p:clrMapOvr>
+    <a:masterClrMapping/>
+  </p:clrMapOvr>
+</p:sld>
+</file>
+
+<file path=ppt/slides/slide22.xml><?xml version="1.0" encoding="utf-8"?>
+<p:sld xmlns:a="http://schemas.openxmlformats.org/drawingml/2006/main" xmlns:r="http://schemas.openxmlformats.org/officeDocument/2006/relationships" xmlns:p="http://schemas.openxmlformats.org/presentationml/2006/main">
+  <p:cSld>
+    <p:spTree>
+      <p:nvGrpSpPr>
+        <p:cNvPr id="1" name=""/>
+        <p:cNvGrpSpPr/>
+        <p:nvPr/>
+      </p:nvGrpSpPr>
+      <p:grpSpPr>
+        <a:xfrm>
+          <a:off x="0" y="0"/>
+          <a:ext cx="0" cy="0"/>
+          <a:chOff x="0" y="0"/>
+          <a:chExt cx="0" cy="0"/>
+        </a:xfrm>
+      </p:grpSpPr>
+      <p:pic>
+        <p:nvPicPr>
+          <p:cNvPr id="4" name="Imagem 3">
+            <a:extLst>
+              <a:ext uri="{FF2B5EF4-FFF2-40B4-BE49-F238E27FC236}">
+                <a16:creationId xmlns:a16="http://schemas.microsoft.com/office/drawing/2014/main" id="{D237AB17-FD22-4960-B43C-8AB11B702470}"/>
+              </a:ext>
+            </a:extLst>
+          </p:cNvPr>
+          <p:cNvPicPr>
+            <a:picLocks noChangeAspect="1"/>
+          </p:cNvPicPr>
+          <p:nvPr/>
+        </p:nvPicPr>
+        <p:blipFill>
+          <a:blip r:embed="rId2">
+            <a:extLst>
+              <a:ext uri="{28A0092B-C50C-407E-A947-70E740481C1C}">
+                <a14:useLocalDpi xmlns:a14="http://schemas.microsoft.com/office/drawing/2010/main" val="0"/>
+              </a:ext>
+            </a:extLst>
+          </a:blip>
+          <a:stretch>
+            <a:fillRect/>
+          </a:stretch>
+        </p:blipFill>
+        <p:spPr>
+          <a:xfrm>
+            <a:off x="1683304" y="1828800"/>
+            <a:ext cx="7808786" cy="4367814"/>
+          </a:xfrm>
+          <a:prstGeom prst="rect">
+            <a:avLst/>
+          </a:prstGeom>
+        </p:spPr>
+      </p:pic>
+      <p:sp>
+        <p:nvSpPr>
+          <p:cNvPr id="2" name="Título 1">
+            <a:extLst>
+              <a:ext uri="{FF2B5EF4-FFF2-40B4-BE49-F238E27FC236}">
+                <a16:creationId xmlns:a16="http://schemas.microsoft.com/office/drawing/2014/main" id="{FB5DD120-1E84-45CF-8117-C837668F8819}"/>
+              </a:ext>
+            </a:extLst>
+          </p:cNvPr>
+          <p:cNvSpPr>
+            <a:spLocks noGrp="1"/>
+          </p:cNvSpPr>
+          <p:nvPr>
+            <p:ph type="title"/>
+          </p:nvPr>
+        </p:nvSpPr>
+        <p:spPr/>
+        <p:txBody>
+          <a:bodyPr/>
+          <a:lstStyle/>
+          <a:p>
+            <a:r>
+              <a:rPr lang="pt-BR" dirty="0"/>
+              <a:t>Página 3: outros dados</a:t>
+            </a:r>
+          </a:p>
+        </p:txBody>
+      </p:sp>
+    </p:spTree>
+    <p:extLst>
+      <p:ext uri="{BB962C8B-B14F-4D97-AF65-F5344CB8AC3E}">
+        <p14:creationId xmlns:p14="http://schemas.microsoft.com/office/powerpoint/2010/main" val="4187162052"/>
+      </p:ext>
+    </p:extLst>
+  </p:cSld>
+  <p:clrMapOvr>
+    <a:masterClrMapping/>
+  </p:clrMapOvr>
+</p:sld>
+</file>
+
+<file path=ppt/slides/slide23.xml><?xml version="1.0" encoding="utf-8"?>
+<p:sld xmlns:a="http://schemas.openxmlformats.org/drawingml/2006/main" xmlns:r="http://schemas.openxmlformats.org/officeDocument/2006/relationships" xmlns:p="http://schemas.openxmlformats.org/presentationml/2006/main">
+  <p:cSld>
+    <p:spTree>
+      <p:nvGrpSpPr>
+        <p:cNvPr id="1" name=""/>
+        <p:cNvGrpSpPr/>
+        <p:nvPr/>
+      </p:nvGrpSpPr>
+      <p:grpSpPr>
+        <a:xfrm>
+          <a:off x="0" y="0"/>
+          <a:ext cx="0" cy="0"/>
+          <a:chOff x="0" y="0"/>
+          <a:chExt cx="0" cy="0"/>
+        </a:xfrm>
+      </p:grpSpPr>
+      <p:sp>
+        <p:nvSpPr>
+          <p:cNvPr id="2" name="Título 1">
+            <a:extLst>
+              <a:ext uri="{FF2B5EF4-FFF2-40B4-BE49-F238E27FC236}">
+                <a16:creationId xmlns:a16="http://schemas.microsoft.com/office/drawing/2014/main" id="{E3405ED8-07BF-6637-9FFA-4E2099BA6138}"/>
+              </a:ext>
+            </a:extLst>
+          </p:cNvPr>
+          <p:cNvSpPr>
+            <a:spLocks noGrp="1"/>
+          </p:cNvSpPr>
+          <p:nvPr>
+            <p:ph type="title"/>
+          </p:nvPr>
+        </p:nvSpPr>
+        <p:spPr/>
+        <p:txBody>
+          <a:bodyPr/>
+          <a:lstStyle/>
+          <a:p>
+            <a:r>
+              <a:rPr lang="pt-BR" dirty="0"/>
+              <a:t>Conclusão</a:t>
+            </a:r>
+          </a:p>
+        </p:txBody>
+      </p:sp>
+      <p:sp>
+        <p:nvSpPr>
+          <p:cNvPr id="3" name="Espaço Reservado para Conteúdo 2">
+            <a:extLst>
+              <a:ext uri="{FF2B5EF4-FFF2-40B4-BE49-F238E27FC236}">
+                <a16:creationId xmlns:a16="http://schemas.microsoft.com/office/drawing/2014/main" id="{8E73546B-8F94-AE92-C170-98EB811C86B3}"/>
+              </a:ext>
+            </a:extLst>
+          </p:cNvPr>
+          <p:cNvSpPr>
+            <a:spLocks noGrp="1"/>
+          </p:cNvSpPr>
+          <p:nvPr>
+            <p:ph idx="1"/>
+          </p:nvPr>
+        </p:nvSpPr>
+        <p:spPr/>
+        <p:txBody>
+          <a:bodyPr>
+            <a:normAutofit/>
+          </a:bodyPr>
+          <a:lstStyle/>
+          <a:p>
+            <a:pPr algn="just"/>
+            <a:r>
+              <a:rPr lang="pt-BR" sz="2400" dirty="0"/>
+              <a:t>Com este trabalho esperamos conseguir auxiliar os alunos do curso a escolherem e se prepararem melhor para as disciplinas.</a:t>
+            </a:r>
+          </a:p>
+          <a:p>
+            <a:pPr algn="just"/>
+            <a:r>
+              <a:rPr lang="pt-BR" sz="2400" dirty="0"/>
+              <a:t>Com isso, buscamos diminuir a reprovação e a evasão do curso.</a:t>
+            </a:r>
+          </a:p>
+        </p:txBody>
+      </p:sp>
+    </p:spTree>
+    <p:extLst>
+      <p:ext uri="{BB962C8B-B14F-4D97-AF65-F5344CB8AC3E}">
+        <p14:creationId xmlns:p14="http://schemas.microsoft.com/office/powerpoint/2010/main" val="3847629038"/>
+      </p:ext>
+    </p:extLst>
+  </p:cSld>
+  <p:clrMapOvr>
+    <a:masterClrMapping/>
+  </p:clrMapOvr>
+</p:sld>
+</file>
+
+<file path=ppt/slides/slide24.xml><?xml version="1.0" encoding="utf-8"?>
+<p:sld xmlns:a="http://schemas.openxmlformats.org/drawingml/2006/main" xmlns:r="http://schemas.openxmlformats.org/officeDocument/2006/relationships" xmlns:p="http://schemas.openxmlformats.org/presentationml/2006/main">
+  <p:cSld>
+    <p:spTree>
+      <p:nvGrpSpPr>
+        <p:cNvPr id="1" name=""/>
+        <p:cNvGrpSpPr/>
+        <p:nvPr/>
+      </p:nvGrpSpPr>
+      <p:grpSpPr>
+        <a:xfrm>
+          <a:off x="0" y="0"/>
+          <a:ext cx="0" cy="0"/>
+          <a:chOff x="0" y="0"/>
+          <a:chExt cx="0" cy="0"/>
+        </a:xfrm>
+      </p:grpSpPr>
+      <p:sp>
+        <p:nvSpPr>
+          <p:cNvPr id="2" name="Título 1">
+            <a:extLst>
+              <a:ext uri="{FF2B5EF4-FFF2-40B4-BE49-F238E27FC236}">
+                <a16:creationId xmlns:a16="http://schemas.microsoft.com/office/drawing/2014/main" id="{E3405ED8-07BF-6637-9FFA-4E2099BA6138}"/>
+              </a:ext>
+            </a:extLst>
+          </p:cNvPr>
+          <p:cNvSpPr>
+            <a:spLocks noGrp="1"/>
+          </p:cNvSpPr>
+          <p:nvPr>
+            <p:ph type="title"/>
+          </p:nvPr>
+        </p:nvSpPr>
+        <p:spPr/>
+        <p:txBody>
+          <a:bodyPr/>
+          <a:lstStyle/>
+          <a:p>
+            <a:r>
+              <a:rPr lang="pt-BR" dirty="0"/>
+              <a:t>Trabalhos futuros</a:t>
+            </a:r>
+          </a:p>
+        </p:txBody>
+      </p:sp>
+      <p:sp>
+        <p:nvSpPr>
+          <p:cNvPr id="3" name="Espaço Reservado para Conteúdo 2">
+            <a:extLst>
+              <a:ext uri="{FF2B5EF4-FFF2-40B4-BE49-F238E27FC236}">
+                <a16:creationId xmlns:a16="http://schemas.microsoft.com/office/drawing/2014/main" id="{8E73546B-8F94-AE92-C170-98EB811C86B3}"/>
+              </a:ext>
+            </a:extLst>
+          </p:cNvPr>
+          <p:cNvSpPr>
+            <a:spLocks noGrp="1"/>
+          </p:cNvSpPr>
+          <p:nvPr>
+            <p:ph idx="1"/>
+          </p:nvPr>
+        </p:nvSpPr>
+        <p:spPr/>
+        <p:txBody>
+          <a:bodyPr>
+            <a:normAutofit/>
+          </a:bodyPr>
+          <a:lstStyle/>
+          <a:p>
+            <a:pPr algn="just"/>
+            <a:r>
+              <a:rPr lang="pt-BR" sz="2400" dirty="0"/>
+              <a:t>Análise das opiniões dos alunos e realizar mudanças baseadas no </a:t>
+            </a:r>
+            <a:r>
+              <a:rPr lang="pt-BR" sz="2400" i="1" dirty="0"/>
+              <a:t>feedback</a:t>
+            </a:r>
+            <a:endParaRPr lang="pt-BR" sz="2400" dirty="0"/>
+          </a:p>
+          <a:p>
+            <a:pPr algn="just"/>
+            <a:r>
+              <a:rPr lang="pt-BR" sz="2400" dirty="0"/>
+              <a:t>Mudanças na aparência dos gráficos, principalmente visando acessibilidade para usuários com deficiências visuais.</a:t>
+            </a:r>
+          </a:p>
+          <a:p>
+            <a:pPr algn="just"/>
+            <a:r>
+              <a:rPr lang="pt-BR" sz="2400" dirty="0"/>
+              <a:t>Verificar ao longo do tempo se as ações realizadas pelo curso e pelo PET-CC estão suprindo efeito, diminuindo a taxa de reprovação e evasão.</a:t>
+            </a:r>
+          </a:p>
+        </p:txBody>
+      </p:sp>
+    </p:spTree>
+    <p:extLst>
+      <p:ext uri="{BB962C8B-B14F-4D97-AF65-F5344CB8AC3E}">
+        <p14:creationId xmlns:p14="http://schemas.microsoft.com/office/powerpoint/2010/main" val="2392565333"/>
       </p:ext>
     </p:extLst>
   </p:cSld>
@@ -4858,6 +5403,330 @@
           <p:cNvPr id="2" name="Título 1">
             <a:extLst>
               <a:ext uri="{FF2B5EF4-FFF2-40B4-BE49-F238E27FC236}">
+                <a16:creationId xmlns:a16="http://schemas.microsoft.com/office/drawing/2014/main" id="{4500C5C3-8A6E-81A9-B68A-7A3C28EF40D6}"/>
+              </a:ext>
+            </a:extLst>
+          </p:cNvPr>
+          <p:cNvSpPr>
+            <a:spLocks noGrp="1"/>
+          </p:cNvSpPr>
+          <p:nvPr>
+            <p:ph type="title"/>
+          </p:nvPr>
+        </p:nvSpPr>
+        <p:spPr/>
+        <p:txBody>
+          <a:bodyPr/>
+          <a:lstStyle/>
+          <a:p>
+            <a:r>
+              <a:rPr lang="pt-BR" dirty="0"/>
+              <a:t>Motivação</a:t>
+            </a:r>
+          </a:p>
+        </p:txBody>
+      </p:sp>
+      <p:sp>
+        <p:nvSpPr>
+          <p:cNvPr id="3" name="Espaço Reservado para Conteúdo 2">
+            <a:extLst>
+              <a:ext uri="{FF2B5EF4-FFF2-40B4-BE49-F238E27FC236}">
+                <a16:creationId xmlns:a16="http://schemas.microsoft.com/office/drawing/2014/main" id="{3F7EDEC0-BD92-5777-894B-B08E88568AE8}"/>
+              </a:ext>
+            </a:extLst>
+          </p:cNvPr>
+          <p:cNvSpPr>
+            <a:spLocks noGrp="1"/>
+          </p:cNvSpPr>
+          <p:nvPr>
+            <p:ph idx="1"/>
+          </p:nvPr>
+        </p:nvSpPr>
+        <p:spPr/>
+        <p:txBody>
+          <a:bodyPr>
+            <a:normAutofit/>
+          </a:bodyPr>
+          <a:lstStyle/>
+          <a:p>
+            <a:r>
+              <a:rPr lang="pt-BR" sz="2400" dirty="0"/>
+              <a:t>O curso de Ciência da Computação da UFSM tem uma alta taxa de reprovação e evasão.</a:t>
+            </a:r>
+          </a:p>
+          <a:p>
+            <a:endParaRPr lang="pt-BR" sz="2400" dirty="0"/>
+          </a:p>
+        </p:txBody>
+      </p:sp>
+      <p:pic>
+        <p:nvPicPr>
+          <p:cNvPr id="5" name="Imagem 4">
+            <a:extLst>
+              <a:ext uri="{FF2B5EF4-FFF2-40B4-BE49-F238E27FC236}">
+                <a16:creationId xmlns:a16="http://schemas.microsoft.com/office/drawing/2014/main" id="{ED88657D-5C95-853A-BDC9-1A9F7683F130}"/>
+              </a:ext>
+            </a:extLst>
+          </p:cNvPr>
+          <p:cNvPicPr>
+            <a:picLocks noChangeAspect="1"/>
+          </p:cNvPicPr>
+          <p:nvPr/>
+        </p:nvPicPr>
+        <p:blipFill>
+          <a:blip r:embed="rId2">
+            <a:extLst>
+              <a:ext uri="{28A0092B-C50C-407E-A947-70E740481C1C}">
+                <a14:useLocalDpi xmlns:a14="http://schemas.microsoft.com/office/drawing/2010/main" val="0"/>
+              </a:ext>
+            </a:extLst>
+          </a:blip>
+          <a:stretch>
+            <a:fillRect/>
+          </a:stretch>
+        </p:blipFill>
+        <p:spPr>
+          <a:xfrm>
+            <a:off x="3471707" y="2877527"/>
+            <a:ext cx="5272969" cy="3108276"/>
+          </a:xfrm>
+          <a:prstGeom prst="rect">
+            <a:avLst/>
+          </a:prstGeom>
+        </p:spPr>
+      </p:pic>
+    </p:spTree>
+    <p:extLst>
+      <p:ext uri="{BB962C8B-B14F-4D97-AF65-F5344CB8AC3E}">
+        <p14:creationId xmlns:p14="http://schemas.microsoft.com/office/powerpoint/2010/main" val="2248268255"/>
+      </p:ext>
+    </p:extLst>
+  </p:cSld>
+  <p:clrMapOvr>
+    <a:masterClrMapping/>
+  </p:clrMapOvr>
+</p:sld>
+</file>
+
+<file path=ppt/slides/slide5.xml><?xml version="1.0" encoding="utf-8"?>
+<p:sld xmlns:a="http://schemas.openxmlformats.org/drawingml/2006/main" xmlns:r="http://schemas.openxmlformats.org/officeDocument/2006/relationships" xmlns:p="http://schemas.openxmlformats.org/presentationml/2006/main">
+  <p:cSld>
+    <p:spTree>
+      <p:nvGrpSpPr>
+        <p:cNvPr id="1" name=""/>
+        <p:cNvGrpSpPr/>
+        <p:nvPr/>
+      </p:nvGrpSpPr>
+      <p:grpSpPr>
+        <a:xfrm>
+          <a:off x="0" y="0"/>
+          <a:ext cx="0" cy="0"/>
+          <a:chOff x="0" y="0"/>
+          <a:chExt cx="0" cy="0"/>
+        </a:xfrm>
+      </p:grpSpPr>
+      <p:sp>
+        <p:nvSpPr>
+          <p:cNvPr id="2" name="Título 1">
+            <a:extLst>
+              <a:ext uri="{FF2B5EF4-FFF2-40B4-BE49-F238E27FC236}">
+                <a16:creationId xmlns:a16="http://schemas.microsoft.com/office/drawing/2014/main" id="{4500C5C3-8A6E-81A9-B68A-7A3C28EF40D6}"/>
+              </a:ext>
+            </a:extLst>
+          </p:cNvPr>
+          <p:cNvSpPr>
+            <a:spLocks noGrp="1"/>
+          </p:cNvSpPr>
+          <p:nvPr>
+            <p:ph type="title"/>
+          </p:nvPr>
+        </p:nvSpPr>
+        <p:spPr/>
+        <p:txBody>
+          <a:bodyPr/>
+          <a:lstStyle/>
+          <a:p>
+            <a:r>
+              <a:rPr lang="pt-BR" dirty="0"/>
+              <a:t>Motivação</a:t>
+            </a:r>
+          </a:p>
+        </p:txBody>
+      </p:sp>
+      <p:sp>
+        <p:nvSpPr>
+          <p:cNvPr id="3" name="Espaço Reservado para Conteúdo 2">
+            <a:extLst>
+              <a:ext uri="{FF2B5EF4-FFF2-40B4-BE49-F238E27FC236}">
+                <a16:creationId xmlns:a16="http://schemas.microsoft.com/office/drawing/2014/main" id="{3F7EDEC0-BD92-5777-894B-B08E88568AE8}"/>
+              </a:ext>
+            </a:extLst>
+          </p:cNvPr>
+          <p:cNvSpPr>
+            <a:spLocks noGrp="1"/>
+          </p:cNvSpPr>
+          <p:nvPr>
+            <p:ph idx="1"/>
+          </p:nvPr>
+        </p:nvSpPr>
+        <p:spPr/>
+        <p:txBody>
+          <a:bodyPr>
+            <a:normAutofit/>
+          </a:bodyPr>
+          <a:lstStyle/>
+          <a:p>
+            <a:r>
+              <a:rPr lang="pt-BR" sz="2400" dirty="0"/>
+              <a:t>Por este motivo, há alguns anos o Programa de Educação Tutorial do curso de Ciência da Computação (PET-CC) vem fazendo eventos semestrais mostrando (com dados) as disciplinas que historicamente tem um índice alto de reprovação.</a:t>
+            </a:r>
+          </a:p>
+          <a:p>
+            <a:r>
+              <a:rPr lang="pt-BR" sz="2400" dirty="0"/>
+              <a:t>A intenção é tentar com isso, e outras ações que o grupo e o curso desenvolvem, minimizar a reprovação e consequentemente a evasão.</a:t>
+            </a:r>
+          </a:p>
+        </p:txBody>
+      </p:sp>
+    </p:spTree>
+    <p:extLst>
+      <p:ext uri="{BB962C8B-B14F-4D97-AF65-F5344CB8AC3E}">
+        <p14:creationId xmlns:p14="http://schemas.microsoft.com/office/powerpoint/2010/main" val="1521147281"/>
+      </p:ext>
+    </p:extLst>
+  </p:cSld>
+  <p:clrMapOvr>
+    <a:masterClrMapping/>
+  </p:clrMapOvr>
+</p:sld>
+</file>
+
+<file path=ppt/slides/slide6.xml><?xml version="1.0" encoding="utf-8"?>
+<p:sld xmlns:a="http://schemas.openxmlformats.org/drawingml/2006/main" xmlns:r="http://schemas.openxmlformats.org/officeDocument/2006/relationships" xmlns:p="http://schemas.openxmlformats.org/presentationml/2006/main">
+  <p:cSld>
+    <p:spTree>
+      <p:nvGrpSpPr>
+        <p:cNvPr id="1" name=""/>
+        <p:cNvGrpSpPr/>
+        <p:nvPr/>
+      </p:nvGrpSpPr>
+      <p:grpSpPr>
+        <a:xfrm>
+          <a:off x="0" y="0"/>
+          <a:ext cx="0" cy="0"/>
+          <a:chOff x="0" y="0"/>
+          <a:chExt cx="0" cy="0"/>
+        </a:xfrm>
+      </p:grpSpPr>
+      <p:sp>
+        <p:nvSpPr>
+          <p:cNvPr id="2" name="Título 1">
+            <a:extLst>
+              <a:ext uri="{FF2B5EF4-FFF2-40B4-BE49-F238E27FC236}">
+                <a16:creationId xmlns:a16="http://schemas.microsoft.com/office/drawing/2014/main" id="{4500C5C3-8A6E-81A9-B68A-7A3C28EF40D6}"/>
+              </a:ext>
+            </a:extLst>
+          </p:cNvPr>
+          <p:cNvSpPr>
+            <a:spLocks noGrp="1"/>
+          </p:cNvSpPr>
+          <p:nvPr>
+            <p:ph type="title"/>
+          </p:nvPr>
+        </p:nvSpPr>
+        <p:spPr/>
+        <p:txBody>
+          <a:bodyPr/>
+          <a:lstStyle/>
+          <a:p>
+            <a:r>
+              <a:rPr lang="pt-BR" dirty="0"/>
+              <a:t>Motivação</a:t>
+            </a:r>
+          </a:p>
+        </p:txBody>
+      </p:sp>
+      <p:sp>
+        <p:nvSpPr>
+          <p:cNvPr id="3" name="Espaço Reservado para Conteúdo 2">
+            <a:extLst>
+              <a:ext uri="{FF2B5EF4-FFF2-40B4-BE49-F238E27FC236}">
+                <a16:creationId xmlns:a16="http://schemas.microsoft.com/office/drawing/2014/main" id="{3F7EDEC0-BD92-5777-894B-B08E88568AE8}"/>
+              </a:ext>
+            </a:extLst>
+          </p:cNvPr>
+          <p:cNvSpPr>
+            <a:spLocks noGrp="1"/>
+          </p:cNvSpPr>
+          <p:nvPr>
+            <p:ph idx="1"/>
+          </p:nvPr>
+        </p:nvSpPr>
+        <p:spPr/>
+        <p:txBody>
+          <a:bodyPr>
+            <a:normAutofit/>
+          </a:bodyPr>
+          <a:lstStyle/>
+          <a:p>
+            <a:r>
+              <a:rPr lang="pt-BR" sz="2400" dirty="0"/>
+              <a:t>O objetivo é deixar os alunos cientes da dificuldade histórica das disciplinas, para que já cheguem cientes do nível de exigência das matérias que irão cursar.</a:t>
+            </a:r>
+          </a:p>
+          <a:p>
+            <a:r>
+              <a:rPr lang="pt-BR" sz="2400" dirty="0"/>
+              <a:t>Porém, até então, a única fonte de consulta que os alunos tinham do histórico das disciplinas eram estes eventos realizados semestralmente.</a:t>
+            </a:r>
+          </a:p>
+          <a:p>
+            <a:r>
+              <a:rPr lang="pt-BR" sz="2400" dirty="0"/>
+              <a:t>Este trabalho tem como objetivo criar e disponibilizar uma ferramenta interativa para que os alunos possam consultar a qualquer momento.</a:t>
+            </a:r>
+          </a:p>
+          <a:p>
+            <a:endParaRPr lang="pt-BR" sz="2400" dirty="0"/>
+          </a:p>
+        </p:txBody>
+      </p:sp>
+    </p:spTree>
+    <p:extLst>
+      <p:ext uri="{BB962C8B-B14F-4D97-AF65-F5344CB8AC3E}">
+        <p14:creationId xmlns:p14="http://schemas.microsoft.com/office/powerpoint/2010/main" val="2003270427"/>
+      </p:ext>
+    </p:extLst>
+  </p:cSld>
+  <p:clrMapOvr>
+    <a:masterClrMapping/>
+  </p:clrMapOvr>
+</p:sld>
+</file>
+
+<file path=ppt/slides/slide7.xml><?xml version="1.0" encoding="utf-8"?>
+<p:sld xmlns:a="http://schemas.openxmlformats.org/drawingml/2006/main" xmlns:r="http://schemas.openxmlformats.org/officeDocument/2006/relationships" xmlns:p="http://schemas.openxmlformats.org/presentationml/2006/main">
+  <p:cSld>
+    <p:spTree>
+      <p:nvGrpSpPr>
+        <p:cNvPr id="1" name=""/>
+        <p:cNvGrpSpPr/>
+        <p:nvPr/>
+      </p:nvGrpSpPr>
+      <p:grpSpPr>
+        <a:xfrm>
+          <a:off x="0" y="0"/>
+          <a:ext cx="0" cy="0"/>
+          <a:chOff x="0" y="0"/>
+          <a:chExt cx="0" cy="0"/>
+        </a:xfrm>
+      </p:grpSpPr>
+      <p:sp>
+        <p:nvSpPr>
+          <p:cNvPr id="2" name="Título 1">
+            <a:extLst>
+              <a:ext uri="{FF2B5EF4-FFF2-40B4-BE49-F238E27FC236}">
                 <a16:creationId xmlns:a16="http://schemas.microsoft.com/office/drawing/2014/main" id="{BFC21C78-2501-0883-944D-8AF596A94589}"/>
               </a:ext>
             </a:extLst>
@@ -4933,332 +5802,6 @@
 </p:sld>
 </file>
 
-<file path=ppt/slides/slide5.xml><?xml version="1.0" encoding="utf-8"?>
-<p:sld xmlns:a="http://schemas.openxmlformats.org/drawingml/2006/main" xmlns:r="http://schemas.openxmlformats.org/officeDocument/2006/relationships" xmlns:p="http://schemas.openxmlformats.org/presentationml/2006/main">
-  <p:cSld>
-    <p:spTree>
-      <p:nvGrpSpPr>
-        <p:cNvPr id="1" name=""/>
-        <p:cNvGrpSpPr/>
-        <p:nvPr/>
-      </p:nvGrpSpPr>
-      <p:grpSpPr>
-        <a:xfrm>
-          <a:off x="0" y="0"/>
-          <a:ext cx="0" cy="0"/>
-          <a:chOff x="0" y="0"/>
-          <a:chExt cx="0" cy="0"/>
-        </a:xfrm>
-      </p:grpSpPr>
-      <p:sp>
-        <p:nvSpPr>
-          <p:cNvPr id="2" name="Título 1">
-            <a:extLst>
-              <a:ext uri="{FF2B5EF4-FFF2-40B4-BE49-F238E27FC236}">
-                <a16:creationId xmlns:a16="http://schemas.microsoft.com/office/drawing/2014/main" id="{05ECEDB5-AF96-D63C-659B-B77EE38B9F44}"/>
-              </a:ext>
-            </a:extLst>
-          </p:cNvPr>
-          <p:cNvSpPr>
-            <a:spLocks noGrp="1"/>
-          </p:cNvSpPr>
-          <p:nvPr>
-            <p:ph type="title"/>
-          </p:nvPr>
-        </p:nvSpPr>
-        <p:spPr/>
-        <p:txBody>
-          <a:bodyPr/>
-          <a:lstStyle/>
-          <a:p>
-            <a:r>
-              <a:rPr lang="pt-BR" dirty="0"/>
-              <a:t>Dados: Coleta</a:t>
-            </a:r>
-          </a:p>
-        </p:txBody>
-      </p:sp>
-      <p:sp>
-        <p:nvSpPr>
-          <p:cNvPr id="3" name="Espaço Reservado para Conteúdo 2">
-            <a:extLst>
-              <a:ext uri="{FF2B5EF4-FFF2-40B4-BE49-F238E27FC236}">
-                <a16:creationId xmlns:a16="http://schemas.microsoft.com/office/drawing/2014/main" id="{692FD589-5A6D-DF63-AA69-1301CDF559A2}"/>
-              </a:ext>
-            </a:extLst>
-          </p:cNvPr>
-          <p:cNvSpPr>
-            <a:spLocks noGrp="1"/>
-          </p:cNvSpPr>
-          <p:nvPr>
-            <p:ph idx="1"/>
-          </p:nvPr>
-        </p:nvSpPr>
-        <p:spPr/>
-        <p:txBody>
-          <a:bodyPr>
-            <a:normAutofit/>
-          </a:bodyPr>
-          <a:lstStyle/>
-          <a:p>
-            <a:pPr algn="just"/>
-            <a:r>
-              <a:rPr lang="pt-BR" sz="2400" dirty="0"/>
-              <a:t>A coleta dos dados dos alunos foi feita junto a secretaria do Curso de Ciência da Computação da UFSM</a:t>
-            </a:r>
-          </a:p>
-          <a:p>
-            <a:pPr algn="just"/>
-            <a:r>
-              <a:rPr lang="pt-BR" sz="2400" dirty="0"/>
-              <a:t>Também foi criado um novo conjunto de dados, contendo as disciplinas do curso, semestres recomendados, etc.</a:t>
-            </a:r>
-          </a:p>
-        </p:txBody>
-      </p:sp>
-    </p:spTree>
-    <p:extLst>
-      <p:ext uri="{BB962C8B-B14F-4D97-AF65-F5344CB8AC3E}">
-        <p14:creationId xmlns:p14="http://schemas.microsoft.com/office/powerpoint/2010/main" val="1980494359"/>
-      </p:ext>
-    </p:extLst>
-  </p:cSld>
-  <p:clrMapOvr>
-    <a:masterClrMapping/>
-  </p:clrMapOvr>
-</p:sld>
-</file>
-
-<file path=ppt/slides/slide6.xml><?xml version="1.0" encoding="utf-8"?>
-<p:sld xmlns:a="http://schemas.openxmlformats.org/drawingml/2006/main" xmlns:r="http://schemas.openxmlformats.org/officeDocument/2006/relationships" xmlns:p="http://schemas.openxmlformats.org/presentationml/2006/main">
-  <p:cSld>
-    <p:spTree>
-      <p:nvGrpSpPr>
-        <p:cNvPr id="1" name=""/>
-        <p:cNvGrpSpPr/>
-        <p:nvPr/>
-      </p:nvGrpSpPr>
-      <p:grpSpPr>
-        <a:xfrm>
-          <a:off x="0" y="0"/>
-          <a:ext cx="0" cy="0"/>
-          <a:chOff x="0" y="0"/>
-          <a:chExt cx="0" cy="0"/>
-        </a:xfrm>
-      </p:grpSpPr>
-      <p:sp>
-        <p:nvSpPr>
-          <p:cNvPr id="2" name="Título 1">
-            <a:extLst>
-              <a:ext uri="{FF2B5EF4-FFF2-40B4-BE49-F238E27FC236}">
-                <a16:creationId xmlns:a16="http://schemas.microsoft.com/office/drawing/2014/main" id="{06261A26-9A25-B38F-5F3B-E29726C8DBA7}"/>
-              </a:ext>
-            </a:extLst>
-          </p:cNvPr>
-          <p:cNvSpPr>
-            <a:spLocks noGrp="1"/>
-          </p:cNvSpPr>
-          <p:nvPr>
-            <p:ph type="title"/>
-          </p:nvPr>
-        </p:nvSpPr>
-        <p:spPr/>
-        <p:txBody>
-          <a:bodyPr/>
-          <a:lstStyle/>
-          <a:p>
-            <a:r>
-              <a:rPr lang="pt-BR" dirty="0"/>
-              <a:t>Dados: Análise e Preparação</a:t>
-            </a:r>
-          </a:p>
-        </p:txBody>
-      </p:sp>
-      <p:sp>
-        <p:nvSpPr>
-          <p:cNvPr id="3" name="Espaço Reservado para Conteúdo 2">
-            <a:extLst>
-              <a:ext uri="{FF2B5EF4-FFF2-40B4-BE49-F238E27FC236}">
-                <a16:creationId xmlns:a16="http://schemas.microsoft.com/office/drawing/2014/main" id="{D6E187F6-E502-BF1A-B0A0-77D78FF67CAE}"/>
-              </a:ext>
-            </a:extLst>
-          </p:cNvPr>
-          <p:cNvSpPr>
-            <a:spLocks noGrp="1"/>
-          </p:cNvSpPr>
-          <p:nvPr>
-            <p:ph idx="1"/>
-          </p:nvPr>
-        </p:nvSpPr>
-        <p:spPr/>
-        <p:txBody>
-          <a:bodyPr>
-            <a:normAutofit/>
-          </a:bodyPr>
-          <a:lstStyle/>
-          <a:p>
-            <a:pPr algn="just"/>
-            <a:r>
-              <a:rPr lang="pt-BR" sz="2400" dirty="0"/>
-              <a:t>Os dados fornecidos pela secretaria eram íntegros.</a:t>
-            </a:r>
-          </a:p>
-          <a:p>
-            <a:pPr algn="just"/>
-            <a:r>
-              <a:rPr lang="pt-BR" sz="2400" dirty="0"/>
-              <a:t>Como estavam separados em várias tabelas, foi feita a junção. Isto foi feito utilizando a linguagem R.</a:t>
-            </a:r>
-          </a:p>
-          <a:p>
-            <a:pPr algn="just"/>
-            <a:r>
-              <a:rPr lang="pt-BR" sz="2400" dirty="0"/>
-              <a:t>Após, as tabelas de dados dos alunos e dados das disciplinas foram cruzadas, também utilizando a linguagem R.</a:t>
-            </a:r>
-          </a:p>
-          <a:p>
-            <a:pPr algn="just"/>
-            <a:r>
-              <a:rPr lang="pt-BR" sz="2400" dirty="0"/>
-              <a:t>Os </a:t>
-            </a:r>
-            <a:r>
-              <a:rPr lang="pt-BR" sz="2400" i="1" dirty="0"/>
-              <a:t>scripts</a:t>
-            </a:r>
-            <a:r>
-              <a:rPr lang="pt-BR" sz="2400" dirty="0"/>
-              <a:t> de integração dos dados estão preparados para novas inserções de tabelas.</a:t>
-            </a:r>
-          </a:p>
-        </p:txBody>
-      </p:sp>
-    </p:spTree>
-    <p:extLst>
-      <p:ext uri="{BB962C8B-B14F-4D97-AF65-F5344CB8AC3E}">
-        <p14:creationId xmlns:p14="http://schemas.microsoft.com/office/powerpoint/2010/main" val="185996475"/>
-      </p:ext>
-    </p:extLst>
-  </p:cSld>
-  <p:clrMapOvr>
-    <a:masterClrMapping/>
-  </p:clrMapOvr>
-</p:sld>
-</file>
-
-<file path=ppt/slides/slide7.xml><?xml version="1.0" encoding="utf-8"?>
-<p:sld xmlns:a="http://schemas.openxmlformats.org/drawingml/2006/main" xmlns:r="http://schemas.openxmlformats.org/officeDocument/2006/relationships" xmlns:p="http://schemas.openxmlformats.org/presentationml/2006/main">
-  <p:cSld>
-    <p:spTree>
-      <p:nvGrpSpPr>
-        <p:cNvPr id="1" name=""/>
-        <p:cNvGrpSpPr/>
-        <p:nvPr/>
-      </p:nvGrpSpPr>
-      <p:grpSpPr>
-        <a:xfrm>
-          <a:off x="0" y="0"/>
-          <a:ext cx="0" cy="0"/>
-          <a:chOff x="0" y="0"/>
-          <a:chExt cx="0" cy="0"/>
-        </a:xfrm>
-      </p:grpSpPr>
-      <p:sp>
-        <p:nvSpPr>
-          <p:cNvPr id="2" name="Título 1">
-            <a:extLst>
-              <a:ext uri="{FF2B5EF4-FFF2-40B4-BE49-F238E27FC236}">
-                <a16:creationId xmlns:a16="http://schemas.microsoft.com/office/drawing/2014/main" id="{6D593F5E-42C9-AACA-24BE-CCB0E761F32C}"/>
-              </a:ext>
-            </a:extLst>
-          </p:cNvPr>
-          <p:cNvSpPr>
-            <a:spLocks noGrp="1"/>
-          </p:cNvSpPr>
-          <p:nvPr>
-            <p:ph type="title"/>
-          </p:nvPr>
-        </p:nvSpPr>
-        <p:spPr/>
-        <p:txBody>
-          <a:bodyPr/>
-          <a:lstStyle/>
-          <a:p>
-            <a:r>
-              <a:rPr lang="pt-BR" i="1" dirty="0"/>
-              <a:t>Dashboard</a:t>
-            </a:r>
-            <a:r>
-              <a:rPr lang="pt-BR" dirty="0"/>
-              <a:t>: Desenvolvimento</a:t>
-            </a:r>
-          </a:p>
-        </p:txBody>
-      </p:sp>
-      <p:sp>
-        <p:nvSpPr>
-          <p:cNvPr id="3" name="Espaço Reservado para Conteúdo 2">
-            <a:extLst>
-              <a:ext uri="{FF2B5EF4-FFF2-40B4-BE49-F238E27FC236}">
-                <a16:creationId xmlns:a16="http://schemas.microsoft.com/office/drawing/2014/main" id="{B19E713F-7D75-44FA-6F27-265AA40044C3}"/>
-              </a:ext>
-            </a:extLst>
-          </p:cNvPr>
-          <p:cNvSpPr>
-            <a:spLocks noGrp="1"/>
-          </p:cNvSpPr>
-          <p:nvPr>
-            <p:ph idx="1"/>
-          </p:nvPr>
-        </p:nvSpPr>
-        <p:spPr/>
-        <p:txBody>
-          <a:bodyPr/>
-          <a:lstStyle/>
-          <a:p>
-            <a:pPr algn="just"/>
-            <a:r>
-              <a:rPr lang="pt-BR" sz="2400" dirty="0"/>
-              <a:t>O </a:t>
-            </a:r>
-            <a:r>
-              <a:rPr lang="pt-BR" sz="2400" i="1" dirty="0"/>
-              <a:t>dashboard</a:t>
-            </a:r>
-            <a:r>
-              <a:rPr lang="pt-BR" sz="2400" dirty="0"/>
-              <a:t> foi construído utilizando a ferramenta Power BI.</a:t>
-            </a:r>
-          </a:p>
-          <a:p>
-            <a:pPr algn="just"/>
-            <a:r>
-              <a:rPr lang="pt-BR" sz="2400" dirty="0"/>
-              <a:t>Diferentes versões foram criadas, e aprimoradas ao longo de testes feitos pelos autores.</a:t>
-            </a:r>
-          </a:p>
-          <a:p>
-            <a:endParaRPr lang="pt-BR" dirty="0"/>
-          </a:p>
-          <a:p>
-            <a:endParaRPr lang="pt-BR" dirty="0"/>
-          </a:p>
-        </p:txBody>
-      </p:sp>
-    </p:spTree>
-    <p:extLst>
-      <p:ext uri="{BB962C8B-B14F-4D97-AF65-F5344CB8AC3E}">
-        <p14:creationId xmlns:p14="http://schemas.microsoft.com/office/powerpoint/2010/main" val="3903916225"/>
-      </p:ext>
-    </p:extLst>
-  </p:cSld>
-  <p:clrMapOvr>
-    <a:masterClrMapping/>
-  </p:clrMapOvr>
-</p:sld>
-</file>
-
 <file path=ppt/slides/slide8.xml><?xml version="1.0" encoding="utf-8"?>
 <p:sld xmlns:a="http://schemas.openxmlformats.org/drawingml/2006/main" xmlns:r="http://schemas.openxmlformats.org/officeDocument/2006/relationships" xmlns:p="http://schemas.openxmlformats.org/presentationml/2006/main">
   <p:cSld>
@@ -5281,7 +5824,7 @@
           <p:cNvPr id="2" name="Título 1">
             <a:extLst>
               <a:ext uri="{FF2B5EF4-FFF2-40B4-BE49-F238E27FC236}">
-                <a16:creationId xmlns:a16="http://schemas.microsoft.com/office/drawing/2014/main" id="{C8D55341-EB75-3BA3-1F79-1982B0BC8022}"/>
+                <a16:creationId xmlns:a16="http://schemas.microsoft.com/office/drawing/2014/main" id="{05ECEDB5-AF96-D63C-659B-B77EE38B9F44}"/>
               </a:ext>
             </a:extLst>
           </p:cNvPr>
@@ -5292,23 +5835,14 @@
             <p:ph type="title"/>
           </p:nvPr>
         </p:nvSpPr>
-        <p:spPr>
-          <a:xfrm>
-            <a:off x="1261872" y="984738"/>
-            <a:ext cx="9692640" cy="1325562"/>
-          </a:xfrm>
-        </p:spPr>
-        <p:txBody>
-          <a:bodyPr/>
-          <a:lstStyle/>
-          <a:p>
-            <a:r>
-              <a:rPr lang="pt-BR" i="1" dirty="0"/>
-              <a:t>Dashboard</a:t>
-            </a:r>
+        <p:spPr/>
+        <p:txBody>
+          <a:bodyPr/>
+          <a:lstStyle/>
+          <a:p>
             <a:r>
               <a:rPr lang="pt-BR" dirty="0"/>
-              <a:t>: Funcionalidades Interativas</a:t>
+              <a:t>Dados: Coleta</a:t>
             </a:r>
           </a:p>
         </p:txBody>
@@ -5318,7 +5852,7 @@
           <p:cNvPr id="3" name="Espaço Reservado para Conteúdo 2">
             <a:extLst>
               <a:ext uri="{FF2B5EF4-FFF2-40B4-BE49-F238E27FC236}">
-                <a16:creationId xmlns:a16="http://schemas.microsoft.com/office/drawing/2014/main" id="{04726491-1AF1-E415-742F-880D14340E67}"/>
+                <a16:creationId xmlns:a16="http://schemas.microsoft.com/office/drawing/2014/main" id="{692FD589-5A6D-DF63-AA69-1301CDF559A2}"/>
               </a:ext>
             </a:extLst>
           </p:cNvPr>
@@ -5329,12 +5863,7 @@
             <p:ph idx="1"/>
           </p:nvPr>
         </p:nvSpPr>
-        <p:spPr>
-          <a:xfrm>
-            <a:off x="1261872" y="2310300"/>
-            <a:ext cx="8595360" cy="4351337"/>
-          </a:xfrm>
-        </p:spPr>
+        <p:spPr/>
         <p:txBody>
           <a:bodyPr>
             <a:normAutofit/>
@@ -5344,29 +5873,14 @@
             <a:pPr algn="just"/>
             <a:r>
               <a:rPr lang="pt-BR" sz="2400" dirty="0"/>
-              <a:t>O </a:t>
-            </a:r>
-            <a:r>
-              <a:rPr lang="pt-BR" sz="2400" i="1" dirty="0"/>
-              <a:t>dashboard</a:t>
-            </a:r>
+              <a:t>A coleta dos dados dos alunos foi feita junto a secretaria do Curso de Ciência da Computação da UFSM</a:t>
+            </a:r>
+          </a:p>
+          <a:p>
+            <a:pPr algn="just"/>
             <a:r>
               <a:rPr lang="pt-BR" sz="2400" dirty="0"/>
-              <a:t> conta com funcionalidades interativas.</a:t>
-            </a:r>
-          </a:p>
-          <a:p>
-            <a:pPr algn="just"/>
-            <a:r>
-              <a:rPr lang="pt-BR" sz="2400" dirty="0"/>
-              <a:t>Estas funcionalidades servem para o usuário conseguir fazer consultas específicas, de acordo com seu interesse.</a:t>
-            </a:r>
-          </a:p>
-          <a:p>
-            <a:pPr algn="just"/>
-            <a:r>
-              <a:rPr lang="pt-BR" sz="2400" dirty="0"/>
-              <a:t>Além das diferentes visualizações disponibilizadas diretamente nas páginas o usuário também pode filtrar a consulta por disciplina, sigla e ano específicos.</a:t>
+              <a:t>Também foi criado um novo conjunto de dados, contendo as disciplinas do curso, semestres recomendados, etc.</a:t>
             </a:r>
           </a:p>
         </p:txBody>
@@ -5374,7 +5888,7 @@
     </p:spTree>
     <p:extLst>
       <p:ext uri="{BB962C8B-B14F-4D97-AF65-F5344CB8AC3E}">
-        <p14:creationId xmlns:p14="http://schemas.microsoft.com/office/powerpoint/2010/main" val="437568559"/>
+        <p14:creationId xmlns:p14="http://schemas.microsoft.com/office/powerpoint/2010/main" val="1980494359"/>
       </p:ext>
     </p:extLst>
   </p:cSld>
@@ -5406,7 +5920,7 @@
           <p:cNvPr id="2" name="Título 1">
             <a:extLst>
               <a:ext uri="{FF2B5EF4-FFF2-40B4-BE49-F238E27FC236}">
-                <a16:creationId xmlns:a16="http://schemas.microsoft.com/office/drawing/2014/main" id="{3533FB61-637D-6BD6-BF9C-4FD719AE8C3B}"/>
+                <a16:creationId xmlns:a16="http://schemas.microsoft.com/office/drawing/2014/main" id="{06261A26-9A25-B38F-5F3B-E29726C8DBA7}"/>
               </a:ext>
             </a:extLst>
           </p:cNvPr>
@@ -5423,12 +5937,8 @@
           <a:lstStyle/>
           <a:p>
             <a:r>
-              <a:rPr lang="pt-BR" i="1" dirty="0"/>
-              <a:t>Dashboard</a:t>
-            </a:r>
-            <a:r>
               <a:rPr lang="pt-BR" dirty="0"/>
-              <a:t>: Manutenção</a:t>
+              <a:t>Dados: Análise e Preparação</a:t>
             </a:r>
           </a:p>
         </p:txBody>
@@ -5438,7 +5948,7 @@
           <p:cNvPr id="3" name="Espaço Reservado para Conteúdo 2">
             <a:extLst>
               <a:ext uri="{FF2B5EF4-FFF2-40B4-BE49-F238E27FC236}">
-                <a16:creationId xmlns:a16="http://schemas.microsoft.com/office/drawing/2014/main" id="{D0BE4343-94D1-6CE8-8DFB-52DCAA053920}"/>
+                <a16:creationId xmlns:a16="http://schemas.microsoft.com/office/drawing/2014/main" id="{D6E187F6-E502-BF1A-B0A0-77D78FF67CAE}"/>
               </a:ext>
             </a:extLst>
           </p:cNvPr>
@@ -5459,14 +5969,36 @@
             <a:pPr algn="just"/>
             <a:r>
               <a:rPr lang="pt-BR" sz="2400" dirty="0"/>
-              <a:t>A ferramenta foi publicada no site do Programa de Educação Tutorial do Curso de Ciência da Computação (PET-CC) da Universidade Federal de Santa Maria (UFSM)</a:t>
+              <a:t>Os dados fornecidos pela secretaria eram íntegros.</a:t>
             </a:r>
           </a:p>
           <a:p>
             <a:pPr algn="just"/>
             <a:r>
               <a:rPr lang="pt-BR" sz="2400" dirty="0"/>
-              <a:t>A manutenção está sendo e será feita pelos membros do PET-CC ao longo do tempo.</a:t>
+              <a:t>Como estavam separados em várias tabelas, foi feita a junção. Isto foi feito utilizando a linguagem R.</a:t>
+            </a:r>
+          </a:p>
+          <a:p>
+            <a:pPr algn="just"/>
+            <a:r>
+              <a:rPr lang="pt-BR" sz="2400" dirty="0"/>
+              <a:t>Após, as tabelas de dados dos alunos e dados das disciplinas foram cruzadas, também utilizando a linguagem R.</a:t>
+            </a:r>
+          </a:p>
+          <a:p>
+            <a:pPr algn="just"/>
+            <a:r>
+              <a:rPr lang="pt-BR" sz="2400" dirty="0"/>
+              <a:t>Os </a:t>
+            </a:r>
+            <a:r>
+              <a:rPr lang="pt-BR" sz="2400" i="1" dirty="0"/>
+              <a:t>scripts</a:t>
+            </a:r>
+            <a:r>
+              <a:rPr lang="pt-BR" sz="2400" dirty="0"/>
+              <a:t> de integração dos dados estão preparados para novas inserções de tabelas.</a:t>
             </a:r>
           </a:p>
         </p:txBody>
@@ -5474,7 +6006,7 @@
     </p:spTree>
     <p:extLst>
       <p:ext uri="{BB962C8B-B14F-4D97-AF65-F5344CB8AC3E}">
-        <p14:creationId xmlns:p14="http://schemas.microsoft.com/office/powerpoint/2010/main" val="1566202971"/>
+        <p14:creationId xmlns:p14="http://schemas.microsoft.com/office/powerpoint/2010/main" val="185996475"/>
       </p:ext>
     </p:extLst>
   </p:cSld>
